--- a/figures/figure1/figure1-new.pptx
+++ b/figures/figure1/figure1-new.pptx
@@ -243,7 +243,7 @@
           <a:p>
             <a:fld id="{36D6B43A-FB72-2B4A-8DB0-B6C23179BADB}" type="datetimeFigureOut">
               <a:rPr lang="en-US" smtClean="0"/>
-              <a:t>4/11/22</a:t>
+              <a:t>5/7/22</a:t>
             </a:fld>
             <a:endParaRPr lang="en-US"/>
           </a:p>
@@ -413,7 +413,7 @@
           <a:p>
             <a:fld id="{36D6B43A-FB72-2B4A-8DB0-B6C23179BADB}" type="datetimeFigureOut">
               <a:rPr lang="en-US" smtClean="0"/>
-              <a:t>4/11/22</a:t>
+              <a:t>5/7/22</a:t>
             </a:fld>
             <a:endParaRPr lang="en-US"/>
           </a:p>
@@ -593,7 +593,7 @@
           <a:p>
             <a:fld id="{36D6B43A-FB72-2B4A-8DB0-B6C23179BADB}" type="datetimeFigureOut">
               <a:rPr lang="en-US" smtClean="0"/>
-              <a:t>4/11/22</a:t>
+              <a:t>5/7/22</a:t>
             </a:fld>
             <a:endParaRPr lang="en-US"/>
           </a:p>
@@ -763,7 +763,7 @@
           <a:p>
             <a:fld id="{36D6B43A-FB72-2B4A-8DB0-B6C23179BADB}" type="datetimeFigureOut">
               <a:rPr lang="en-US" smtClean="0"/>
-              <a:t>4/11/22</a:t>
+              <a:t>5/7/22</a:t>
             </a:fld>
             <a:endParaRPr lang="en-US"/>
           </a:p>
@@ -1009,7 +1009,7 @@
           <a:p>
             <a:fld id="{36D6B43A-FB72-2B4A-8DB0-B6C23179BADB}" type="datetimeFigureOut">
               <a:rPr lang="en-US" smtClean="0"/>
-              <a:t>4/11/22</a:t>
+              <a:t>5/7/22</a:t>
             </a:fld>
             <a:endParaRPr lang="en-US"/>
           </a:p>
@@ -1241,7 +1241,7 @@
           <a:p>
             <a:fld id="{36D6B43A-FB72-2B4A-8DB0-B6C23179BADB}" type="datetimeFigureOut">
               <a:rPr lang="en-US" smtClean="0"/>
-              <a:t>4/11/22</a:t>
+              <a:t>5/7/22</a:t>
             </a:fld>
             <a:endParaRPr lang="en-US"/>
           </a:p>
@@ -1608,7 +1608,7 @@
           <a:p>
             <a:fld id="{36D6B43A-FB72-2B4A-8DB0-B6C23179BADB}" type="datetimeFigureOut">
               <a:rPr lang="en-US" smtClean="0"/>
-              <a:t>4/11/22</a:t>
+              <a:t>5/7/22</a:t>
             </a:fld>
             <a:endParaRPr lang="en-US"/>
           </a:p>
@@ -1726,7 +1726,7 @@
           <a:p>
             <a:fld id="{36D6B43A-FB72-2B4A-8DB0-B6C23179BADB}" type="datetimeFigureOut">
               <a:rPr lang="en-US" smtClean="0"/>
-              <a:t>4/11/22</a:t>
+              <a:t>5/7/22</a:t>
             </a:fld>
             <a:endParaRPr lang="en-US"/>
           </a:p>
@@ -1821,7 +1821,7 @@
           <a:p>
             <a:fld id="{36D6B43A-FB72-2B4A-8DB0-B6C23179BADB}" type="datetimeFigureOut">
               <a:rPr lang="en-US" smtClean="0"/>
-              <a:t>4/11/22</a:t>
+              <a:t>5/7/22</a:t>
             </a:fld>
             <a:endParaRPr lang="en-US"/>
           </a:p>
@@ -2098,7 +2098,7 @@
           <a:p>
             <a:fld id="{36D6B43A-FB72-2B4A-8DB0-B6C23179BADB}" type="datetimeFigureOut">
               <a:rPr lang="en-US" smtClean="0"/>
-              <a:t>4/11/22</a:t>
+              <a:t>5/7/22</a:t>
             </a:fld>
             <a:endParaRPr lang="en-US"/>
           </a:p>
@@ -2355,7 +2355,7 @@
           <a:p>
             <a:fld id="{36D6B43A-FB72-2B4A-8DB0-B6C23179BADB}" type="datetimeFigureOut">
               <a:rPr lang="en-US" smtClean="0"/>
-              <a:t>4/11/22</a:t>
+              <a:t>5/7/22</a:t>
             </a:fld>
             <a:endParaRPr lang="en-US"/>
           </a:p>
@@ -2568,7 +2568,7 @@
           <a:p>
             <a:fld id="{36D6B43A-FB72-2B4A-8DB0-B6C23179BADB}" type="datetimeFigureOut">
               <a:rPr lang="en-US" smtClean="0"/>
-              <a:t>4/11/22</a:t>
+              <a:t>5/7/22</a:t>
             </a:fld>
             <a:endParaRPr lang="en-US"/>
           </a:p>
@@ -2987,7 +2987,7 @@
         </p:nvGrpSpPr>
         <p:grpSpPr>
           <a:xfrm>
-            <a:off x="11862874" y="5350846"/>
+            <a:off x="10523917" y="5876683"/>
             <a:ext cx="1737083" cy="1037251"/>
             <a:chOff x="8180912" y="11275546"/>
             <a:chExt cx="2375842" cy="1418668"/>
@@ -3157,8 +3157,8 @@
         </p:nvSpPr>
         <p:spPr>
           <a:xfrm>
-            <a:off x="172528" y="621800"/>
-            <a:ext cx="3228484" cy="523220"/>
+            <a:off x="7605" y="726730"/>
+            <a:ext cx="3878935" cy="523220"/>
           </a:xfrm>
           <a:prstGeom prst="rect">
             <a:avLst/>
@@ -3174,7 +3174,7 @@
             <a:pPr algn="ctr"/>
             <a:r>
               <a:rPr lang="en-US" sz="2800" b="1" i="1" dirty="0"/>
-              <a:t>B</a:t>
+              <a:t>A, B</a:t>
             </a:r>
             <a:r>
               <a:rPr lang="en-US" sz="2800" b="1" i="1" baseline="-25000" dirty="0"/>
@@ -3182,7 +3182,7 @@
             </a:r>
             <a:r>
               <a:rPr lang="en-US" sz="2800" b="1" i="1" dirty="0"/>
-              <a:t>,  A,  C,  E,  </a:t>
+              <a:t>, C, D,  E,  </a:t>
             </a:r>
             <a:r>
               <a:rPr lang="en-US" sz="2800" b="1" i="1" dirty="0" err="1"/>
@@ -3191,10 +3191,6 @@
             <a:r>
               <a:rPr lang="en-US" sz="2800" b="1" i="1" baseline="-25000" dirty="0" err="1"/>
               <a:t>x</a:t>
-            </a:r>
-            <a:r>
-              <a:rPr lang="en-US" sz="2800" b="1" i="1" dirty="0"/>
-              <a:t> ,  D</a:t>
             </a:r>
             <a:endParaRPr lang="en-US" sz="2800" b="1" i="1" baseline="-25000" dirty="0"/>
           </a:p>
@@ -3231,7 +3227,7 @@
             <a:pPr algn="ctr"/>
             <a:r>
               <a:rPr lang="en-US" dirty="0"/>
-              <a:t>2) Processing taxon names with </a:t>
+              <a:t>1b) Processing taxon names with </a:t>
             </a:r>
             <a:r>
               <a:rPr lang="en-US" b="1" dirty="0"/>
@@ -3266,7 +3262,7 @@
         </p:nvGrpSpPr>
         <p:grpSpPr>
           <a:xfrm>
-            <a:off x="12850735" y="205627"/>
+            <a:off x="12270757" y="84182"/>
             <a:ext cx="2128684" cy="1689674"/>
             <a:chOff x="349831" y="5774256"/>
             <a:chExt cx="2128684" cy="1689674"/>
@@ -3373,7 +3369,7 @@
         </p:nvGrpSpPr>
         <p:grpSpPr>
           <a:xfrm>
-            <a:off x="10566903" y="192748"/>
+            <a:off x="9811175" y="251718"/>
             <a:ext cx="2145091" cy="1691640"/>
             <a:chOff x="347050" y="4140009"/>
             <a:chExt cx="2145091" cy="1691640"/>
@@ -3480,7 +3476,7 @@
         </p:nvGrpSpPr>
         <p:grpSpPr>
           <a:xfrm>
-            <a:off x="8300322" y="353953"/>
+            <a:off x="12574424" y="1839571"/>
             <a:ext cx="2128684" cy="1442486"/>
             <a:chOff x="3095159" y="6869139"/>
             <a:chExt cx="2128684" cy="1442486"/>
@@ -3587,8 +3583,8 @@
         </p:nvSpPr>
         <p:spPr>
           <a:xfrm>
-            <a:off x="80921" y="2933662"/>
-            <a:ext cx="3262943" cy="523220"/>
+            <a:off x="20961" y="2873702"/>
+            <a:ext cx="3898621" cy="523220"/>
           </a:xfrm>
           <a:prstGeom prst="rect">
             <a:avLst/>
@@ -3611,10 +3607,137 @@
       </p:sp>
       <p:sp>
         <p:nvSpPr>
-          <p:cNvPr id="152" name="Rounded Rectangle 151">
+          <p:cNvPr id="157" name="TextBox 156">
             <a:extLst>
               <a:ext uri="{FF2B5EF4-FFF2-40B4-BE49-F238E27FC236}">
-                <a16:creationId xmlns:a16="http://schemas.microsoft.com/office/drawing/2014/main" id="{EE5806D5-A969-EB41-9E18-D682277B7927}"/>
+                <a16:creationId xmlns:a16="http://schemas.microsoft.com/office/drawing/2014/main" id="{69803FA4-C060-3640-AE0A-B5EB185D5CB9}"/>
+              </a:ext>
+            </a:extLst>
+          </p:cNvPr>
+          <p:cNvSpPr txBox="1"/>
+          <p:nvPr/>
+        </p:nvSpPr>
+        <p:spPr>
+          <a:xfrm>
+            <a:off x="119744" y="91736"/>
+            <a:ext cx="3656643" cy="646331"/>
+          </a:xfrm>
+          <a:prstGeom prst="rect">
+            <a:avLst/>
+          </a:prstGeom>
+          <a:noFill/>
+        </p:spPr>
+        <p:txBody>
+          <a:bodyPr wrap="square" rtlCol="0">
+            <a:spAutoFit/>
+          </a:bodyPr>
+          <a:lstStyle/>
+          <a:p>
+            <a:pPr algn="ctr"/>
+            <a:r>
+              <a:rPr lang="en-US" dirty="0"/>
+              <a:t>1a) A list of </a:t>
+            </a:r>
+            <a:r>
+              <a:rPr lang="en-US" b="1" dirty="0"/>
+              <a:t>taxon names </a:t>
+            </a:r>
+            <a:r>
+              <a:rPr lang="en-US" dirty="0"/>
+              <a:t>provided by the user</a:t>
+            </a:r>
+          </a:p>
+        </p:txBody>
+      </p:sp>
+      <p:sp>
+        <p:nvSpPr>
+          <p:cNvPr id="159" name="TextBox 158">
+            <a:extLst>
+              <a:ext uri="{FF2B5EF4-FFF2-40B4-BE49-F238E27FC236}">
+                <a16:creationId xmlns:a16="http://schemas.microsoft.com/office/drawing/2014/main" id="{79BA94DE-7262-0748-8C22-AEDF266E034A}"/>
+              </a:ext>
+            </a:extLst>
+          </p:cNvPr>
+          <p:cNvSpPr txBox="1"/>
+          <p:nvPr/>
+        </p:nvSpPr>
+        <p:spPr>
+          <a:xfrm>
+            <a:off x="5904454" y="7985328"/>
+            <a:ext cx="3277135" cy="646331"/>
+          </a:xfrm>
+          <a:prstGeom prst="rect">
+            <a:avLst/>
+          </a:prstGeom>
+          <a:noFill/>
+        </p:spPr>
+        <p:txBody>
+          <a:bodyPr wrap="square" rtlCol="0">
+            <a:spAutoFit/>
+          </a:bodyPr>
+          <a:lstStyle/>
+          <a:p>
+            <a:r>
+              <a:rPr lang="en-US" dirty="0"/>
+              <a:t>4) </a:t>
+            </a:r>
+            <a:r>
+              <a:rPr lang="en-US" b="1" dirty="0" err="1"/>
+              <a:t>Congruify</a:t>
+            </a:r>
+            <a:r>
+              <a:rPr lang="en-US" dirty="0"/>
+              <a:t> source chronogram nodes to nodes of tree topology</a:t>
+            </a:r>
+          </a:p>
+        </p:txBody>
+      </p:sp>
+      <p:sp>
+        <p:nvSpPr>
+          <p:cNvPr id="165" name="TextBox 164">
+            <a:extLst>
+              <a:ext uri="{FF2B5EF4-FFF2-40B4-BE49-F238E27FC236}">
+                <a16:creationId xmlns:a16="http://schemas.microsoft.com/office/drawing/2014/main" id="{EB7E5FA8-FC3F-A841-A7A5-691B0FBFB1AF}"/>
+              </a:ext>
+            </a:extLst>
+          </p:cNvPr>
+          <p:cNvSpPr txBox="1"/>
+          <p:nvPr/>
+        </p:nvSpPr>
+        <p:spPr>
+          <a:xfrm>
+            <a:off x="10243036" y="4150739"/>
+            <a:ext cx="2981651" cy="369332"/>
+          </a:xfrm>
+          <a:prstGeom prst="rect">
+            <a:avLst/>
+          </a:prstGeom>
+          <a:noFill/>
+        </p:spPr>
+        <p:txBody>
+          <a:bodyPr wrap="square" rtlCol="0">
+            <a:spAutoFit/>
+          </a:bodyPr>
+          <a:lstStyle/>
+          <a:p>
+            <a:pPr algn="ctr"/>
+            <a:r>
+              <a:rPr lang="en-US" dirty="0"/>
+              <a:t>3) Choose </a:t>
+            </a:r>
+            <a:r>
+              <a:rPr lang="en-US" b="1" dirty="0"/>
+              <a:t>tree topology </a:t>
+            </a:r>
+          </a:p>
+        </p:txBody>
+      </p:sp>
+      <p:sp>
+        <p:nvSpPr>
+          <p:cNvPr id="41" name="Right Arrow 40">
+            <a:extLst>
+              <a:ext uri="{FF2B5EF4-FFF2-40B4-BE49-F238E27FC236}">
+                <a16:creationId xmlns:a16="http://schemas.microsoft.com/office/drawing/2014/main" id="{DFCDBECB-F7D8-C74D-AE89-8D7C4EDD78BC}"/>
               </a:ext>
             </a:extLst>
           </p:cNvPr>
@@ -3623,14 +3746,16 @@
         </p:nvSpPr>
         <p:spPr>
           <a:xfrm>
-            <a:off x="38631" y="1973711"/>
-            <a:ext cx="3376782" cy="1551768"/>
-          </a:xfrm>
-          <a:prstGeom prst="roundRect">
+            <a:off x="3944688" y="2314558"/>
+            <a:ext cx="610913" cy="722643"/>
+          </a:xfrm>
+          <a:prstGeom prst="rightArrow">
             <a:avLst/>
           </a:prstGeom>
-          <a:noFill/>
-          <a:ln w="38100">
+          <a:solidFill>
+            <a:srgbClr val="92D050"/>
+          </a:solidFill>
+          <a:ln>
             <a:solidFill>
               <a:srgbClr val="92D050"/>
             </a:solidFill>
@@ -3668,137 +3793,10 @@
       </p:sp>
       <p:sp>
         <p:nvSpPr>
-          <p:cNvPr id="157" name="TextBox 156">
+          <p:cNvPr id="42" name="Right Arrow 41">
             <a:extLst>
               <a:ext uri="{FF2B5EF4-FFF2-40B4-BE49-F238E27FC236}">
-                <a16:creationId xmlns:a16="http://schemas.microsoft.com/office/drawing/2014/main" id="{69803FA4-C060-3640-AE0A-B5EB185D5CB9}"/>
-              </a:ext>
-            </a:extLst>
-          </p:cNvPr>
-          <p:cNvSpPr txBox="1"/>
-          <p:nvPr/>
-        </p:nvSpPr>
-        <p:spPr>
-          <a:xfrm>
-            <a:off x="119744" y="91736"/>
-            <a:ext cx="3656643" cy="646331"/>
-          </a:xfrm>
-          <a:prstGeom prst="rect">
-            <a:avLst/>
-          </a:prstGeom>
-          <a:noFill/>
-        </p:spPr>
-        <p:txBody>
-          <a:bodyPr wrap="square" rtlCol="0">
-            <a:spAutoFit/>
-          </a:bodyPr>
-          <a:lstStyle/>
-          <a:p>
-            <a:pPr algn="ctr"/>
-            <a:r>
-              <a:rPr lang="en-US" dirty="0"/>
-              <a:t>1) A list of </a:t>
-            </a:r>
-            <a:r>
-              <a:rPr lang="en-US" b="1" dirty="0"/>
-              <a:t>taxon names </a:t>
-            </a:r>
-            <a:r>
-              <a:rPr lang="en-US" dirty="0"/>
-              <a:t>provided by the user</a:t>
-            </a:r>
-          </a:p>
-        </p:txBody>
-      </p:sp>
-      <p:sp>
-        <p:nvSpPr>
-          <p:cNvPr id="159" name="TextBox 158">
-            <a:extLst>
-              <a:ext uri="{FF2B5EF4-FFF2-40B4-BE49-F238E27FC236}">
-                <a16:creationId xmlns:a16="http://schemas.microsoft.com/office/drawing/2014/main" id="{79BA94DE-7262-0748-8C22-AEDF266E034A}"/>
-              </a:ext>
-            </a:extLst>
-          </p:cNvPr>
-          <p:cNvSpPr txBox="1"/>
-          <p:nvPr/>
-        </p:nvSpPr>
-        <p:spPr>
-          <a:xfrm>
-            <a:off x="5904454" y="7985328"/>
-            <a:ext cx="3277135" cy="646331"/>
-          </a:xfrm>
-          <a:prstGeom prst="rect">
-            <a:avLst/>
-          </a:prstGeom>
-          <a:noFill/>
-        </p:spPr>
-        <p:txBody>
-          <a:bodyPr wrap="square" rtlCol="0">
-            <a:spAutoFit/>
-          </a:bodyPr>
-          <a:lstStyle/>
-          <a:p>
-            <a:r>
-              <a:rPr lang="en-US" dirty="0"/>
-              <a:t>5) </a:t>
-            </a:r>
-            <a:r>
-              <a:rPr lang="en-US" b="1" dirty="0" err="1"/>
-              <a:t>Congruify</a:t>
-            </a:r>
-            <a:r>
-              <a:rPr lang="en-US" dirty="0"/>
-              <a:t> source chronogram nodes to nodes of tree topology</a:t>
-            </a:r>
-          </a:p>
-        </p:txBody>
-      </p:sp>
-      <p:sp>
-        <p:nvSpPr>
-          <p:cNvPr id="165" name="TextBox 164">
-            <a:extLst>
-              <a:ext uri="{FF2B5EF4-FFF2-40B4-BE49-F238E27FC236}">
-                <a16:creationId xmlns:a16="http://schemas.microsoft.com/office/drawing/2014/main" id="{EB7E5FA8-FC3F-A841-A7A5-691B0FBFB1AF}"/>
-              </a:ext>
-            </a:extLst>
-          </p:cNvPr>
-          <p:cNvSpPr txBox="1"/>
-          <p:nvPr/>
-        </p:nvSpPr>
-        <p:spPr>
-          <a:xfrm>
-            <a:off x="11202840" y="3416668"/>
-            <a:ext cx="2981651" cy="369332"/>
-          </a:xfrm>
-          <a:prstGeom prst="rect">
-            <a:avLst/>
-          </a:prstGeom>
-          <a:noFill/>
-        </p:spPr>
-        <p:txBody>
-          <a:bodyPr wrap="square" rtlCol="0">
-            <a:spAutoFit/>
-          </a:bodyPr>
-          <a:lstStyle/>
-          <a:p>
-            <a:pPr algn="ctr"/>
-            <a:r>
-              <a:rPr lang="en-US" dirty="0"/>
-              <a:t>4) Choose </a:t>
-            </a:r>
-            <a:r>
-              <a:rPr lang="en-US" b="1" dirty="0"/>
-              <a:t>tree topology </a:t>
-            </a:r>
-          </a:p>
-        </p:txBody>
-      </p:sp>
-      <p:sp>
-        <p:nvSpPr>
-          <p:cNvPr id="41" name="Right Arrow 40">
-            <a:extLst>
-              <a:ext uri="{FF2B5EF4-FFF2-40B4-BE49-F238E27FC236}">
-                <a16:creationId xmlns:a16="http://schemas.microsoft.com/office/drawing/2014/main" id="{DFCDBECB-F7D8-C74D-AE89-8D7C4EDD78BC}"/>
+                <a16:creationId xmlns:a16="http://schemas.microsoft.com/office/drawing/2014/main" id="{C34DE3F3-9297-EA41-A318-75D27C90CE93}"/>
               </a:ext>
             </a:extLst>
           </p:cNvPr>
@@ -3806,9 +3804,9 @@
           <p:nvPr/>
         </p:nvSpPr>
         <p:spPr>
-          <a:xfrm>
-            <a:off x="3450769" y="1965729"/>
-            <a:ext cx="610913" cy="722643"/>
+          <a:xfrm rot="10800000" flipV="1">
+            <a:off x="4800474" y="5511158"/>
+            <a:ext cx="688359" cy="716625"/>
           </a:xfrm>
           <a:prstGeom prst="rightArrow">
             <a:avLst/>
@@ -3854,10 +3852,50 @@
       </p:sp>
       <p:sp>
         <p:nvSpPr>
-          <p:cNvPr id="42" name="Right Arrow 41">
+          <p:cNvPr id="44" name="TextBox 43">
             <a:extLst>
               <a:ext uri="{FF2B5EF4-FFF2-40B4-BE49-F238E27FC236}">
-                <a16:creationId xmlns:a16="http://schemas.microsoft.com/office/drawing/2014/main" id="{C34DE3F3-9297-EA41-A318-75D27C90CE93}"/>
+                <a16:creationId xmlns:a16="http://schemas.microsoft.com/office/drawing/2014/main" id="{AE041B43-3B0C-AD4C-BC5E-3486F0A0EABA}"/>
+              </a:ext>
+            </a:extLst>
+          </p:cNvPr>
+          <p:cNvSpPr txBox="1"/>
+          <p:nvPr/>
+        </p:nvSpPr>
+        <p:spPr>
+          <a:xfrm>
+            <a:off x="159294" y="8055261"/>
+            <a:ext cx="4345558" cy="646331"/>
+          </a:xfrm>
+          <a:prstGeom prst="rect">
+            <a:avLst/>
+          </a:prstGeom>
+          <a:noFill/>
+        </p:spPr>
+        <p:txBody>
+          <a:bodyPr wrap="square" rtlCol="0">
+            <a:spAutoFit/>
+          </a:bodyPr>
+          <a:lstStyle/>
+          <a:p>
+            <a:pPr algn="ctr"/>
+            <a:r>
+              <a:rPr lang="en-US" dirty="0"/>
+              <a:t>5) Use ages of congruent nodes to </a:t>
+            </a:r>
+            <a:r>
+              <a:rPr lang="en-US" b="1" dirty="0"/>
+              <a:t>date a tree topology</a:t>
+            </a:r>
+          </a:p>
+        </p:txBody>
+      </p:sp>
+      <p:sp>
+        <p:nvSpPr>
+          <p:cNvPr id="45" name="Rounded Rectangle 44">
+            <a:extLst>
+              <a:ext uri="{FF2B5EF4-FFF2-40B4-BE49-F238E27FC236}">
+                <a16:creationId xmlns:a16="http://schemas.microsoft.com/office/drawing/2014/main" id="{7935E882-84C9-6D44-A54C-7F063C054409}"/>
               </a:ext>
             </a:extLst>
           </p:cNvPr>
@@ -3865,17 +3903,15 @@
           <p:nvPr/>
         </p:nvSpPr>
         <p:spPr>
-          <a:xfrm rot="10800000" flipV="1">
-            <a:off x="4800474" y="5511158"/>
-            <a:ext cx="688359" cy="716625"/>
-          </a:xfrm>
-          <a:prstGeom prst="rightArrow">
+          <a:xfrm>
+            <a:off x="10231494" y="4023149"/>
+            <a:ext cx="4902007" cy="4993736"/>
+          </a:xfrm>
+          <a:prstGeom prst="roundRect">
             <a:avLst/>
           </a:prstGeom>
-          <a:solidFill>
-            <a:srgbClr val="92D050"/>
-          </a:solidFill>
-          <a:ln>
+          <a:noFill/>
+          <a:ln w="38100">
             <a:solidFill>
               <a:srgbClr val="92D050"/>
             </a:solidFill>
@@ -3913,50 +3949,10 @@
       </p:sp>
       <p:sp>
         <p:nvSpPr>
-          <p:cNvPr id="44" name="TextBox 43">
+          <p:cNvPr id="46" name="Rounded Rectangle 45">
             <a:extLst>
               <a:ext uri="{FF2B5EF4-FFF2-40B4-BE49-F238E27FC236}">
-                <a16:creationId xmlns:a16="http://schemas.microsoft.com/office/drawing/2014/main" id="{AE041B43-3B0C-AD4C-BC5E-3486F0A0EABA}"/>
-              </a:ext>
-            </a:extLst>
-          </p:cNvPr>
-          <p:cNvSpPr txBox="1"/>
-          <p:nvPr/>
-        </p:nvSpPr>
-        <p:spPr>
-          <a:xfrm>
-            <a:off x="159294" y="8055261"/>
-            <a:ext cx="4345558" cy="646331"/>
-          </a:xfrm>
-          <a:prstGeom prst="rect">
-            <a:avLst/>
-          </a:prstGeom>
-          <a:noFill/>
-        </p:spPr>
-        <p:txBody>
-          <a:bodyPr wrap="square" rtlCol="0">
-            <a:spAutoFit/>
-          </a:bodyPr>
-          <a:lstStyle/>
-          <a:p>
-            <a:pPr algn="ctr"/>
-            <a:r>
-              <a:rPr lang="en-US" dirty="0"/>
-              <a:t>6) Use ages of congruent nodes to </a:t>
-            </a:r>
-            <a:r>
-              <a:rPr lang="en-US" b="1" dirty="0"/>
-              <a:t>date a tree topology</a:t>
-            </a:r>
-          </a:p>
-        </p:txBody>
-      </p:sp>
-      <p:sp>
-        <p:nvSpPr>
-          <p:cNvPr id="45" name="Rounded Rectangle 44">
-            <a:extLst>
-              <a:ext uri="{FF2B5EF4-FFF2-40B4-BE49-F238E27FC236}">
-                <a16:creationId xmlns:a16="http://schemas.microsoft.com/office/drawing/2014/main" id="{7935E882-84C9-6D44-A54C-7F063C054409}"/>
+                <a16:creationId xmlns:a16="http://schemas.microsoft.com/office/drawing/2014/main" id="{DF4C36AE-6208-E241-994B-9CB06B47231B}"/>
               </a:ext>
             </a:extLst>
           </p:cNvPr>
@@ -3965,8 +3961,8 @@
         </p:nvSpPr>
         <p:spPr>
           <a:xfrm>
-            <a:off x="10231494" y="3410413"/>
-            <a:ext cx="4902007" cy="5606472"/>
+            <a:off x="38630" y="4023149"/>
+            <a:ext cx="4719774" cy="4993736"/>
           </a:xfrm>
           <a:prstGeom prst="roundRect">
             <a:avLst/>
@@ -4010,10 +4006,66 @@
       </p:sp>
       <p:sp>
         <p:nvSpPr>
-          <p:cNvPr id="46" name="Rounded Rectangle 45">
+          <p:cNvPr id="47" name="TextBox 46">
             <a:extLst>
               <a:ext uri="{FF2B5EF4-FFF2-40B4-BE49-F238E27FC236}">
-                <a16:creationId xmlns:a16="http://schemas.microsoft.com/office/drawing/2014/main" id="{DF4C36AE-6208-E241-994B-9CB06B47231B}"/>
+                <a16:creationId xmlns:a16="http://schemas.microsoft.com/office/drawing/2014/main" id="{975C0793-409C-F546-BDAB-F28196CE4460}"/>
+              </a:ext>
+            </a:extLst>
+          </p:cNvPr>
+          <p:cNvSpPr txBox="1"/>
+          <p:nvPr/>
+        </p:nvSpPr>
+        <p:spPr>
+          <a:xfrm>
+            <a:off x="4685605" y="2691844"/>
+            <a:ext cx="4184986" cy="646331"/>
+          </a:xfrm>
+          <a:prstGeom prst="rect">
+            <a:avLst/>
+          </a:prstGeom>
+          <a:noFill/>
+        </p:spPr>
+        <p:txBody>
+          <a:bodyPr wrap="square" rtlCol="0">
+            <a:spAutoFit/>
+          </a:bodyPr>
+          <a:lstStyle/>
+          <a:p>
+            <a:pPr algn="ctr"/>
+            <a:r>
+              <a:rPr lang="en-US" dirty="0"/>
+              <a:t>2a) Search </a:t>
+            </a:r>
+            <a:r>
+              <a:rPr lang="en-US" b="1" dirty="0"/>
+              <a:t>processed taxon names</a:t>
+            </a:r>
+            <a:r>
+              <a:rPr lang="en-US" dirty="0"/>
+              <a:t> in chronogram database and identify</a:t>
+            </a:r>
+            <a:r>
+              <a:rPr lang="en-US" dirty="0">
+                <a:solidFill>
+                  <a:srgbClr val="FF0000"/>
+                </a:solidFill>
+              </a:rPr>
+              <a:t>*</a:t>
+            </a:r>
+            <a:r>
+              <a:rPr lang="en-US" dirty="0"/>
+              <a:t> </a:t>
+            </a:r>
+          </a:p>
+        </p:txBody>
+      </p:sp>
+      <p:sp>
+        <p:nvSpPr>
+          <p:cNvPr id="49" name="Rounded Rectangle 48">
+            <a:extLst>
+              <a:ext uri="{FF2B5EF4-FFF2-40B4-BE49-F238E27FC236}">
+                <a16:creationId xmlns:a16="http://schemas.microsoft.com/office/drawing/2014/main" id="{56623323-5AFA-0840-A232-8400F1FBBC9D}"/>
               </a:ext>
             </a:extLst>
           </p:cNvPr>
@@ -4022,8 +4074,8 @@
         </p:nvSpPr>
         <p:spPr>
           <a:xfrm>
-            <a:off x="38630" y="4023149"/>
-            <a:ext cx="4719774" cy="4993736"/>
+            <a:off x="8761" y="-8906"/>
+            <a:ext cx="3898621" cy="3405827"/>
           </a:xfrm>
           <a:prstGeom prst="roundRect">
             <a:avLst/>
@@ -4067,10 +4119,10 @@
       </p:sp>
       <p:sp>
         <p:nvSpPr>
-          <p:cNvPr id="47" name="TextBox 46">
+          <p:cNvPr id="51" name="TextBox 50">
             <a:extLst>
               <a:ext uri="{FF2B5EF4-FFF2-40B4-BE49-F238E27FC236}">
-                <a16:creationId xmlns:a16="http://schemas.microsoft.com/office/drawing/2014/main" id="{975C0793-409C-F546-BDAB-F28196CE4460}"/>
+                <a16:creationId xmlns:a16="http://schemas.microsoft.com/office/drawing/2014/main" id="{E51426A1-0692-484A-9BA0-880D455CEDDD}"/>
               </a:ext>
             </a:extLst>
           </p:cNvPr>
@@ -4079,8 +4131,8 @@
         </p:nvSpPr>
         <p:spPr>
           <a:xfrm>
-            <a:off x="4286154" y="1987059"/>
-            <a:ext cx="4184986" cy="646331"/>
+            <a:off x="9467893" y="2467444"/>
+            <a:ext cx="2836889" cy="923330"/>
           </a:xfrm>
           <a:prstGeom prst="rect">
             <a:avLst/>
@@ -4096,37 +4148,21 @@
             <a:pPr algn="ctr"/>
             <a:r>
               <a:rPr lang="en-US" dirty="0"/>
-              <a:t>3a) Search </a:t>
+              <a:t>2b) prune matching chronograms = </a:t>
             </a:r>
             <a:r>
               <a:rPr lang="en-US" b="1" dirty="0"/>
-              <a:t>processed taxon names</a:t>
-            </a:r>
-            <a:r>
-              <a:rPr lang="en-US" dirty="0"/>
-              <a:t> in chronogram database and identify</a:t>
-            </a:r>
-            <a:r>
-              <a:rPr lang="en-US" dirty="0">
-                <a:solidFill>
-                  <a:srgbClr val="FF0000"/>
-                </a:solidFill>
-              </a:rPr>
-              <a:t>*</a:t>
-            </a:r>
-            <a:r>
-              <a:rPr lang="en-US" dirty="0"/>
-              <a:t> </a:t>
-            </a:r>
-          </a:p>
-        </p:txBody>
-      </p:sp>
-      <p:sp>
-        <p:nvSpPr>
-          <p:cNvPr id="49" name="Rounded Rectangle 48">
+              <a:t>source chronograms</a:t>
+            </a:r>
+          </a:p>
+        </p:txBody>
+      </p:sp>
+      <p:sp>
+        <p:nvSpPr>
+          <p:cNvPr id="54" name="Rounded Rectangle 53">
             <a:extLst>
               <a:ext uri="{FF2B5EF4-FFF2-40B4-BE49-F238E27FC236}">
-                <a16:creationId xmlns:a16="http://schemas.microsoft.com/office/drawing/2014/main" id="{56623323-5AFA-0840-A232-8400F1FBBC9D}"/>
+                <a16:creationId xmlns:a16="http://schemas.microsoft.com/office/drawing/2014/main" id="{DC50EA97-6647-2143-B29D-D0F836D6D119}"/>
               </a:ext>
             </a:extLst>
           </p:cNvPr>
@@ -4135,8 +4171,8 @@
         </p:nvSpPr>
         <p:spPr>
           <a:xfrm>
-            <a:off x="8762" y="51055"/>
-            <a:ext cx="3767624" cy="1193574"/>
+            <a:off x="5579870" y="4025907"/>
+            <a:ext cx="3888023" cy="4993736"/>
           </a:xfrm>
           <a:prstGeom prst="roundRect">
             <a:avLst/>
@@ -4178,103 +4214,6 @@
           </a:p>
         </p:txBody>
       </p:sp>
-      <p:sp>
-        <p:nvSpPr>
-          <p:cNvPr id="51" name="TextBox 50">
-            <a:extLst>
-              <a:ext uri="{FF2B5EF4-FFF2-40B4-BE49-F238E27FC236}">
-                <a16:creationId xmlns:a16="http://schemas.microsoft.com/office/drawing/2014/main" id="{E51426A1-0692-484A-9BA0-880D455CEDDD}"/>
-              </a:ext>
-            </a:extLst>
-          </p:cNvPr>
-          <p:cNvSpPr txBox="1"/>
-          <p:nvPr/>
-        </p:nvSpPr>
-        <p:spPr>
-          <a:xfrm>
-            <a:off x="8278561" y="2074459"/>
-            <a:ext cx="6711195" cy="369332"/>
-          </a:xfrm>
-          <a:prstGeom prst="rect">
-            <a:avLst/>
-          </a:prstGeom>
-          <a:noFill/>
-        </p:spPr>
-        <p:txBody>
-          <a:bodyPr wrap="square" rtlCol="0">
-            <a:spAutoFit/>
-          </a:bodyPr>
-          <a:lstStyle/>
-          <a:p>
-            <a:pPr algn="ctr"/>
-            <a:r>
-              <a:rPr lang="en-US" dirty="0"/>
-              <a:t>3b) prune matching chronograms = </a:t>
-            </a:r>
-            <a:r>
-              <a:rPr lang="en-US" b="1" dirty="0"/>
-              <a:t>source chronograms</a:t>
-            </a:r>
-          </a:p>
-        </p:txBody>
-      </p:sp>
-      <p:sp>
-        <p:nvSpPr>
-          <p:cNvPr id="54" name="Rounded Rectangle 53">
-            <a:extLst>
-              <a:ext uri="{FF2B5EF4-FFF2-40B4-BE49-F238E27FC236}">
-                <a16:creationId xmlns:a16="http://schemas.microsoft.com/office/drawing/2014/main" id="{DC50EA97-6647-2143-B29D-D0F836D6D119}"/>
-              </a:ext>
-            </a:extLst>
-          </p:cNvPr>
-          <p:cNvSpPr/>
-          <p:nvPr/>
-        </p:nvSpPr>
-        <p:spPr>
-          <a:xfrm>
-            <a:off x="5579870" y="4025907"/>
-            <a:ext cx="3888023" cy="4993736"/>
-          </a:xfrm>
-          <a:prstGeom prst="roundRect">
-            <a:avLst/>
-          </a:prstGeom>
-          <a:noFill/>
-          <a:ln w="38100">
-            <a:solidFill>
-              <a:srgbClr val="92D050"/>
-            </a:solidFill>
-          </a:ln>
-        </p:spPr>
-        <p:style>
-          <a:lnRef idx="2">
-            <a:schemeClr val="accent1">
-              <a:shade val="50000"/>
-            </a:schemeClr>
-          </a:lnRef>
-          <a:fillRef idx="1">
-            <a:schemeClr val="accent1"/>
-          </a:fillRef>
-          <a:effectRef idx="0">
-            <a:schemeClr val="accent1"/>
-          </a:effectRef>
-          <a:fontRef idx="minor">
-            <a:schemeClr val="lt1"/>
-          </a:fontRef>
-        </p:style>
-        <p:txBody>
-          <a:bodyPr rot="0" spcFirstLastPara="0" vertOverflow="overflow" horzOverflow="overflow" vert="horz" wrap="square" lIns="91440" tIns="45720" rIns="91440" bIns="45720" numCol="1" spcCol="0" rtlCol="0" fromWordArt="0" anchor="ctr" anchorCtr="0" forceAA="0" compatLnSpc="1">
-            <a:prstTxWarp prst="textNoShape">
-              <a:avLst/>
-            </a:prstTxWarp>
-            <a:noAutofit/>
-          </a:bodyPr>
-          <a:lstStyle/>
-          <a:p>
-            <a:pPr algn="ctr"/>
-            <a:endParaRPr lang="en-US"/>
-          </a:p>
-        </p:txBody>
-      </p:sp>
       <p:grpSp>
         <p:nvGrpSpPr>
           <p:cNvPr id="5" name="Group 4">
@@ -4289,7 +4228,7 @@
         </p:nvGrpSpPr>
         <p:grpSpPr>
           <a:xfrm>
-            <a:off x="10338698" y="4661053"/>
+            <a:off x="10338698" y="4541133"/>
             <a:ext cx="1240513" cy="1220852"/>
             <a:chOff x="10386505" y="7974231"/>
             <a:chExt cx="1706127" cy="1679086"/>
@@ -4479,8 +4418,8 @@
         </p:nvSpPr>
         <p:spPr>
           <a:xfrm rot="5400000" flipV="1">
-            <a:off x="12334785" y="2706509"/>
-            <a:ext cx="688359" cy="716625"/>
+            <a:off x="11912377" y="3341237"/>
+            <a:ext cx="617547" cy="716625"/>
           </a:xfrm>
           <a:prstGeom prst="rightArrow">
             <a:avLst/>
@@ -4538,7 +4477,7 @@
         </p:nvGrpSpPr>
         <p:grpSpPr>
           <a:xfrm>
-            <a:off x="11579210" y="4122669"/>
+            <a:off x="11744800" y="4579729"/>
             <a:ext cx="1362974" cy="1227483"/>
             <a:chOff x="11668312" y="9142886"/>
             <a:chExt cx="1481924" cy="1334609"/>
@@ -4665,8 +4604,8 @@
         </p:nvSpPr>
         <p:spPr>
           <a:xfrm>
-            <a:off x="4062531" y="96057"/>
-            <a:ext cx="11070969" cy="2583831"/>
+            <a:off x="4618329" y="-8873"/>
+            <a:ext cx="10515171" cy="3399647"/>
           </a:xfrm>
           <a:prstGeom prst="roundRect">
             <a:avLst/>
@@ -4885,8 +4824,8 @@
         </p:nvSpPr>
         <p:spPr>
           <a:xfrm rot="5400000" flipV="1">
-            <a:off x="1474683" y="1250917"/>
-            <a:ext cx="688359" cy="716625"/>
+            <a:off x="1597334" y="1253648"/>
+            <a:ext cx="443057" cy="716625"/>
           </a:xfrm>
           <a:prstGeom prst="rightArrow">
             <a:avLst/>
@@ -5068,7 +5007,7 @@
         </p:blipFill>
         <p:spPr>
           <a:xfrm>
-            <a:off x="4386761" y="738067"/>
+            <a:off x="4820317" y="988340"/>
             <a:ext cx="518012" cy="1154930"/>
           </a:xfrm>
           <a:prstGeom prst="rect">
@@ -5097,7 +5036,7 @@
         </p:blipFill>
         <p:spPr>
           <a:xfrm>
-            <a:off x="4619485" y="127115"/>
+            <a:off x="5486856" y="-737"/>
             <a:ext cx="606779" cy="1369173"/>
           </a:xfrm>
           <a:prstGeom prst="rect">
@@ -5126,7 +5065,7 @@
         </p:blipFill>
         <p:spPr>
           <a:xfrm>
-            <a:off x="5343347" y="86964"/>
+            <a:off x="6194561" y="26373"/>
             <a:ext cx="511153" cy="1423388"/>
           </a:xfrm>
           <a:prstGeom prst="rect">
@@ -5155,7 +5094,7 @@
         </p:blipFill>
         <p:spPr>
           <a:xfrm>
-            <a:off x="6060557" y="230343"/>
+            <a:off x="6930262" y="746051"/>
             <a:ext cx="606780" cy="1689675"/>
           </a:xfrm>
           <a:prstGeom prst="rect">
@@ -5184,7 +5123,7 @@
         </p:blipFill>
         <p:spPr>
           <a:xfrm>
-            <a:off x="5024405" y="1602488"/>
+            <a:off x="5458090" y="2121178"/>
             <a:ext cx="883578" cy="377873"/>
           </a:xfrm>
           <a:prstGeom prst="rect">
@@ -5213,7 +5152,7 @@
         </p:blipFill>
         <p:spPr>
           <a:xfrm>
-            <a:off x="4172815" y="562475"/>
+            <a:off x="4754472" y="428904"/>
             <a:ext cx="445514" cy="427843"/>
           </a:xfrm>
           <a:prstGeom prst="rect">
@@ -5242,7 +5181,7 @@
         </p:blipFill>
         <p:spPr>
           <a:xfrm>
-            <a:off x="6819911" y="268291"/>
+            <a:off x="7697741" y="289690"/>
             <a:ext cx="729573" cy="372749"/>
           </a:xfrm>
           <a:prstGeom prst="rect">
@@ -5271,7 +5210,7 @@
         </p:blipFill>
         <p:spPr>
           <a:xfrm>
-            <a:off x="6777490" y="648616"/>
+            <a:off x="7766031" y="1249950"/>
             <a:ext cx="729572" cy="1346019"/>
           </a:xfrm>
           <a:prstGeom prst="rect">
@@ -5293,7 +5232,7 @@
         </p:nvSpPr>
         <p:spPr>
           <a:xfrm>
-            <a:off x="7655919" y="874954"/>
+            <a:off x="8832374" y="2562056"/>
             <a:ext cx="558267" cy="722643"/>
           </a:xfrm>
           <a:prstGeom prst="rightArrow">
@@ -5352,7 +5291,7 @@
         </p:nvSpPr>
         <p:spPr>
           <a:xfrm>
-            <a:off x="4726671" y="135997"/>
+            <a:off x="6630180" y="357398"/>
             <a:ext cx="300082" cy="369332"/>
           </a:xfrm>
           <a:prstGeom prst="rect">
@@ -5391,7 +5330,7 @@
         </p:nvSpPr>
         <p:spPr>
           <a:xfrm>
-            <a:off x="5259050" y="1566197"/>
+            <a:off x="4941918" y="230235"/>
             <a:ext cx="300082" cy="369332"/>
           </a:xfrm>
           <a:prstGeom prst="rect">
@@ -5430,7 +5369,7 @@
         </p:nvSpPr>
         <p:spPr>
           <a:xfrm>
-            <a:off x="6943974" y="960354"/>
+            <a:off x="7871245" y="1464158"/>
             <a:ext cx="300082" cy="369332"/>
           </a:xfrm>
           <a:prstGeom prst="rect">

--- a/figures/figure1/figure1-new.pptx
+++ b/figures/figure1/figure1-new.pptx
@@ -3211,7 +3211,7 @@
         <p:spPr>
           <a:xfrm>
             <a:off x="-5345" y="1941050"/>
-            <a:ext cx="3349209" cy="923330"/>
+            <a:ext cx="3853372" cy="646331"/>
           </a:xfrm>
           <a:prstGeom prst="rect">
             <a:avLst/>
@@ -3243,7 +3243,7 @@
             </a:r>
             <a:r>
               <a:rPr lang="en-US" dirty="0"/>
-              <a:t> them to a taxonomy</a:t>
+              <a:t> them to a taxonomy.</a:t>
             </a:r>
           </a:p>
         </p:txBody>
@@ -3262,7 +3262,7 @@
         </p:nvGrpSpPr>
         <p:grpSpPr>
           <a:xfrm>
-            <a:off x="12270757" y="84182"/>
+            <a:off x="12090877" y="54202"/>
             <a:ext cx="2128684" cy="1689674"/>
             <a:chOff x="349831" y="5774256"/>
             <a:chExt cx="2128684" cy="1689674"/>
@@ -3476,7 +3476,7 @@
         </p:nvGrpSpPr>
         <p:grpSpPr>
           <a:xfrm>
-            <a:off x="12574424" y="1839571"/>
+            <a:off x="12799274" y="1839571"/>
             <a:ext cx="2128684" cy="1442486"/>
             <a:chOff x="3095159" y="6869139"/>
             <a:chExt cx="2128684" cy="1442486"/>
@@ -3620,7 +3620,7 @@
         <p:spPr>
           <a:xfrm>
             <a:off x="119744" y="91736"/>
-            <a:ext cx="3656643" cy="646331"/>
+            <a:ext cx="3780902" cy="646331"/>
           </a:xfrm>
           <a:prstGeom prst="rect">
             <a:avLst/>
@@ -3644,7 +3644,7 @@
             </a:r>
             <a:r>
               <a:rPr lang="en-US" dirty="0"/>
-              <a:t>provided by the user</a:t>
+              <a:t>provided by the user.</a:t>
             </a:r>
           </a:p>
         </p:txBody>
@@ -3904,8 +3904,8 @@
         </p:nvSpPr>
         <p:spPr>
           <a:xfrm>
-            <a:off x="10231494" y="4023149"/>
-            <a:ext cx="4902007" cy="4993736"/>
+            <a:off x="10231494" y="4023148"/>
+            <a:ext cx="4902007" cy="5120851"/>
           </a:xfrm>
           <a:prstGeom prst="roundRect">
             <a:avLst/>
@@ -3961,8 +3961,8 @@
         </p:nvSpPr>
         <p:spPr>
           <a:xfrm>
-            <a:off x="38630" y="4023149"/>
-            <a:ext cx="4719774" cy="4993736"/>
+            <a:off x="38630" y="4023148"/>
+            <a:ext cx="4719774" cy="5091719"/>
           </a:xfrm>
           <a:prstGeom prst="roundRect">
             <a:avLst/>
@@ -4018,8 +4018,8 @@
         </p:nvSpPr>
         <p:spPr>
           <a:xfrm>
-            <a:off x="4685605" y="2691844"/>
-            <a:ext cx="4184986" cy="646331"/>
+            <a:off x="4606129" y="2691844"/>
+            <a:ext cx="4264462" cy="646331"/>
           </a:xfrm>
           <a:prstGeom prst="rect">
             <a:avLst/>
@@ -4035,7 +4035,7 @@
             <a:pPr algn="ctr"/>
             <a:r>
               <a:rPr lang="en-US" dirty="0"/>
-              <a:t>2a) Search </a:t>
+              <a:t>2a) Match </a:t>
             </a:r>
             <a:r>
               <a:rPr lang="en-US" b="1" dirty="0"/>
@@ -4043,7 +4043,7 @@
             </a:r>
             <a:r>
               <a:rPr lang="en-US" dirty="0"/>
-              <a:t> in chronogram database and identify</a:t>
+              <a:t> to chronogram database and identify (</a:t>
             </a:r>
             <a:r>
               <a:rPr lang="en-US" dirty="0">
@@ -4055,7 +4055,7 @@
             </a:r>
             <a:r>
               <a:rPr lang="en-US" dirty="0"/>
-              <a:t> </a:t>
+              <a:t>). </a:t>
             </a:r>
           </a:p>
         </p:txBody>
@@ -4148,11 +4148,15 @@
             <a:pPr algn="ctr"/>
             <a:r>
               <a:rPr lang="en-US" dirty="0"/>
-              <a:t>2b) prune matching chronograms = </a:t>
+              <a:t>2b) Prune matching chronograms (</a:t>
             </a:r>
             <a:r>
               <a:rPr lang="en-US" b="1" dirty="0"/>
               <a:t>source chronograms</a:t>
+            </a:r>
+            <a:r>
+              <a:rPr lang="en-US" dirty="0"/>
+              <a:t>).</a:t>
             </a:r>
           </a:p>
         </p:txBody>
@@ -4172,7 +4176,7 @@
         <p:spPr>
           <a:xfrm>
             <a:off x="5579870" y="4025907"/>
-            <a:ext cx="3888023" cy="4993736"/>
+            <a:ext cx="3888023" cy="5091720"/>
           </a:xfrm>
           <a:prstGeom prst="roundRect">
             <a:avLst/>
@@ -4675,8 +4679,8 @@
         </p:blipFill>
         <p:spPr>
           <a:xfrm>
-            <a:off x="10762836" y="6027641"/>
-            <a:ext cx="3501300" cy="3501300"/>
+            <a:off x="10443628" y="5858333"/>
+            <a:ext cx="3925438" cy="3925438"/>
           </a:xfrm>
           <a:prstGeom prst="rect">
             <a:avLst/>
@@ -4697,7 +4701,7 @@
         </p:nvGrpSpPr>
         <p:grpSpPr>
           <a:xfrm>
-            <a:off x="13830119" y="5267345"/>
+            <a:off x="13890079" y="5612115"/>
             <a:ext cx="1148104" cy="898320"/>
             <a:chOff x="12975475" y="4116437"/>
             <a:chExt cx="1148104" cy="898320"/>
@@ -4883,7 +4887,7 @@
         </p:nvGrpSpPr>
         <p:grpSpPr>
           <a:xfrm>
-            <a:off x="13232606" y="4050780"/>
+            <a:off x="13247596" y="4305610"/>
             <a:ext cx="1362974" cy="1227483"/>
             <a:chOff x="11668312" y="9142886"/>
             <a:chExt cx="1481924" cy="1334609"/>
@@ -5181,7 +5185,7 @@
         </p:blipFill>
         <p:spPr>
           <a:xfrm>
-            <a:off x="7697741" y="289690"/>
+            <a:off x="7532851" y="109810"/>
             <a:ext cx="729573" cy="372749"/>
           </a:xfrm>
           <a:prstGeom prst="rect">
@@ -5210,7 +5214,7 @@
         </p:blipFill>
         <p:spPr>
           <a:xfrm>
-            <a:off x="7766031" y="1249950"/>
+            <a:off x="7751041" y="950150"/>
             <a:ext cx="729572" cy="1346019"/>
           </a:xfrm>
           <a:prstGeom prst="rect">

--- a/figures/figure1/figure1-new.pptx
+++ b/figures/figure1/figure1-new.pptx
@@ -243,7 +243,7 @@
           <a:p>
             <a:fld id="{36D6B43A-FB72-2B4A-8DB0-B6C23179BADB}" type="datetimeFigureOut">
               <a:rPr lang="en-US" smtClean="0"/>
-              <a:t>5/7/22</a:t>
+              <a:t>5/11/22</a:t>
             </a:fld>
             <a:endParaRPr lang="en-US"/>
           </a:p>
@@ -413,7 +413,7 @@
           <a:p>
             <a:fld id="{36D6B43A-FB72-2B4A-8DB0-B6C23179BADB}" type="datetimeFigureOut">
               <a:rPr lang="en-US" smtClean="0"/>
-              <a:t>5/7/22</a:t>
+              <a:t>5/11/22</a:t>
             </a:fld>
             <a:endParaRPr lang="en-US"/>
           </a:p>
@@ -593,7 +593,7 @@
           <a:p>
             <a:fld id="{36D6B43A-FB72-2B4A-8DB0-B6C23179BADB}" type="datetimeFigureOut">
               <a:rPr lang="en-US" smtClean="0"/>
-              <a:t>5/7/22</a:t>
+              <a:t>5/11/22</a:t>
             </a:fld>
             <a:endParaRPr lang="en-US"/>
           </a:p>
@@ -763,7 +763,7 @@
           <a:p>
             <a:fld id="{36D6B43A-FB72-2B4A-8DB0-B6C23179BADB}" type="datetimeFigureOut">
               <a:rPr lang="en-US" smtClean="0"/>
-              <a:t>5/7/22</a:t>
+              <a:t>5/11/22</a:t>
             </a:fld>
             <a:endParaRPr lang="en-US"/>
           </a:p>
@@ -1009,7 +1009,7 @@
           <a:p>
             <a:fld id="{36D6B43A-FB72-2B4A-8DB0-B6C23179BADB}" type="datetimeFigureOut">
               <a:rPr lang="en-US" smtClean="0"/>
-              <a:t>5/7/22</a:t>
+              <a:t>5/11/22</a:t>
             </a:fld>
             <a:endParaRPr lang="en-US"/>
           </a:p>
@@ -1241,7 +1241,7 @@
           <a:p>
             <a:fld id="{36D6B43A-FB72-2B4A-8DB0-B6C23179BADB}" type="datetimeFigureOut">
               <a:rPr lang="en-US" smtClean="0"/>
-              <a:t>5/7/22</a:t>
+              <a:t>5/11/22</a:t>
             </a:fld>
             <a:endParaRPr lang="en-US"/>
           </a:p>
@@ -1608,7 +1608,7 @@
           <a:p>
             <a:fld id="{36D6B43A-FB72-2B4A-8DB0-B6C23179BADB}" type="datetimeFigureOut">
               <a:rPr lang="en-US" smtClean="0"/>
-              <a:t>5/7/22</a:t>
+              <a:t>5/11/22</a:t>
             </a:fld>
             <a:endParaRPr lang="en-US"/>
           </a:p>
@@ -1726,7 +1726,7 @@
           <a:p>
             <a:fld id="{36D6B43A-FB72-2B4A-8DB0-B6C23179BADB}" type="datetimeFigureOut">
               <a:rPr lang="en-US" smtClean="0"/>
-              <a:t>5/7/22</a:t>
+              <a:t>5/11/22</a:t>
             </a:fld>
             <a:endParaRPr lang="en-US"/>
           </a:p>
@@ -1821,7 +1821,7 @@
           <a:p>
             <a:fld id="{36D6B43A-FB72-2B4A-8DB0-B6C23179BADB}" type="datetimeFigureOut">
               <a:rPr lang="en-US" smtClean="0"/>
-              <a:t>5/7/22</a:t>
+              <a:t>5/11/22</a:t>
             </a:fld>
             <a:endParaRPr lang="en-US"/>
           </a:p>
@@ -2098,7 +2098,7 @@
           <a:p>
             <a:fld id="{36D6B43A-FB72-2B4A-8DB0-B6C23179BADB}" type="datetimeFigureOut">
               <a:rPr lang="en-US" smtClean="0"/>
-              <a:t>5/7/22</a:t>
+              <a:t>5/11/22</a:t>
             </a:fld>
             <a:endParaRPr lang="en-US"/>
           </a:p>
@@ -2355,7 +2355,7 @@
           <a:p>
             <a:fld id="{36D6B43A-FB72-2B4A-8DB0-B6C23179BADB}" type="datetimeFigureOut">
               <a:rPr lang="en-US" smtClean="0"/>
-              <a:t>5/7/22</a:t>
+              <a:t>5/11/22</a:t>
             </a:fld>
             <a:endParaRPr lang="en-US"/>
           </a:p>
@@ -2568,7 +2568,7 @@
           <a:p>
             <a:fld id="{36D6B43A-FB72-2B4A-8DB0-B6C23179BADB}" type="datetimeFigureOut">
               <a:rPr lang="en-US" smtClean="0"/>
-              <a:t>5/7/22</a:t>
+              <a:t>5/11/22</a:t>
             </a:fld>
             <a:endParaRPr lang="en-US"/>
           </a:p>
@@ -3663,8 +3663,8 @@
         </p:nvSpPr>
         <p:spPr>
           <a:xfrm>
-            <a:off x="5904454" y="7985328"/>
-            <a:ext cx="3277135" cy="646331"/>
+            <a:off x="5834372" y="7976495"/>
+            <a:ext cx="3556693" cy="646331"/>
           </a:xfrm>
           <a:prstGeom prst="rect">
             <a:avLst/>
@@ -3679,7 +3679,7 @@
           <a:p>
             <a:r>
               <a:rPr lang="en-US" dirty="0"/>
-              <a:t>4) </a:t>
+              <a:t>3b) </a:t>
             </a:r>
             <a:r>
               <a:rPr lang="en-US" b="1" dirty="0" err="1"/>
@@ -3723,7 +3723,7 @@
             <a:pPr algn="ctr"/>
             <a:r>
               <a:rPr lang="en-US" dirty="0"/>
-              <a:t>3) Choose </a:t>
+              <a:t>3a) Choose </a:t>
             </a:r>
             <a:r>
               <a:rPr lang="en-US" b="1" dirty="0"/>
@@ -3746,7 +3746,7 @@
         </p:nvSpPr>
         <p:spPr>
           <a:xfrm>
-            <a:off x="3944688" y="2314558"/>
+            <a:off x="3974668" y="1909826"/>
             <a:ext cx="610913" cy="722643"/>
           </a:xfrm>
           <a:prstGeom prst="rightArrow">
@@ -3805,14 +3805,17 @@
         </p:nvSpPr>
         <p:spPr>
           <a:xfrm rot="10800000" flipV="1">
-            <a:off x="4800474" y="5511158"/>
-            <a:ext cx="688359" cy="716625"/>
+            <a:off x="4679271" y="7917923"/>
+            <a:ext cx="958778" cy="716625"/>
           </a:xfrm>
           <a:prstGeom prst="rightArrow">
             <a:avLst/>
           </a:prstGeom>
           <a:solidFill>
-            <a:srgbClr val="92D050"/>
+            <a:schemeClr val="accent6">
+              <a:lumMod val="40000"/>
+              <a:lumOff val="60000"/>
+            </a:schemeClr>
           </a:solidFill>
           <a:ln>
             <a:solidFill>
@@ -3881,7 +3884,7 @@
             <a:pPr algn="ctr"/>
             <a:r>
               <a:rPr lang="en-US" dirty="0"/>
-              <a:t>5) Use ages of congruent nodes to </a:t>
+              <a:t>3c) Use ages of congruent nodes to </a:t>
             </a:r>
             <a:r>
               <a:rPr lang="en-US" b="1" dirty="0"/>
@@ -3904,8 +3907,8 @@
         </p:nvSpPr>
         <p:spPr>
           <a:xfrm>
-            <a:off x="10231494" y="4023148"/>
-            <a:ext cx="4902007" cy="5120851"/>
+            <a:off x="159294" y="4023148"/>
+            <a:ext cx="14974207" cy="5120851"/>
           </a:xfrm>
           <a:prstGeom prst="roundRect">
             <a:avLst/>
@@ -3949,10 +3952,10 @@
       </p:sp>
       <p:sp>
         <p:nvSpPr>
-          <p:cNvPr id="46" name="Rounded Rectangle 45">
+          <p:cNvPr id="49" name="Rounded Rectangle 48">
             <a:extLst>
               <a:ext uri="{FF2B5EF4-FFF2-40B4-BE49-F238E27FC236}">
-                <a16:creationId xmlns:a16="http://schemas.microsoft.com/office/drawing/2014/main" id="{DF4C36AE-6208-E241-994B-9CB06B47231B}"/>
+                <a16:creationId xmlns:a16="http://schemas.microsoft.com/office/drawing/2014/main" id="{56623323-5AFA-0840-A232-8400F1FBBC9D}"/>
               </a:ext>
             </a:extLst>
           </p:cNvPr>
@@ -3961,8 +3964,8 @@
         </p:nvSpPr>
         <p:spPr>
           <a:xfrm>
-            <a:off x="38630" y="4023148"/>
-            <a:ext cx="4719774" cy="5091719"/>
+            <a:off x="8761" y="-8906"/>
+            <a:ext cx="3898621" cy="3405827"/>
           </a:xfrm>
           <a:prstGeom prst="roundRect">
             <a:avLst/>
@@ -4006,119 +4009,6 @@
       </p:sp>
       <p:sp>
         <p:nvSpPr>
-          <p:cNvPr id="47" name="TextBox 46">
-            <a:extLst>
-              <a:ext uri="{FF2B5EF4-FFF2-40B4-BE49-F238E27FC236}">
-                <a16:creationId xmlns:a16="http://schemas.microsoft.com/office/drawing/2014/main" id="{975C0793-409C-F546-BDAB-F28196CE4460}"/>
-              </a:ext>
-            </a:extLst>
-          </p:cNvPr>
-          <p:cNvSpPr txBox="1"/>
-          <p:nvPr/>
-        </p:nvSpPr>
-        <p:spPr>
-          <a:xfrm>
-            <a:off x="4606129" y="2691844"/>
-            <a:ext cx="4264462" cy="646331"/>
-          </a:xfrm>
-          <a:prstGeom prst="rect">
-            <a:avLst/>
-          </a:prstGeom>
-          <a:noFill/>
-        </p:spPr>
-        <p:txBody>
-          <a:bodyPr wrap="square" rtlCol="0">
-            <a:spAutoFit/>
-          </a:bodyPr>
-          <a:lstStyle/>
-          <a:p>
-            <a:pPr algn="ctr"/>
-            <a:r>
-              <a:rPr lang="en-US" dirty="0"/>
-              <a:t>2a) Match </a:t>
-            </a:r>
-            <a:r>
-              <a:rPr lang="en-US" b="1" dirty="0"/>
-              <a:t>processed taxon names</a:t>
-            </a:r>
-            <a:r>
-              <a:rPr lang="en-US" dirty="0"/>
-              <a:t> to chronogram database and identify (</a:t>
-            </a:r>
-            <a:r>
-              <a:rPr lang="en-US" dirty="0">
-                <a:solidFill>
-                  <a:srgbClr val="FF0000"/>
-                </a:solidFill>
-              </a:rPr>
-              <a:t>*</a:t>
-            </a:r>
-            <a:r>
-              <a:rPr lang="en-US" dirty="0"/>
-              <a:t>). </a:t>
-            </a:r>
-          </a:p>
-        </p:txBody>
-      </p:sp>
-      <p:sp>
-        <p:nvSpPr>
-          <p:cNvPr id="49" name="Rounded Rectangle 48">
-            <a:extLst>
-              <a:ext uri="{FF2B5EF4-FFF2-40B4-BE49-F238E27FC236}">
-                <a16:creationId xmlns:a16="http://schemas.microsoft.com/office/drawing/2014/main" id="{56623323-5AFA-0840-A232-8400F1FBBC9D}"/>
-              </a:ext>
-            </a:extLst>
-          </p:cNvPr>
-          <p:cNvSpPr/>
-          <p:nvPr/>
-        </p:nvSpPr>
-        <p:spPr>
-          <a:xfrm>
-            <a:off x="8761" y="-8906"/>
-            <a:ext cx="3898621" cy="3405827"/>
-          </a:xfrm>
-          <a:prstGeom prst="roundRect">
-            <a:avLst/>
-          </a:prstGeom>
-          <a:noFill/>
-          <a:ln w="38100">
-            <a:solidFill>
-              <a:srgbClr val="92D050"/>
-            </a:solidFill>
-          </a:ln>
-        </p:spPr>
-        <p:style>
-          <a:lnRef idx="2">
-            <a:schemeClr val="accent1">
-              <a:shade val="50000"/>
-            </a:schemeClr>
-          </a:lnRef>
-          <a:fillRef idx="1">
-            <a:schemeClr val="accent1"/>
-          </a:fillRef>
-          <a:effectRef idx="0">
-            <a:schemeClr val="accent1"/>
-          </a:effectRef>
-          <a:fontRef idx="minor">
-            <a:schemeClr val="lt1"/>
-          </a:fontRef>
-        </p:style>
-        <p:txBody>
-          <a:bodyPr rot="0" spcFirstLastPara="0" vertOverflow="overflow" horzOverflow="overflow" vert="horz" wrap="square" lIns="91440" tIns="45720" rIns="91440" bIns="45720" numCol="1" spcCol="0" rtlCol="0" fromWordArt="0" anchor="ctr" anchorCtr="0" forceAA="0" compatLnSpc="1">
-            <a:prstTxWarp prst="textNoShape">
-              <a:avLst/>
-            </a:prstTxWarp>
-            <a:noAutofit/>
-          </a:bodyPr>
-          <a:lstStyle/>
-          <a:p>
-            <a:pPr algn="ctr"/>
-            <a:endParaRPr lang="en-US"/>
-          </a:p>
-        </p:txBody>
-      </p:sp>
-      <p:sp>
-        <p:nvSpPr>
           <p:cNvPr id="51" name="TextBox 50">
             <a:extLst>
               <a:ext uri="{FF2B5EF4-FFF2-40B4-BE49-F238E27FC236}">
@@ -4131,7 +4021,7 @@
         </p:nvSpPr>
         <p:spPr>
           <a:xfrm>
-            <a:off x="9467893" y="2467444"/>
+            <a:off x="9391065" y="2213784"/>
             <a:ext cx="2836889" cy="923330"/>
           </a:xfrm>
           <a:prstGeom prst="rect">
@@ -4158,63 +4048,6 @@
               <a:rPr lang="en-US" dirty="0"/>
               <a:t>).</a:t>
             </a:r>
-          </a:p>
-        </p:txBody>
-      </p:sp>
-      <p:sp>
-        <p:nvSpPr>
-          <p:cNvPr id="54" name="Rounded Rectangle 53">
-            <a:extLst>
-              <a:ext uri="{FF2B5EF4-FFF2-40B4-BE49-F238E27FC236}">
-                <a16:creationId xmlns:a16="http://schemas.microsoft.com/office/drawing/2014/main" id="{DC50EA97-6647-2143-B29D-D0F836D6D119}"/>
-              </a:ext>
-            </a:extLst>
-          </p:cNvPr>
-          <p:cNvSpPr/>
-          <p:nvPr/>
-        </p:nvSpPr>
-        <p:spPr>
-          <a:xfrm>
-            <a:off x="5579870" y="4025907"/>
-            <a:ext cx="3888023" cy="5091720"/>
-          </a:xfrm>
-          <a:prstGeom prst="roundRect">
-            <a:avLst/>
-          </a:prstGeom>
-          <a:noFill/>
-          <a:ln w="38100">
-            <a:solidFill>
-              <a:srgbClr val="92D050"/>
-            </a:solidFill>
-          </a:ln>
-        </p:spPr>
-        <p:style>
-          <a:lnRef idx="2">
-            <a:schemeClr val="accent1">
-              <a:shade val="50000"/>
-            </a:schemeClr>
-          </a:lnRef>
-          <a:fillRef idx="1">
-            <a:schemeClr val="accent1"/>
-          </a:fillRef>
-          <a:effectRef idx="0">
-            <a:schemeClr val="accent1"/>
-          </a:effectRef>
-          <a:fontRef idx="minor">
-            <a:schemeClr val="lt1"/>
-          </a:fontRef>
-        </p:style>
-        <p:txBody>
-          <a:bodyPr rot="0" spcFirstLastPara="0" vertOverflow="overflow" horzOverflow="overflow" vert="horz" wrap="square" lIns="91440" tIns="45720" rIns="91440" bIns="45720" numCol="1" spcCol="0" rtlCol="0" fromWordArt="0" anchor="ctr" anchorCtr="0" forceAA="0" compatLnSpc="1">
-            <a:prstTxWarp prst="textNoShape">
-              <a:avLst/>
-            </a:prstTxWarp>
-            <a:noAutofit/>
-          </a:bodyPr>
-          <a:lstStyle/>
-          <a:p>
-            <a:pPr algn="ctr"/>
-            <a:endParaRPr lang="en-US"/>
           </a:p>
         </p:txBody>
       </p:sp>
@@ -4363,14 +4196,17 @@
         </p:nvSpPr>
         <p:spPr>
           <a:xfrm rot="10800000" flipV="1">
-            <a:off x="9483368" y="7917923"/>
-            <a:ext cx="688359" cy="716625"/>
+            <a:off x="9483367" y="7917923"/>
+            <a:ext cx="1006451" cy="716625"/>
           </a:xfrm>
           <a:prstGeom prst="rightArrow">
             <a:avLst/>
           </a:prstGeom>
           <a:solidFill>
-            <a:srgbClr val="92D050"/>
+            <a:schemeClr val="accent6">
+              <a:lumMod val="40000"/>
+              <a:lumOff val="60000"/>
+            </a:schemeClr>
           </a:solidFill>
           <a:ln>
             <a:solidFill>
@@ -4422,7 +4258,7 @@
         </p:nvSpPr>
         <p:spPr>
           <a:xfrm rot="5400000" flipV="1">
-            <a:off x="11912377" y="3341237"/>
+            <a:off x="11032045" y="3341235"/>
             <a:ext cx="617547" cy="716625"/>
           </a:xfrm>
           <a:prstGeom prst="rightArrow">
@@ -4828,14 +4664,17 @@
         </p:nvSpPr>
         <p:spPr>
           <a:xfrm rot="5400000" flipV="1">
-            <a:off x="1597334" y="1253648"/>
-            <a:ext cx="443057" cy="716625"/>
+            <a:off x="1522158" y="1290511"/>
+            <a:ext cx="646331" cy="716625"/>
           </a:xfrm>
           <a:prstGeom prst="rightArrow">
             <a:avLst/>
           </a:prstGeom>
           <a:solidFill>
-            <a:srgbClr val="92D050"/>
+            <a:schemeClr val="accent6">
+              <a:lumMod val="40000"/>
+              <a:lumOff val="60000"/>
+            </a:schemeClr>
           </a:solidFill>
           <a:ln>
             <a:solidFill>
@@ -5011,7 +4850,7 @@
         </p:blipFill>
         <p:spPr>
           <a:xfrm>
-            <a:off x="4820317" y="988340"/>
+            <a:off x="4896218" y="763122"/>
             <a:ext cx="518012" cy="1154930"/>
           </a:xfrm>
           <a:prstGeom prst="rect">
@@ -5098,7 +4937,7 @@
         </p:blipFill>
         <p:spPr>
           <a:xfrm>
-            <a:off x="6930262" y="746051"/>
+            <a:off x="7005918" y="167777"/>
             <a:ext cx="606780" cy="1689675"/>
           </a:xfrm>
           <a:prstGeom prst="rect">
@@ -5127,7 +4966,7 @@
         </p:blipFill>
         <p:spPr>
           <a:xfrm>
-            <a:off x="5458090" y="2121178"/>
+            <a:off x="4754472" y="2708115"/>
             <a:ext cx="883578" cy="377873"/>
           </a:xfrm>
           <a:prstGeom prst="rect">
@@ -5185,7 +5024,7 @@
         </p:blipFill>
         <p:spPr>
           <a:xfrm>
-            <a:off x="7532851" y="109810"/>
+            <a:off x="6003656" y="2822842"/>
             <a:ext cx="729573" cy="372749"/>
           </a:xfrm>
           <a:prstGeom prst="rect">
@@ -5214,7 +5053,7 @@
         </p:blipFill>
         <p:spPr>
           <a:xfrm>
-            <a:off x="7751041" y="950150"/>
+            <a:off x="7912902" y="284441"/>
             <a:ext cx="729572" cy="1346019"/>
           </a:xfrm>
           <a:prstGeom prst="rect">
@@ -5236,14 +5075,17 @@
         </p:nvSpPr>
         <p:spPr>
           <a:xfrm>
-            <a:off x="8832374" y="2562056"/>
-            <a:ext cx="558267" cy="722643"/>
+            <a:off x="8771358" y="2160811"/>
+            <a:ext cx="903555" cy="722643"/>
           </a:xfrm>
           <a:prstGeom prst="rightArrow">
             <a:avLst/>
           </a:prstGeom>
           <a:solidFill>
-            <a:srgbClr val="92D050"/>
+            <a:schemeClr val="accent6">
+              <a:lumMod val="40000"/>
+              <a:lumOff val="60000"/>
+            </a:schemeClr>
           </a:solidFill>
           <a:ln>
             <a:solidFill>
@@ -5398,6 +5240,91 @@
           </a:p>
         </p:txBody>
       </p:sp>
+      <p:sp>
+        <p:nvSpPr>
+          <p:cNvPr id="61" name="TextBox 60">
+            <a:extLst>
+              <a:ext uri="{FF2B5EF4-FFF2-40B4-BE49-F238E27FC236}">
+                <a16:creationId xmlns:a16="http://schemas.microsoft.com/office/drawing/2014/main" id="{7CABD093-2009-19AA-1BE0-F4CD72DEE50D}"/>
+              </a:ext>
+            </a:extLst>
+          </p:cNvPr>
+          <p:cNvSpPr txBox="1"/>
+          <p:nvPr/>
+        </p:nvSpPr>
+        <p:spPr>
+          <a:xfrm>
+            <a:off x="4497949" y="2014953"/>
+            <a:ext cx="4264462" cy="646331"/>
+          </a:xfrm>
+          <a:prstGeom prst="rect">
+            <a:avLst/>
+          </a:prstGeom>
+          <a:noFill/>
+        </p:spPr>
+        <p:txBody>
+          <a:bodyPr wrap="square" rtlCol="0">
+            <a:spAutoFit/>
+          </a:bodyPr>
+          <a:lstStyle/>
+          <a:p>
+            <a:pPr algn="ctr"/>
+            <a:r>
+              <a:rPr lang="en-US" dirty="0"/>
+              <a:t>2a) Match </a:t>
+            </a:r>
+            <a:r>
+              <a:rPr lang="en-US" b="1" dirty="0"/>
+              <a:t>processed taxon names</a:t>
+            </a:r>
+            <a:r>
+              <a:rPr lang="en-US" dirty="0"/>
+              <a:t> to chronogram database and identify (</a:t>
+            </a:r>
+            <a:r>
+              <a:rPr lang="en-US" dirty="0">
+                <a:solidFill>
+                  <a:srgbClr val="FF0000"/>
+                </a:solidFill>
+              </a:rPr>
+              <a:t>*</a:t>
+            </a:r>
+            <a:r>
+              <a:rPr lang="en-US" dirty="0"/>
+              <a:t>). </a:t>
+            </a:r>
+          </a:p>
+        </p:txBody>
+      </p:sp>
+      <p:pic>
+        <p:nvPicPr>
+          <p:cNvPr id="64" name="Picture 63">
+            <a:extLst>
+              <a:ext uri="{FF2B5EF4-FFF2-40B4-BE49-F238E27FC236}">
+                <a16:creationId xmlns:a16="http://schemas.microsoft.com/office/drawing/2014/main" id="{D6BDA928-65D3-AF38-C686-638A07A37197}"/>
+              </a:ext>
+            </a:extLst>
+          </p:cNvPr>
+          <p:cNvPicPr>
+            <a:picLocks noChangeAspect="1"/>
+          </p:cNvPicPr>
+          <p:nvPr/>
+        </p:nvPicPr>
+        <p:blipFill rotWithShape="1">
+          <a:blip r:embed="rId18"/>
+          <a:srcRect l="31349" t="16187" r="45578" b="27268"/>
+          <a:stretch/>
+        </p:blipFill>
+        <p:spPr>
+          <a:xfrm rot="10800000">
+            <a:off x="7064097" y="2873418"/>
+            <a:ext cx="445514" cy="427843"/>
+          </a:xfrm>
+          <a:prstGeom prst="rect">
+            <a:avLst/>
+          </a:prstGeom>
+        </p:spPr>
+      </p:pic>
     </p:spTree>
     <p:extLst>
       <p:ext uri="{BB962C8B-B14F-4D97-AF65-F5344CB8AC3E}">

--- a/figures/figure1/figure1-new.pptx
+++ b/figures/figure1/figure1-new.pptx
@@ -243,7 +243,7 @@
           <a:p>
             <a:fld id="{36D6B43A-FB72-2B4A-8DB0-B6C23179BADB}" type="datetimeFigureOut">
               <a:rPr lang="en-US" smtClean="0"/>
-              <a:t>5/11/22</a:t>
+              <a:t>5/26/22</a:t>
             </a:fld>
             <a:endParaRPr lang="en-US"/>
           </a:p>
@@ -413,7 +413,7 @@
           <a:p>
             <a:fld id="{36D6B43A-FB72-2B4A-8DB0-B6C23179BADB}" type="datetimeFigureOut">
               <a:rPr lang="en-US" smtClean="0"/>
-              <a:t>5/11/22</a:t>
+              <a:t>5/26/22</a:t>
             </a:fld>
             <a:endParaRPr lang="en-US"/>
           </a:p>
@@ -593,7 +593,7 @@
           <a:p>
             <a:fld id="{36D6B43A-FB72-2B4A-8DB0-B6C23179BADB}" type="datetimeFigureOut">
               <a:rPr lang="en-US" smtClean="0"/>
-              <a:t>5/11/22</a:t>
+              <a:t>5/26/22</a:t>
             </a:fld>
             <a:endParaRPr lang="en-US"/>
           </a:p>
@@ -763,7 +763,7 @@
           <a:p>
             <a:fld id="{36D6B43A-FB72-2B4A-8DB0-B6C23179BADB}" type="datetimeFigureOut">
               <a:rPr lang="en-US" smtClean="0"/>
-              <a:t>5/11/22</a:t>
+              <a:t>5/26/22</a:t>
             </a:fld>
             <a:endParaRPr lang="en-US"/>
           </a:p>
@@ -1009,7 +1009,7 @@
           <a:p>
             <a:fld id="{36D6B43A-FB72-2B4A-8DB0-B6C23179BADB}" type="datetimeFigureOut">
               <a:rPr lang="en-US" smtClean="0"/>
-              <a:t>5/11/22</a:t>
+              <a:t>5/26/22</a:t>
             </a:fld>
             <a:endParaRPr lang="en-US"/>
           </a:p>
@@ -1241,7 +1241,7 @@
           <a:p>
             <a:fld id="{36D6B43A-FB72-2B4A-8DB0-B6C23179BADB}" type="datetimeFigureOut">
               <a:rPr lang="en-US" smtClean="0"/>
-              <a:t>5/11/22</a:t>
+              <a:t>5/26/22</a:t>
             </a:fld>
             <a:endParaRPr lang="en-US"/>
           </a:p>
@@ -1608,7 +1608,7 @@
           <a:p>
             <a:fld id="{36D6B43A-FB72-2B4A-8DB0-B6C23179BADB}" type="datetimeFigureOut">
               <a:rPr lang="en-US" smtClean="0"/>
-              <a:t>5/11/22</a:t>
+              <a:t>5/26/22</a:t>
             </a:fld>
             <a:endParaRPr lang="en-US"/>
           </a:p>
@@ -1726,7 +1726,7 @@
           <a:p>
             <a:fld id="{36D6B43A-FB72-2B4A-8DB0-B6C23179BADB}" type="datetimeFigureOut">
               <a:rPr lang="en-US" smtClean="0"/>
-              <a:t>5/11/22</a:t>
+              <a:t>5/26/22</a:t>
             </a:fld>
             <a:endParaRPr lang="en-US"/>
           </a:p>
@@ -1821,7 +1821,7 @@
           <a:p>
             <a:fld id="{36D6B43A-FB72-2B4A-8DB0-B6C23179BADB}" type="datetimeFigureOut">
               <a:rPr lang="en-US" smtClean="0"/>
-              <a:t>5/11/22</a:t>
+              <a:t>5/26/22</a:t>
             </a:fld>
             <a:endParaRPr lang="en-US"/>
           </a:p>
@@ -2098,7 +2098,7 @@
           <a:p>
             <a:fld id="{36D6B43A-FB72-2B4A-8DB0-B6C23179BADB}" type="datetimeFigureOut">
               <a:rPr lang="en-US" smtClean="0"/>
-              <a:t>5/11/22</a:t>
+              <a:t>5/26/22</a:t>
             </a:fld>
             <a:endParaRPr lang="en-US"/>
           </a:p>
@@ -2355,7 +2355,7 @@
           <a:p>
             <a:fld id="{36D6B43A-FB72-2B4A-8DB0-B6C23179BADB}" type="datetimeFigureOut">
               <a:rPr lang="en-US" smtClean="0"/>
-              <a:t>5/11/22</a:t>
+              <a:t>5/26/22</a:t>
             </a:fld>
             <a:endParaRPr lang="en-US"/>
           </a:p>
@@ -2568,7 +2568,7 @@
           <a:p>
             <a:fld id="{36D6B43A-FB72-2B4A-8DB0-B6C23179BADB}" type="datetimeFigureOut">
               <a:rPr lang="en-US" smtClean="0"/>
-              <a:t>5/11/22</a:t>
+              <a:t>5/26/22</a:t>
             </a:fld>
             <a:endParaRPr lang="en-US"/>
           </a:p>
@@ -2987,7 +2987,7 @@
         </p:nvGrpSpPr>
         <p:grpSpPr>
           <a:xfrm>
-            <a:off x="10523917" y="5876683"/>
+            <a:off x="9932404" y="4361749"/>
             <a:ext cx="1737083" cy="1037251"/>
             <a:chOff x="8180912" y="11275546"/>
             <a:chExt cx="2375842" cy="1418668"/>
@@ -3174,7 +3174,7 @@
             <a:pPr algn="ctr"/>
             <a:r>
               <a:rPr lang="en-US" sz="2800" b="1" i="1" dirty="0"/>
-              <a:t>A, B</a:t>
+              <a:t>a, B</a:t>
             </a:r>
             <a:r>
               <a:rPr lang="en-US" sz="2800" b="1" i="1" baseline="-25000" dirty="0"/>
@@ -3182,7 +3182,15 @@
             </a:r>
             <a:r>
               <a:rPr lang="en-US" sz="2800" b="1" i="1" dirty="0"/>
-              <a:t>, C, D,  E,  </a:t>
+              <a:t>, C,  D,  </a:t>
+            </a:r>
+            <a:r>
+              <a:rPr lang="en-US" sz="2800" b="1" i="1" dirty="0" err="1"/>
+              <a:t>Ee</a:t>
+            </a:r>
+            <a:r>
+              <a:rPr lang="en-US" sz="2800" b="1" i="1" dirty="0"/>
+              <a:t>,  </a:t>
             </a:r>
             <a:r>
               <a:rPr lang="en-US" sz="2800" b="1" i="1" dirty="0" err="1"/>
@@ -3210,7 +3218,7 @@
         </p:nvSpPr>
         <p:spPr>
           <a:xfrm>
-            <a:off x="-5345" y="1941050"/>
+            <a:off x="-6383" y="2386627"/>
             <a:ext cx="3853372" cy="646331"/>
           </a:xfrm>
           <a:prstGeom prst="rect">
@@ -3262,7 +3270,7 @@
         </p:nvGrpSpPr>
         <p:grpSpPr>
           <a:xfrm>
-            <a:off x="12090877" y="54202"/>
+            <a:off x="12090877" y="114162"/>
             <a:ext cx="2128684" cy="1689674"/>
             <a:chOff x="349831" y="5774256"/>
             <a:chExt cx="2128684" cy="1689674"/>
@@ -3476,7 +3484,7 @@
         </p:nvGrpSpPr>
         <p:grpSpPr>
           <a:xfrm>
-            <a:off x="12799274" y="1839571"/>
+            <a:off x="12799274" y="1899531"/>
             <a:ext cx="2128684" cy="1442486"/>
             <a:chOff x="3095159" y="6869139"/>
             <a:chExt cx="2128684" cy="1442486"/>
@@ -3583,7 +3591,7 @@
         </p:nvSpPr>
         <p:spPr>
           <a:xfrm>
-            <a:off x="20961" y="2873702"/>
+            <a:off x="20962" y="1976532"/>
             <a:ext cx="3898621" cy="523220"/>
           </a:xfrm>
           <a:prstGeom prst="rect">
@@ -3600,7 +3608,7 @@
             <a:pPr algn="ctr"/>
             <a:r>
               <a:rPr lang="en-US" sz="2800" b="1" i="1" dirty="0"/>
-              <a:t>A   B  C  D   E   F</a:t>
+              <a:t>A   B  C   D   E   F</a:t>
             </a:r>
           </a:p>
         </p:txBody>
@@ -3706,7 +3714,7 @@
         </p:nvSpPr>
         <p:spPr>
           <a:xfrm>
-            <a:off x="10243036" y="4150739"/>
+            <a:off x="11308448" y="5395275"/>
             <a:ext cx="2981651" cy="369332"/>
           </a:xfrm>
           <a:prstGeom prst="rect">
@@ -3746,8 +3754,8 @@
         </p:nvSpPr>
         <p:spPr>
           <a:xfrm>
-            <a:off x="3974668" y="1909826"/>
-            <a:ext cx="610913" cy="722643"/>
+            <a:off x="3914288" y="2310315"/>
+            <a:ext cx="684935" cy="722643"/>
           </a:xfrm>
           <a:prstGeom prst="rightArrow">
             <a:avLst/>
@@ -3805,8 +3813,8 @@
         </p:nvSpPr>
         <p:spPr>
           <a:xfrm rot="10800000" flipV="1">
-            <a:off x="4679271" y="7917923"/>
-            <a:ext cx="958778" cy="716625"/>
+            <a:off x="4653532" y="8136493"/>
+            <a:ext cx="958778" cy="389958"/>
           </a:xfrm>
           <a:prstGeom prst="rightArrow">
             <a:avLst/>
@@ -3907,8 +3915,8 @@
         </p:nvSpPr>
         <p:spPr>
           <a:xfrm>
-            <a:off x="159294" y="4023148"/>
-            <a:ext cx="14974207" cy="5120851"/>
+            <a:off x="20962" y="3978178"/>
+            <a:ext cx="15112540" cy="5120851"/>
           </a:xfrm>
           <a:prstGeom prst="roundRect">
             <a:avLst/>
@@ -3964,8 +3972,8 @@
         </p:nvSpPr>
         <p:spPr>
           <a:xfrm>
-            <a:off x="8761" y="-8906"/>
-            <a:ext cx="3898621" cy="3405827"/>
+            <a:off x="8761" y="36064"/>
+            <a:ext cx="3898621" cy="3399647"/>
           </a:xfrm>
           <a:prstGeom prst="roundRect">
             <a:avLst/>
@@ -4021,8 +4029,8 @@
         </p:nvSpPr>
         <p:spPr>
           <a:xfrm>
-            <a:off x="9391065" y="2213784"/>
-            <a:ext cx="2836889" cy="923330"/>
+            <a:off x="9493881" y="2258630"/>
+            <a:ext cx="3202667" cy="923330"/>
           </a:xfrm>
           <a:prstGeom prst="rect">
             <a:avLst/>
@@ -4065,7 +4073,7 @@
         </p:nvGrpSpPr>
         <p:grpSpPr>
           <a:xfrm>
-            <a:off x="10338698" y="4541133"/>
+            <a:off x="10018524" y="5545686"/>
             <a:ext cx="1240513" cy="1220852"/>
             <a:chOff x="10386505" y="7974231"/>
             <a:chExt cx="1706127" cy="1679086"/>
@@ -4184,10 +4192,10 @@
       </p:grpSp>
       <p:sp>
         <p:nvSpPr>
-          <p:cNvPr id="57" name="Right Arrow 56">
+          <p:cNvPr id="59" name="Right Arrow 58">
             <a:extLst>
               <a:ext uri="{FF2B5EF4-FFF2-40B4-BE49-F238E27FC236}">
-                <a16:creationId xmlns:a16="http://schemas.microsoft.com/office/drawing/2014/main" id="{FE526C97-AC6D-4D4F-9BEC-3E2905BFDAB4}"/>
+                <a16:creationId xmlns:a16="http://schemas.microsoft.com/office/drawing/2014/main" id="{4FAA0A27-5D81-2A4B-8E4E-EB71A5ED4E14}"/>
               </a:ext>
             </a:extLst>
           </p:cNvPr>
@@ -4195,18 +4203,15 @@
           <p:nvPr/>
         </p:nvSpPr>
         <p:spPr>
-          <a:xfrm rot="10800000" flipV="1">
-            <a:off x="9483367" y="7917923"/>
-            <a:ext cx="1006451" cy="716625"/>
+          <a:xfrm rot="5400000" flipV="1">
+            <a:off x="12160910" y="3339815"/>
+            <a:ext cx="560101" cy="716625"/>
           </a:xfrm>
           <a:prstGeom prst="rightArrow">
             <a:avLst/>
           </a:prstGeom>
           <a:solidFill>
-            <a:schemeClr val="accent6">
-              <a:lumMod val="40000"/>
-              <a:lumOff val="60000"/>
-            </a:schemeClr>
+            <a:srgbClr val="92D050"/>
           </a:solidFill>
           <a:ln>
             <a:solidFill>
@@ -4244,65 +4249,6 @@
           </a:p>
         </p:txBody>
       </p:sp>
-      <p:sp>
-        <p:nvSpPr>
-          <p:cNvPr id="59" name="Right Arrow 58">
-            <a:extLst>
-              <a:ext uri="{FF2B5EF4-FFF2-40B4-BE49-F238E27FC236}">
-                <a16:creationId xmlns:a16="http://schemas.microsoft.com/office/drawing/2014/main" id="{4FAA0A27-5D81-2A4B-8E4E-EB71A5ED4E14}"/>
-              </a:ext>
-            </a:extLst>
-          </p:cNvPr>
-          <p:cNvSpPr/>
-          <p:nvPr/>
-        </p:nvSpPr>
-        <p:spPr>
-          <a:xfrm rot="5400000" flipV="1">
-            <a:off x="11032045" y="3341235"/>
-            <a:ext cx="617547" cy="716625"/>
-          </a:xfrm>
-          <a:prstGeom prst="rightArrow">
-            <a:avLst/>
-          </a:prstGeom>
-          <a:solidFill>
-            <a:srgbClr val="92D050"/>
-          </a:solidFill>
-          <a:ln>
-            <a:solidFill>
-              <a:srgbClr val="92D050"/>
-            </a:solidFill>
-          </a:ln>
-        </p:spPr>
-        <p:style>
-          <a:lnRef idx="2">
-            <a:schemeClr val="accent1">
-              <a:shade val="50000"/>
-            </a:schemeClr>
-          </a:lnRef>
-          <a:fillRef idx="1">
-            <a:schemeClr val="accent1"/>
-          </a:fillRef>
-          <a:effectRef idx="0">
-            <a:schemeClr val="accent1"/>
-          </a:effectRef>
-          <a:fontRef idx="minor">
-            <a:schemeClr val="lt1"/>
-          </a:fontRef>
-        </p:style>
-        <p:txBody>
-          <a:bodyPr rot="0" spcFirstLastPara="0" vertOverflow="overflow" horzOverflow="overflow" vert="horz" wrap="square" lIns="91440" tIns="45720" rIns="91440" bIns="45720" numCol="1" spcCol="0" rtlCol="0" fromWordArt="0" anchor="ctr" anchorCtr="0" forceAA="0" compatLnSpc="1">
-            <a:prstTxWarp prst="textNoShape">
-              <a:avLst/>
-            </a:prstTxWarp>
-            <a:noAutofit/>
-          </a:bodyPr>
-          <a:lstStyle/>
-          <a:p>
-            <a:pPr algn="ctr"/>
-            <a:endParaRPr lang="en-US"/>
-          </a:p>
-        </p:txBody>
-      </p:sp>
       <p:grpSp>
         <p:nvGrpSpPr>
           <p:cNvPr id="3" name="Group 2">
@@ -4317,7 +4263,7 @@
         </p:nvGrpSpPr>
         <p:grpSpPr>
           <a:xfrm>
-            <a:off x="11744800" y="4579729"/>
+            <a:off x="11792245" y="4101708"/>
             <a:ext cx="1362974" cy="1227483"/>
             <a:chOff x="11668312" y="9142886"/>
             <a:chExt cx="1481924" cy="1334609"/>
@@ -4444,7 +4390,7 @@
         </p:nvSpPr>
         <p:spPr>
           <a:xfrm>
-            <a:off x="4618329" y="-8873"/>
+            <a:off x="4618329" y="36097"/>
             <a:ext cx="10515171" cy="3399647"/>
           </a:xfrm>
           <a:prstGeom prst="roundRect">
@@ -4515,7 +4461,7 @@
         </p:blipFill>
         <p:spPr>
           <a:xfrm>
-            <a:off x="10443628" y="5858333"/>
+            <a:off x="10383668" y="5858333"/>
             <a:ext cx="3925438" cy="3925438"/>
           </a:xfrm>
           <a:prstGeom prst="rect">
@@ -4664,8 +4610,8 @@
         </p:nvSpPr>
         <p:spPr>
           <a:xfrm rot="5400000" flipV="1">
-            <a:off x="1522158" y="1290511"/>
-            <a:ext cx="646331" cy="716625"/>
+            <a:off x="1653810" y="1452227"/>
+            <a:ext cx="646331" cy="393192"/>
           </a:xfrm>
           <a:prstGeom prst="rightArrow">
             <a:avLst/>
@@ -4966,7 +4912,7 @@
         </p:blipFill>
         <p:spPr>
           <a:xfrm>
-            <a:off x="4754472" y="2708115"/>
+            <a:off x="4754472" y="2962945"/>
             <a:ext cx="883578" cy="377873"/>
           </a:xfrm>
           <a:prstGeom prst="rect">
@@ -5063,68 +5009,6 @@
       </p:pic>
       <p:sp>
         <p:nvSpPr>
-          <p:cNvPr id="101" name="Right Arrow 100">
-            <a:extLst>
-              <a:ext uri="{FF2B5EF4-FFF2-40B4-BE49-F238E27FC236}">
-                <a16:creationId xmlns:a16="http://schemas.microsoft.com/office/drawing/2014/main" id="{2F544E0E-EF4C-2D49-AAB5-5AA064FCE799}"/>
-              </a:ext>
-            </a:extLst>
-          </p:cNvPr>
-          <p:cNvSpPr/>
-          <p:nvPr/>
-        </p:nvSpPr>
-        <p:spPr>
-          <a:xfrm>
-            <a:off x="8771358" y="2160811"/>
-            <a:ext cx="903555" cy="722643"/>
-          </a:xfrm>
-          <a:prstGeom prst="rightArrow">
-            <a:avLst/>
-          </a:prstGeom>
-          <a:solidFill>
-            <a:schemeClr val="accent6">
-              <a:lumMod val="40000"/>
-              <a:lumOff val="60000"/>
-            </a:schemeClr>
-          </a:solidFill>
-          <a:ln>
-            <a:solidFill>
-              <a:srgbClr val="92D050"/>
-            </a:solidFill>
-          </a:ln>
-        </p:spPr>
-        <p:style>
-          <a:lnRef idx="2">
-            <a:schemeClr val="accent1">
-              <a:shade val="50000"/>
-            </a:schemeClr>
-          </a:lnRef>
-          <a:fillRef idx="1">
-            <a:schemeClr val="accent1"/>
-          </a:fillRef>
-          <a:effectRef idx="0">
-            <a:schemeClr val="accent1"/>
-          </a:effectRef>
-          <a:fontRef idx="minor">
-            <a:schemeClr val="lt1"/>
-          </a:fontRef>
-        </p:style>
-        <p:txBody>
-          <a:bodyPr rot="0" spcFirstLastPara="0" vertOverflow="overflow" horzOverflow="overflow" vert="horz" wrap="square" lIns="91440" tIns="45720" rIns="91440" bIns="45720" numCol="1" spcCol="0" rtlCol="0" fromWordArt="0" anchor="ctr" anchorCtr="0" forceAA="0" compatLnSpc="1">
-            <a:prstTxWarp prst="textNoShape">
-              <a:avLst/>
-            </a:prstTxWarp>
-            <a:noAutofit/>
-          </a:bodyPr>
-          <a:lstStyle/>
-          <a:p>
-            <a:pPr algn="ctr"/>
-            <a:endParaRPr lang="en-US"/>
-          </a:p>
-        </p:txBody>
-      </p:sp>
-      <p:sp>
-        <p:nvSpPr>
           <p:cNvPr id="35" name="TextBox 34">
             <a:extLst>
               <a:ext uri="{FF2B5EF4-FFF2-40B4-BE49-F238E27FC236}">
@@ -5254,7 +5138,7 @@
         </p:nvSpPr>
         <p:spPr>
           <a:xfrm>
-            <a:off x="4497949" y="2014953"/>
+            <a:off x="4497949" y="2390587"/>
             <a:ext cx="4264462" cy="646331"/>
           </a:xfrm>
           <a:prstGeom prst="rect">
@@ -5319,6 +5203,189 @@
           <a:xfrm rot="10800000">
             <a:off x="7064097" y="2873418"/>
             <a:ext cx="445514" cy="427843"/>
+          </a:xfrm>
+          <a:prstGeom prst="rect">
+            <a:avLst/>
+          </a:prstGeom>
+        </p:spPr>
+      </p:pic>
+      <p:sp>
+        <p:nvSpPr>
+          <p:cNvPr id="68" name="Right Arrow 67">
+            <a:extLst>
+              <a:ext uri="{FF2B5EF4-FFF2-40B4-BE49-F238E27FC236}">
+                <a16:creationId xmlns:a16="http://schemas.microsoft.com/office/drawing/2014/main" id="{AAEB256A-7CF9-C7BC-9B0F-8EBBC5A23783}"/>
+              </a:ext>
+            </a:extLst>
+          </p:cNvPr>
+          <p:cNvSpPr/>
+          <p:nvPr/>
+        </p:nvSpPr>
+        <p:spPr>
+          <a:xfrm rot="10800000" flipV="1">
+            <a:off x="9286399" y="8082289"/>
+            <a:ext cx="958778" cy="389958"/>
+          </a:xfrm>
+          <a:prstGeom prst="rightArrow">
+            <a:avLst/>
+          </a:prstGeom>
+          <a:solidFill>
+            <a:schemeClr val="accent6">
+              <a:lumMod val="40000"/>
+              <a:lumOff val="60000"/>
+            </a:schemeClr>
+          </a:solidFill>
+          <a:ln>
+            <a:solidFill>
+              <a:srgbClr val="92D050"/>
+            </a:solidFill>
+          </a:ln>
+        </p:spPr>
+        <p:style>
+          <a:lnRef idx="2">
+            <a:schemeClr val="accent1">
+              <a:shade val="50000"/>
+            </a:schemeClr>
+          </a:lnRef>
+          <a:fillRef idx="1">
+            <a:schemeClr val="accent1"/>
+          </a:fillRef>
+          <a:effectRef idx="0">
+            <a:schemeClr val="accent1"/>
+          </a:effectRef>
+          <a:fontRef idx="minor">
+            <a:schemeClr val="lt1"/>
+          </a:fontRef>
+        </p:style>
+        <p:txBody>
+          <a:bodyPr rot="0" spcFirstLastPara="0" vertOverflow="overflow" horzOverflow="overflow" vert="horz" wrap="square" lIns="91440" tIns="45720" rIns="91440" bIns="45720" numCol="1" spcCol="0" rtlCol="0" fromWordArt="0" anchor="ctr" anchorCtr="0" forceAA="0" compatLnSpc="1">
+            <a:prstTxWarp prst="textNoShape">
+              <a:avLst/>
+            </a:prstTxWarp>
+            <a:noAutofit/>
+          </a:bodyPr>
+          <a:lstStyle/>
+          <a:p>
+            <a:pPr algn="ctr"/>
+            <a:endParaRPr lang="en-US"/>
+          </a:p>
+        </p:txBody>
+      </p:sp>
+      <p:sp>
+        <p:nvSpPr>
+          <p:cNvPr id="69" name="Right Arrow 68">
+            <a:extLst>
+              <a:ext uri="{FF2B5EF4-FFF2-40B4-BE49-F238E27FC236}">
+                <a16:creationId xmlns:a16="http://schemas.microsoft.com/office/drawing/2014/main" id="{344B9EFB-CE04-FF80-E4CD-4D664103EF7E}"/>
+              </a:ext>
+            </a:extLst>
+          </p:cNvPr>
+          <p:cNvSpPr/>
+          <p:nvPr/>
+        </p:nvSpPr>
+        <p:spPr>
+          <a:xfrm flipV="1">
+            <a:off x="8898554" y="2548429"/>
+            <a:ext cx="958778" cy="389958"/>
+          </a:xfrm>
+          <a:prstGeom prst="rightArrow">
+            <a:avLst/>
+          </a:prstGeom>
+          <a:solidFill>
+            <a:schemeClr val="accent6">
+              <a:lumMod val="40000"/>
+              <a:lumOff val="60000"/>
+            </a:schemeClr>
+          </a:solidFill>
+          <a:ln>
+            <a:solidFill>
+              <a:srgbClr val="92D050"/>
+            </a:solidFill>
+          </a:ln>
+        </p:spPr>
+        <p:style>
+          <a:lnRef idx="2">
+            <a:schemeClr val="accent1">
+              <a:shade val="50000"/>
+            </a:schemeClr>
+          </a:lnRef>
+          <a:fillRef idx="1">
+            <a:schemeClr val="accent1"/>
+          </a:fillRef>
+          <a:effectRef idx="0">
+            <a:schemeClr val="accent1"/>
+          </a:effectRef>
+          <a:fontRef idx="minor">
+            <a:schemeClr val="lt1"/>
+          </a:fontRef>
+        </p:style>
+        <p:txBody>
+          <a:bodyPr rot="0" spcFirstLastPara="0" vertOverflow="overflow" horzOverflow="overflow" vert="horz" wrap="square" lIns="91440" tIns="45720" rIns="91440" bIns="45720" numCol="1" spcCol="0" rtlCol="0" fromWordArt="0" anchor="ctr" anchorCtr="0" forceAA="0" compatLnSpc="1">
+            <a:prstTxWarp prst="textNoShape">
+              <a:avLst/>
+            </a:prstTxWarp>
+            <a:noAutofit/>
+          </a:bodyPr>
+          <a:lstStyle/>
+          <a:p>
+            <a:pPr algn="ctr"/>
+            <a:endParaRPr lang="en-US"/>
+          </a:p>
+        </p:txBody>
+      </p:sp>
+      <p:pic>
+        <p:nvPicPr>
+          <p:cNvPr id="65" name="Picture 64">
+            <a:extLst>
+              <a:ext uri="{FF2B5EF4-FFF2-40B4-BE49-F238E27FC236}">
+                <a16:creationId xmlns:a16="http://schemas.microsoft.com/office/drawing/2014/main" id="{BEDF891B-16DC-00D3-00B7-6D88FDC9D679}"/>
+              </a:ext>
+            </a:extLst>
+          </p:cNvPr>
+          <p:cNvPicPr>
+            <a:picLocks noChangeAspect="1"/>
+          </p:cNvPicPr>
+          <p:nvPr/>
+        </p:nvPicPr>
+        <p:blipFill rotWithShape="1">
+          <a:blip r:embed="rId19"/>
+          <a:srcRect l="5959" t="39310" r="60585" b="17934"/>
+          <a:stretch/>
+        </p:blipFill>
+        <p:spPr>
+          <a:xfrm>
+            <a:off x="6305956" y="1925932"/>
+            <a:ext cx="729573" cy="372749"/>
+          </a:xfrm>
+          <a:prstGeom prst="rect">
+            <a:avLst/>
+          </a:prstGeom>
+        </p:spPr>
+      </p:pic>
+      <p:pic>
+        <p:nvPicPr>
+          <p:cNvPr id="4" name="Picture 3">
+            <a:extLst>
+              <a:ext uri="{FF2B5EF4-FFF2-40B4-BE49-F238E27FC236}">
+                <a16:creationId xmlns:a16="http://schemas.microsoft.com/office/drawing/2014/main" id="{B25D988F-5F98-3B29-A0E9-ECA7FE967F8D}"/>
+              </a:ext>
+            </a:extLst>
+          </p:cNvPr>
+          <p:cNvPicPr>
+            <a:picLocks noChangeAspect="1"/>
+          </p:cNvPicPr>
+          <p:nvPr/>
+        </p:nvPicPr>
+        <p:blipFill>
+          <a:blip r:embed="rId21"/>
+          <a:stretch>
+            <a:fillRect/>
+          </a:stretch>
+        </p:blipFill>
+        <p:spPr>
+          <a:xfrm flipH="1">
+            <a:off x="5320907" y="1660033"/>
+            <a:ext cx="896729" cy="768625"/>
           </a:xfrm>
           <a:prstGeom prst="rect">
             <a:avLst/>

--- a/figures/figure1/figure1-new.pptx
+++ b/figures/figure1/figure1-new.pptx
@@ -2,12 +2,12 @@
 <file path=ppt/presentation.xml><?xml version="1.0" encoding="utf-8"?>
 <p:presentation xmlns:a="http://schemas.openxmlformats.org/drawingml/2006/main" xmlns:r="http://schemas.openxmlformats.org/officeDocument/2006/relationships" xmlns:p="http://schemas.openxmlformats.org/presentationml/2006/main" saveSubsetFonts="1" autoCompressPictures="0">
   <p:sldMasterIdLst>
-    <p:sldMasterId id="2147483924" r:id="rId1"/>
+    <p:sldMasterId id="2147483936" r:id="rId1"/>
   </p:sldMasterIdLst>
   <p:sldIdLst>
     <p:sldId id="261" r:id="rId2"/>
   </p:sldIdLst>
-  <p:sldSz cx="15179675" cy="9144000"/>
+  <p:sldSz cx="14630400" cy="9144000"/>
   <p:notesSz cx="6858000" cy="9144000"/>
   <p:defaultTextStyle>
     <a:defPPr>
@@ -141,15 +141,15 @@
         </p:nvSpPr>
         <p:spPr>
           <a:xfrm>
-            <a:off x="1897460" y="1496484"/>
-            <a:ext cx="11384756" cy="3183467"/>
+            <a:off x="1828800" y="1496484"/>
+            <a:ext cx="10972800" cy="3183467"/>
           </a:xfrm>
         </p:spPr>
         <p:txBody>
           <a:bodyPr anchor="b"/>
           <a:lstStyle>
             <a:lvl1pPr algn="ctr">
-              <a:defRPr sz="7471"/>
+              <a:defRPr sz="7200"/>
             </a:lvl1pPr>
           </a:lstStyle>
           <a:p>
@@ -173,8 +173,8 @@
         </p:nvSpPr>
         <p:spPr>
           <a:xfrm>
-            <a:off x="1897460" y="4802717"/>
-            <a:ext cx="11384756" cy="2207683"/>
+            <a:off x="1828800" y="4802717"/>
+            <a:ext cx="10972800" cy="2207683"/>
           </a:xfrm>
         </p:spPr>
         <p:txBody>
@@ -182,39 +182,39 @@
           <a:lstStyle>
             <a:lvl1pPr marL="0" indent="0" algn="ctr">
               <a:buNone/>
-              <a:defRPr sz="2988"/>
+              <a:defRPr sz="2880"/>
             </a:lvl1pPr>
-            <a:lvl2pPr marL="569260" indent="0" algn="ctr">
-              <a:buNone/>
-              <a:defRPr sz="2490"/>
+            <a:lvl2pPr marL="548640" indent="0" algn="ctr">
+              <a:buNone/>
+              <a:defRPr sz="2400"/>
             </a:lvl2pPr>
-            <a:lvl3pPr marL="1138519" indent="0" algn="ctr">
-              <a:buNone/>
-              <a:defRPr sz="2241"/>
+            <a:lvl3pPr marL="1097280" indent="0" algn="ctr">
+              <a:buNone/>
+              <a:defRPr sz="2160"/>
             </a:lvl3pPr>
-            <a:lvl4pPr marL="1707779" indent="0" algn="ctr">
-              <a:buNone/>
-              <a:defRPr sz="1992"/>
+            <a:lvl4pPr marL="1645920" indent="0" algn="ctr">
+              <a:buNone/>
+              <a:defRPr sz="1920"/>
             </a:lvl4pPr>
-            <a:lvl5pPr marL="2277039" indent="0" algn="ctr">
-              <a:buNone/>
-              <a:defRPr sz="1992"/>
+            <a:lvl5pPr marL="2194560" indent="0" algn="ctr">
+              <a:buNone/>
+              <a:defRPr sz="1920"/>
             </a:lvl5pPr>
-            <a:lvl6pPr marL="2846299" indent="0" algn="ctr">
-              <a:buNone/>
-              <a:defRPr sz="1992"/>
+            <a:lvl6pPr marL="2743200" indent="0" algn="ctr">
+              <a:buNone/>
+              <a:defRPr sz="1920"/>
             </a:lvl6pPr>
-            <a:lvl7pPr marL="3415558" indent="0" algn="ctr">
-              <a:buNone/>
-              <a:defRPr sz="1992"/>
+            <a:lvl7pPr marL="3291840" indent="0" algn="ctr">
+              <a:buNone/>
+              <a:defRPr sz="1920"/>
             </a:lvl7pPr>
-            <a:lvl8pPr marL="3984818" indent="0" algn="ctr">
-              <a:buNone/>
-              <a:defRPr sz="1992"/>
+            <a:lvl8pPr marL="3840480" indent="0" algn="ctr">
+              <a:buNone/>
+              <a:defRPr sz="1920"/>
             </a:lvl8pPr>
-            <a:lvl9pPr marL="4554078" indent="0" algn="ctr">
-              <a:buNone/>
-              <a:defRPr sz="1992"/>
+            <a:lvl9pPr marL="4389120" indent="0" algn="ctr">
+              <a:buNone/>
+              <a:defRPr sz="1920"/>
             </a:lvl9pPr>
           </a:lstStyle>
           <a:p>
@@ -243,7 +243,7 @@
           <a:p>
             <a:fld id="{36D6B43A-FB72-2B4A-8DB0-B6C23179BADB}" type="datetimeFigureOut">
               <a:rPr lang="en-US" smtClean="0"/>
-              <a:t>5/26/22</a:t>
+              <a:t>5/27/22</a:t>
             </a:fld>
             <a:endParaRPr lang="en-US"/>
           </a:p>
@@ -294,7 +294,7 @@
     </p:spTree>
     <p:extLst>
       <p:ext uri="{BB962C8B-B14F-4D97-AF65-F5344CB8AC3E}">
-        <p14:creationId xmlns:p14="http://schemas.microsoft.com/office/powerpoint/2010/main" val="797958402"/>
+        <p14:creationId xmlns:p14="http://schemas.microsoft.com/office/powerpoint/2010/main" val="2577100843"/>
       </p:ext>
     </p:extLst>
   </p:cSld>
@@ -413,7 +413,7 @@
           <a:p>
             <a:fld id="{36D6B43A-FB72-2B4A-8DB0-B6C23179BADB}" type="datetimeFigureOut">
               <a:rPr lang="en-US" smtClean="0"/>
-              <a:t>5/26/22</a:t>
+              <a:t>5/27/22</a:t>
             </a:fld>
             <a:endParaRPr lang="en-US"/>
           </a:p>
@@ -464,7 +464,7 @@
     </p:spTree>
     <p:extLst>
       <p:ext uri="{BB962C8B-B14F-4D97-AF65-F5344CB8AC3E}">
-        <p14:creationId xmlns:p14="http://schemas.microsoft.com/office/powerpoint/2010/main" val="3955697976"/>
+        <p14:creationId xmlns:p14="http://schemas.microsoft.com/office/powerpoint/2010/main" val="1237432008"/>
       </p:ext>
     </p:extLst>
   </p:cSld>
@@ -503,8 +503,8 @@
         </p:nvSpPr>
         <p:spPr>
           <a:xfrm>
-            <a:off x="10862955" y="486834"/>
-            <a:ext cx="3273117" cy="7749117"/>
+            <a:off x="10469880" y="486834"/>
+            <a:ext cx="3154680" cy="7749117"/>
           </a:xfrm>
         </p:spPr>
         <p:txBody>
@@ -531,8 +531,8 @@
         </p:nvSpPr>
         <p:spPr>
           <a:xfrm>
-            <a:off x="1043603" y="486834"/>
-            <a:ext cx="9629606" cy="7749117"/>
+            <a:off x="1005840" y="486834"/>
+            <a:ext cx="9281160" cy="7749117"/>
           </a:xfrm>
         </p:spPr>
         <p:txBody>
@@ -593,7 +593,7 @@
           <a:p>
             <a:fld id="{36D6B43A-FB72-2B4A-8DB0-B6C23179BADB}" type="datetimeFigureOut">
               <a:rPr lang="en-US" smtClean="0"/>
-              <a:t>5/26/22</a:t>
+              <a:t>5/27/22</a:t>
             </a:fld>
             <a:endParaRPr lang="en-US"/>
           </a:p>
@@ -644,7 +644,7 @@
     </p:spTree>
     <p:extLst>
       <p:ext uri="{BB962C8B-B14F-4D97-AF65-F5344CB8AC3E}">
-        <p14:creationId xmlns:p14="http://schemas.microsoft.com/office/powerpoint/2010/main" val="2424740456"/>
+        <p14:creationId xmlns:p14="http://schemas.microsoft.com/office/powerpoint/2010/main" val="608731408"/>
       </p:ext>
     </p:extLst>
   </p:cSld>
@@ -763,7 +763,7 @@
           <a:p>
             <a:fld id="{36D6B43A-FB72-2B4A-8DB0-B6C23179BADB}" type="datetimeFigureOut">
               <a:rPr lang="en-US" smtClean="0"/>
-              <a:t>5/26/22</a:t>
+              <a:t>5/27/22</a:t>
             </a:fld>
             <a:endParaRPr lang="en-US"/>
           </a:p>
@@ -814,7 +814,7 @@
     </p:spTree>
     <p:extLst>
       <p:ext uri="{BB962C8B-B14F-4D97-AF65-F5344CB8AC3E}">
-        <p14:creationId xmlns:p14="http://schemas.microsoft.com/office/powerpoint/2010/main" val="1394592972"/>
+        <p14:creationId xmlns:p14="http://schemas.microsoft.com/office/powerpoint/2010/main" val="4124427290"/>
       </p:ext>
     </p:extLst>
   </p:cSld>
@@ -853,15 +853,15 @@
         </p:nvSpPr>
         <p:spPr>
           <a:xfrm>
-            <a:off x="1035696" y="2279652"/>
-            <a:ext cx="13092470" cy="3803649"/>
+            <a:off x="998220" y="2279652"/>
+            <a:ext cx="12618720" cy="3803649"/>
           </a:xfrm>
         </p:spPr>
         <p:txBody>
           <a:bodyPr anchor="b"/>
           <a:lstStyle>
             <a:lvl1pPr>
-              <a:defRPr sz="7471"/>
+              <a:defRPr sz="7200"/>
             </a:lvl1pPr>
           </a:lstStyle>
           <a:p>
@@ -885,8 +885,8 @@
         </p:nvSpPr>
         <p:spPr>
           <a:xfrm>
-            <a:off x="1035696" y="6119285"/>
-            <a:ext cx="13092470" cy="2000249"/>
+            <a:off x="998220" y="6119285"/>
+            <a:ext cx="12618720" cy="2000249"/>
           </a:xfrm>
         </p:spPr>
         <p:txBody>
@@ -894,7 +894,7 @@
           <a:lstStyle>
             <a:lvl1pPr marL="0" indent="0">
               <a:buNone/>
-              <a:defRPr sz="2988">
+              <a:defRPr sz="2880">
                 <a:solidFill>
                   <a:schemeClr val="tx1">
                     <a:tint val="75000"/>
@@ -902,9 +902,9 @@
                 </a:solidFill>
               </a:defRPr>
             </a:lvl1pPr>
-            <a:lvl2pPr marL="569260" indent="0">
-              <a:buNone/>
-              <a:defRPr sz="2490">
+            <a:lvl2pPr marL="548640" indent="0">
+              <a:buNone/>
+              <a:defRPr sz="2400">
                 <a:solidFill>
                   <a:schemeClr val="tx1">
                     <a:tint val="75000"/>
@@ -912,9 +912,9 @@
                 </a:solidFill>
               </a:defRPr>
             </a:lvl2pPr>
-            <a:lvl3pPr marL="1138519" indent="0">
-              <a:buNone/>
-              <a:defRPr sz="2241">
+            <a:lvl3pPr marL="1097280" indent="0">
+              <a:buNone/>
+              <a:defRPr sz="2160">
                 <a:solidFill>
                   <a:schemeClr val="tx1">
                     <a:tint val="75000"/>
@@ -922,9 +922,9 @@
                 </a:solidFill>
               </a:defRPr>
             </a:lvl3pPr>
-            <a:lvl4pPr marL="1707779" indent="0">
-              <a:buNone/>
-              <a:defRPr sz="1992">
+            <a:lvl4pPr marL="1645920" indent="0">
+              <a:buNone/>
+              <a:defRPr sz="1920">
                 <a:solidFill>
                   <a:schemeClr val="tx1">
                     <a:tint val="75000"/>
@@ -932,9 +932,9 @@
                 </a:solidFill>
               </a:defRPr>
             </a:lvl4pPr>
-            <a:lvl5pPr marL="2277039" indent="0">
-              <a:buNone/>
-              <a:defRPr sz="1992">
+            <a:lvl5pPr marL="2194560" indent="0">
+              <a:buNone/>
+              <a:defRPr sz="1920">
                 <a:solidFill>
                   <a:schemeClr val="tx1">
                     <a:tint val="75000"/>
@@ -942,9 +942,9 @@
                 </a:solidFill>
               </a:defRPr>
             </a:lvl5pPr>
-            <a:lvl6pPr marL="2846299" indent="0">
-              <a:buNone/>
-              <a:defRPr sz="1992">
+            <a:lvl6pPr marL="2743200" indent="0">
+              <a:buNone/>
+              <a:defRPr sz="1920">
                 <a:solidFill>
                   <a:schemeClr val="tx1">
                     <a:tint val="75000"/>
@@ -952,9 +952,9 @@
                 </a:solidFill>
               </a:defRPr>
             </a:lvl6pPr>
-            <a:lvl7pPr marL="3415558" indent="0">
-              <a:buNone/>
-              <a:defRPr sz="1992">
+            <a:lvl7pPr marL="3291840" indent="0">
+              <a:buNone/>
+              <a:defRPr sz="1920">
                 <a:solidFill>
                   <a:schemeClr val="tx1">
                     <a:tint val="75000"/>
@@ -962,9 +962,9 @@
                 </a:solidFill>
               </a:defRPr>
             </a:lvl7pPr>
-            <a:lvl8pPr marL="3984818" indent="0">
-              <a:buNone/>
-              <a:defRPr sz="1992">
+            <a:lvl8pPr marL="3840480" indent="0">
+              <a:buNone/>
+              <a:defRPr sz="1920">
                 <a:solidFill>
                   <a:schemeClr val="tx1">
                     <a:tint val="75000"/>
@@ -972,9 +972,9 @@
                 </a:solidFill>
               </a:defRPr>
             </a:lvl8pPr>
-            <a:lvl9pPr marL="4554078" indent="0">
-              <a:buNone/>
-              <a:defRPr sz="1992">
+            <a:lvl9pPr marL="4389120" indent="0">
+              <a:buNone/>
+              <a:defRPr sz="1920">
                 <a:solidFill>
                   <a:schemeClr val="tx1">
                     <a:tint val="75000"/>
@@ -1009,7 +1009,7 @@
           <a:p>
             <a:fld id="{36D6B43A-FB72-2B4A-8DB0-B6C23179BADB}" type="datetimeFigureOut">
               <a:rPr lang="en-US" smtClean="0"/>
-              <a:t>5/26/22</a:t>
+              <a:t>5/27/22</a:t>
             </a:fld>
             <a:endParaRPr lang="en-US"/>
           </a:p>
@@ -1060,7 +1060,7 @@
     </p:spTree>
     <p:extLst>
       <p:ext uri="{BB962C8B-B14F-4D97-AF65-F5344CB8AC3E}">
-        <p14:creationId xmlns:p14="http://schemas.microsoft.com/office/powerpoint/2010/main" val="2520454075"/>
+        <p14:creationId xmlns:p14="http://schemas.microsoft.com/office/powerpoint/2010/main" val="4287080653"/>
       </p:ext>
     </p:extLst>
   </p:cSld>
@@ -1122,8 +1122,8 @@
         </p:nvSpPr>
         <p:spPr>
           <a:xfrm>
-            <a:off x="1043603" y="2434167"/>
-            <a:ext cx="6451362" cy="5801784"/>
+            <a:off x="1005840" y="2434167"/>
+            <a:ext cx="6217920" cy="5801784"/>
           </a:xfrm>
         </p:spPr>
         <p:txBody>
@@ -1179,8 +1179,8 @@
         </p:nvSpPr>
         <p:spPr>
           <a:xfrm>
-            <a:off x="7684710" y="2434167"/>
-            <a:ext cx="6451362" cy="5801784"/>
+            <a:off x="7406640" y="2434167"/>
+            <a:ext cx="6217920" cy="5801784"/>
           </a:xfrm>
         </p:spPr>
         <p:txBody>
@@ -1241,7 +1241,7 @@
           <a:p>
             <a:fld id="{36D6B43A-FB72-2B4A-8DB0-B6C23179BADB}" type="datetimeFigureOut">
               <a:rPr lang="en-US" smtClean="0"/>
-              <a:t>5/26/22</a:t>
+              <a:t>5/27/22</a:t>
             </a:fld>
             <a:endParaRPr lang="en-US"/>
           </a:p>
@@ -1292,7 +1292,7 @@
     </p:spTree>
     <p:extLst>
       <p:ext uri="{BB962C8B-B14F-4D97-AF65-F5344CB8AC3E}">
-        <p14:creationId xmlns:p14="http://schemas.microsoft.com/office/powerpoint/2010/main" val="3005215467"/>
+        <p14:creationId xmlns:p14="http://schemas.microsoft.com/office/powerpoint/2010/main" val="1347308937"/>
       </p:ext>
     </p:extLst>
   </p:cSld>
@@ -1331,8 +1331,8 @@
         </p:nvSpPr>
         <p:spPr>
           <a:xfrm>
-            <a:off x="1045580" y="486834"/>
-            <a:ext cx="13092470" cy="1767417"/>
+            <a:off x="1007746" y="486834"/>
+            <a:ext cx="12618720" cy="1767417"/>
           </a:xfrm>
         </p:spPr>
         <p:txBody>
@@ -1359,8 +1359,8 @@
         </p:nvSpPr>
         <p:spPr>
           <a:xfrm>
-            <a:off x="1045581" y="2241551"/>
-            <a:ext cx="6421713" cy="1098549"/>
+            <a:off x="1007746" y="2241551"/>
+            <a:ext cx="6189344" cy="1098549"/>
           </a:xfrm>
         </p:spPr>
         <p:txBody>
@@ -1368,39 +1368,39 @@
           <a:lstStyle>
             <a:lvl1pPr marL="0" indent="0">
               <a:buNone/>
-              <a:defRPr sz="2988" b="1"/>
+              <a:defRPr sz="2880" b="1"/>
             </a:lvl1pPr>
-            <a:lvl2pPr marL="569260" indent="0">
-              <a:buNone/>
-              <a:defRPr sz="2490" b="1"/>
+            <a:lvl2pPr marL="548640" indent="0">
+              <a:buNone/>
+              <a:defRPr sz="2400" b="1"/>
             </a:lvl2pPr>
-            <a:lvl3pPr marL="1138519" indent="0">
-              <a:buNone/>
-              <a:defRPr sz="2241" b="1"/>
+            <a:lvl3pPr marL="1097280" indent="0">
+              <a:buNone/>
+              <a:defRPr sz="2160" b="1"/>
             </a:lvl3pPr>
-            <a:lvl4pPr marL="1707779" indent="0">
-              <a:buNone/>
-              <a:defRPr sz="1992" b="1"/>
+            <a:lvl4pPr marL="1645920" indent="0">
+              <a:buNone/>
+              <a:defRPr sz="1920" b="1"/>
             </a:lvl4pPr>
-            <a:lvl5pPr marL="2277039" indent="0">
-              <a:buNone/>
-              <a:defRPr sz="1992" b="1"/>
+            <a:lvl5pPr marL="2194560" indent="0">
+              <a:buNone/>
+              <a:defRPr sz="1920" b="1"/>
             </a:lvl5pPr>
-            <a:lvl6pPr marL="2846299" indent="0">
-              <a:buNone/>
-              <a:defRPr sz="1992" b="1"/>
+            <a:lvl6pPr marL="2743200" indent="0">
+              <a:buNone/>
+              <a:defRPr sz="1920" b="1"/>
             </a:lvl6pPr>
-            <a:lvl7pPr marL="3415558" indent="0">
-              <a:buNone/>
-              <a:defRPr sz="1992" b="1"/>
+            <a:lvl7pPr marL="3291840" indent="0">
+              <a:buNone/>
+              <a:defRPr sz="1920" b="1"/>
             </a:lvl7pPr>
-            <a:lvl8pPr marL="3984818" indent="0">
-              <a:buNone/>
-              <a:defRPr sz="1992" b="1"/>
+            <a:lvl8pPr marL="3840480" indent="0">
+              <a:buNone/>
+              <a:defRPr sz="1920" b="1"/>
             </a:lvl8pPr>
-            <a:lvl9pPr marL="4554078" indent="0">
-              <a:buNone/>
-              <a:defRPr sz="1992" b="1"/>
+            <a:lvl9pPr marL="4389120" indent="0">
+              <a:buNone/>
+              <a:defRPr sz="1920" b="1"/>
             </a:lvl9pPr>
           </a:lstStyle>
           <a:p>
@@ -1424,8 +1424,8 @@
         </p:nvSpPr>
         <p:spPr>
           <a:xfrm>
-            <a:off x="1045581" y="3340100"/>
-            <a:ext cx="6421713" cy="4912784"/>
+            <a:off x="1007746" y="3340100"/>
+            <a:ext cx="6189344" cy="4912784"/>
           </a:xfrm>
         </p:spPr>
         <p:txBody>
@@ -1481,8 +1481,8 @@
         </p:nvSpPr>
         <p:spPr>
           <a:xfrm>
-            <a:off x="7684710" y="2241551"/>
-            <a:ext cx="6453339" cy="1098549"/>
+            <a:off x="7406640" y="2241551"/>
+            <a:ext cx="6219826" cy="1098549"/>
           </a:xfrm>
         </p:spPr>
         <p:txBody>
@@ -1490,39 +1490,39 @@
           <a:lstStyle>
             <a:lvl1pPr marL="0" indent="0">
               <a:buNone/>
-              <a:defRPr sz="2988" b="1"/>
+              <a:defRPr sz="2880" b="1"/>
             </a:lvl1pPr>
-            <a:lvl2pPr marL="569260" indent="0">
-              <a:buNone/>
-              <a:defRPr sz="2490" b="1"/>
+            <a:lvl2pPr marL="548640" indent="0">
+              <a:buNone/>
+              <a:defRPr sz="2400" b="1"/>
             </a:lvl2pPr>
-            <a:lvl3pPr marL="1138519" indent="0">
-              <a:buNone/>
-              <a:defRPr sz="2241" b="1"/>
+            <a:lvl3pPr marL="1097280" indent="0">
+              <a:buNone/>
+              <a:defRPr sz="2160" b="1"/>
             </a:lvl3pPr>
-            <a:lvl4pPr marL="1707779" indent="0">
-              <a:buNone/>
-              <a:defRPr sz="1992" b="1"/>
+            <a:lvl4pPr marL="1645920" indent="0">
+              <a:buNone/>
+              <a:defRPr sz="1920" b="1"/>
             </a:lvl4pPr>
-            <a:lvl5pPr marL="2277039" indent="0">
-              <a:buNone/>
-              <a:defRPr sz="1992" b="1"/>
+            <a:lvl5pPr marL="2194560" indent="0">
+              <a:buNone/>
+              <a:defRPr sz="1920" b="1"/>
             </a:lvl5pPr>
-            <a:lvl6pPr marL="2846299" indent="0">
-              <a:buNone/>
-              <a:defRPr sz="1992" b="1"/>
+            <a:lvl6pPr marL="2743200" indent="0">
+              <a:buNone/>
+              <a:defRPr sz="1920" b="1"/>
             </a:lvl6pPr>
-            <a:lvl7pPr marL="3415558" indent="0">
-              <a:buNone/>
-              <a:defRPr sz="1992" b="1"/>
+            <a:lvl7pPr marL="3291840" indent="0">
+              <a:buNone/>
+              <a:defRPr sz="1920" b="1"/>
             </a:lvl7pPr>
-            <a:lvl8pPr marL="3984818" indent="0">
-              <a:buNone/>
-              <a:defRPr sz="1992" b="1"/>
+            <a:lvl8pPr marL="3840480" indent="0">
+              <a:buNone/>
+              <a:defRPr sz="1920" b="1"/>
             </a:lvl8pPr>
-            <a:lvl9pPr marL="4554078" indent="0">
-              <a:buNone/>
-              <a:defRPr sz="1992" b="1"/>
+            <a:lvl9pPr marL="4389120" indent="0">
+              <a:buNone/>
+              <a:defRPr sz="1920" b="1"/>
             </a:lvl9pPr>
           </a:lstStyle>
           <a:p>
@@ -1546,8 +1546,8 @@
         </p:nvSpPr>
         <p:spPr>
           <a:xfrm>
-            <a:off x="7684710" y="3340100"/>
-            <a:ext cx="6453339" cy="4912784"/>
+            <a:off x="7406640" y="3340100"/>
+            <a:ext cx="6219826" cy="4912784"/>
           </a:xfrm>
         </p:spPr>
         <p:txBody>
@@ -1608,7 +1608,7 @@
           <a:p>
             <a:fld id="{36D6B43A-FB72-2B4A-8DB0-B6C23179BADB}" type="datetimeFigureOut">
               <a:rPr lang="en-US" smtClean="0"/>
-              <a:t>5/26/22</a:t>
+              <a:t>5/27/22</a:t>
             </a:fld>
             <a:endParaRPr lang="en-US"/>
           </a:p>
@@ -1659,7 +1659,7 @@
     </p:spTree>
     <p:extLst>
       <p:ext uri="{BB962C8B-B14F-4D97-AF65-F5344CB8AC3E}">
-        <p14:creationId xmlns:p14="http://schemas.microsoft.com/office/powerpoint/2010/main" val="1030868300"/>
+        <p14:creationId xmlns:p14="http://schemas.microsoft.com/office/powerpoint/2010/main" val="3805652579"/>
       </p:ext>
     </p:extLst>
   </p:cSld>
@@ -1726,7 +1726,7 @@
           <a:p>
             <a:fld id="{36D6B43A-FB72-2B4A-8DB0-B6C23179BADB}" type="datetimeFigureOut">
               <a:rPr lang="en-US" smtClean="0"/>
-              <a:t>5/26/22</a:t>
+              <a:t>5/27/22</a:t>
             </a:fld>
             <a:endParaRPr lang="en-US"/>
           </a:p>
@@ -1777,7 +1777,7 @@
     </p:spTree>
     <p:extLst>
       <p:ext uri="{BB962C8B-B14F-4D97-AF65-F5344CB8AC3E}">
-        <p14:creationId xmlns:p14="http://schemas.microsoft.com/office/powerpoint/2010/main" val="340753087"/>
+        <p14:creationId xmlns:p14="http://schemas.microsoft.com/office/powerpoint/2010/main" val="3907961278"/>
       </p:ext>
     </p:extLst>
   </p:cSld>
@@ -1821,7 +1821,7 @@
           <a:p>
             <a:fld id="{36D6B43A-FB72-2B4A-8DB0-B6C23179BADB}" type="datetimeFigureOut">
               <a:rPr lang="en-US" smtClean="0"/>
-              <a:t>5/26/22</a:t>
+              <a:t>5/27/22</a:t>
             </a:fld>
             <a:endParaRPr lang="en-US"/>
           </a:p>
@@ -1872,7 +1872,7 @@
     </p:spTree>
     <p:extLst>
       <p:ext uri="{BB962C8B-B14F-4D97-AF65-F5344CB8AC3E}">
-        <p14:creationId xmlns:p14="http://schemas.microsoft.com/office/powerpoint/2010/main" val="1378903696"/>
+        <p14:creationId xmlns:p14="http://schemas.microsoft.com/office/powerpoint/2010/main" val="4223298719"/>
       </p:ext>
     </p:extLst>
   </p:cSld>
@@ -1911,15 +1911,15 @@
         </p:nvSpPr>
         <p:spPr>
           <a:xfrm>
-            <a:off x="1045580" y="609600"/>
-            <a:ext cx="4895840" cy="2133600"/>
+            <a:off x="1007746" y="609600"/>
+            <a:ext cx="4718684" cy="2133600"/>
           </a:xfrm>
         </p:spPr>
         <p:txBody>
           <a:bodyPr anchor="b"/>
           <a:lstStyle>
             <a:lvl1pPr>
-              <a:defRPr sz="3984"/>
+              <a:defRPr sz="3840"/>
             </a:lvl1pPr>
           </a:lstStyle>
           <a:p>
@@ -1943,39 +1943,39 @@
         </p:nvSpPr>
         <p:spPr>
           <a:xfrm>
-            <a:off x="6453339" y="1316567"/>
-            <a:ext cx="7684710" cy="6498167"/>
+            <a:off x="6219826" y="1316567"/>
+            <a:ext cx="7406640" cy="6498167"/>
           </a:xfrm>
         </p:spPr>
         <p:txBody>
           <a:bodyPr/>
           <a:lstStyle>
             <a:lvl1pPr>
-              <a:defRPr sz="3984"/>
+              <a:defRPr sz="3840"/>
             </a:lvl1pPr>
             <a:lvl2pPr>
-              <a:defRPr sz="3486"/>
+              <a:defRPr sz="3360"/>
             </a:lvl2pPr>
             <a:lvl3pPr>
-              <a:defRPr sz="2988"/>
+              <a:defRPr sz="2880"/>
             </a:lvl3pPr>
             <a:lvl4pPr>
-              <a:defRPr sz="2490"/>
+              <a:defRPr sz="2400"/>
             </a:lvl4pPr>
             <a:lvl5pPr>
-              <a:defRPr sz="2490"/>
+              <a:defRPr sz="2400"/>
             </a:lvl5pPr>
             <a:lvl6pPr>
-              <a:defRPr sz="2490"/>
+              <a:defRPr sz="2400"/>
             </a:lvl6pPr>
             <a:lvl7pPr>
-              <a:defRPr sz="2490"/>
+              <a:defRPr sz="2400"/>
             </a:lvl7pPr>
             <a:lvl8pPr>
-              <a:defRPr sz="2490"/>
+              <a:defRPr sz="2400"/>
             </a:lvl8pPr>
             <a:lvl9pPr>
-              <a:defRPr sz="2490"/>
+              <a:defRPr sz="2400"/>
             </a:lvl9pPr>
           </a:lstStyle>
           <a:p>
@@ -2028,8 +2028,8 @@
         </p:nvSpPr>
         <p:spPr>
           <a:xfrm>
-            <a:off x="1045580" y="2743200"/>
-            <a:ext cx="4895840" cy="5082117"/>
+            <a:off x="1007746" y="2743200"/>
+            <a:ext cx="4718684" cy="5082117"/>
           </a:xfrm>
         </p:spPr>
         <p:txBody>
@@ -2037,39 +2037,39 @@
           <a:lstStyle>
             <a:lvl1pPr marL="0" indent="0">
               <a:buNone/>
-              <a:defRPr sz="1992"/>
+              <a:defRPr sz="1920"/>
             </a:lvl1pPr>
-            <a:lvl2pPr marL="569260" indent="0">
-              <a:buNone/>
-              <a:defRPr sz="1743"/>
+            <a:lvl2pPr marL="548640" indent="0">
+              <a:buNone/>
+              <a:defRPr sz="1680"/>
             </a:lvl2pPr>
-            <a:lvl3pPr marL="1138519" indent="0">
-              <a:buNone/>
-              <a:defRPr sz="1494"/>
+            <a:lvl3pPr marL="1097280" indent="0">
+              <a:buNone/>
+              <a:defRPr sz="1440"/>
             </a:lvl3pPr>
-            <a:lvl4pPr marL="1707779" indent="0">
-              <a:buNone/>
-              <a:defRPr sz="1245"/>
+            <a:lvl4pPr marL="1645920" indent="0">
+              <a:buNone/>
+              <a:defRPr sz="1200"/>
             </a:lvl4pPr>
-            <a:lvl5pPr marL="2277039" indent="0">
-              <a:buNone/>
-              <a:defRPr sz="1245"/>
+            <a:lvl5pPr marL="2194560" indent="0">
+              <a:buNone/>
+              <a:defRPr sz="1200"/>
             </a:lvl5pPr>
-            <a:lvl6pPr marL="2846299" indent="0">
-              <a:buNone/>
-              <a:defRPr sz="1245"/>
+            <a:lvl6pPr marL="2743200" indent="0">
+              <a:buNone/>
+              <a:defRPr sz="1200"/>
             </a:lvl6pPr>
-            <a:lvl7pPr marL="3415558" indent="0">
-              <a:buNone/>
-              <a:defRPr sz="1245"/>
+            <a:lvl7pPr marL="3291840" indent="0">
+              <a:buNone/>
+              <a:defRPr sz="1200"/>
             </a:lvl7pPr>
-            <a:lvl8pPr marL="3984818" indent="0">
-              <a:buNone/>
-              <a:defRPr sz="1245"/>
+            <a:lvl8pPr marL="3840480" indent="0">
+              <a:buNone/>
+              <a:defRPr sz="1200"/>
             </a:lvl8pPr>
-            <a:lvl9pPr marL="4554078" indent="0">
-              <a:buNone/>
-              <a:defRPr sz="1245"/>
+            <a:lvl9pPr marL="4389120" indent="0">
+              <a:buNone/>
+              <a:defRPr sz="1200"/>
             </a:lvl9pPr>
           </a:lstStyle>
           <a:p>
@@ -2098,7 +2098,7 @@
           <a:p>
             <a:fld id="{36D6B43A-FB72-2B4A-8DB0-B6C23179BADB}" type="datetimeFigureOut">
               <a:rPr lang="en-US" smtClean="0"/>
-              <a:t>5/26/22</a:t>
+              <a:t>5/27/22</a:t>
             </a:fld>
             <a:endParaRPr lang="en-US"/>
           </a:p>
@@ -2149,7 +2149,7 @@
     </p:spTree>
     <p:extLst>
       <p:ext uri="{BB962C8B-B14F-4D97-AF65-F5344CB8AC3E}">
-        <p14:creationId xmlns:p14="http://schemas.microsoft.com/office/powerpoint/2010/main" val="2348542113"/>
+        <p14:creationId xmlns:p14="http://schemas.microsoft.com/office/powerpoint/2010/main" val="1437640596"/>
       </p:ext>
     </p:extLst>
   </p:cSld>
@@ -2188,15 +2188,15 @@
         </p:nvSpPr>
         <p:spPr>
           <a:xfrm>
-            <a:off x="1045580" y="609600"/>
-            <a:ext cx="4895840" cy="2133600"/>
+            <a:off x="1007746" y="609600"/>
+            <a:ext cx="4718684" cy="2133600"/>
           </a:xfrm>
         </p:spPr>
         <p:txBody>
           <a:bodyPr anchor="b"/>
           <a:lstStyle>
             <a:lvl1pPr>
-              <a:defRPr sz="3984"/>
+              <a:defRPr sz="3840"/>
             </a:lvl1pPr>
           </a:lstStyle>
           <a:p>
@@ -2220,8 +2220,8 @@
         </p:nvSpPr>
         <p:spPr>
           <a:xfrm>
-            <a:off x="6453339" y="1316567"/>
-            <a:ext cx="7684710" cy="6498167"/>
+            <a:off x="6219826" y="1316567"/>
+            <a:ext cx="7406640" cy="6498167"/>
           </a:xfrm>
         </p:spPr>
         <p:txBody>
@@ -2229,39 +2229,39 @@
           <a:lstStyle>
             <a:lvl1pPr marL="0" indent="0">
               <a:buNone/>
-              <a:defRPr sz="3984"/>
+              <a:defRPr sz="3840"/>
             </a:lvl1pPr>
-            <a:lvl2pPr marL="569260" indent="0">
-              <a:buNone/>
-              <a:defRPr sz="3486"/>
+            <a:lvl2pPr marL="548640" indent="0">
+              <a:buNone/>
+              <a:defRPr sz="3360"/>
             </a:lvl2pPr>
-            <a:lvl3pPr marL="1138519" indent="0">
-              <a:buNone/>
-              <a:defRPr sz="2988"/>
+            <a:lvl3pPr marL="1097280" indent="0">
+              <a:buNone/>
+              <a:defRPr sz="2880"/>
             </a:lvl3pPr>
-            <a:lvl4pPr marL="1707779" indent="0">
-              <a:buNone/>
-              <a:defRPr sz="2490"/>
+            <a:lvl4pPr marL="1645920" indent="0">
+              <a:buNone/>
+              <a:defRPr sz="2400"/>
             </a:lvl4pPr>
-            <a:lvl5pPr marL="2277039" indent="0">
-              <a:buNone/>
-              <a:defRPr sz="2490"/>
+            <a:lvl5pPr marL="2194560" indent="0">
+              <a:buNone/>
+              <a:defRPr sz="2400"/>
             </a:lvl5pPr>
-            <a:lvl6pPr marL="2846299" indent="0">
-              <a:buNone/>
-              <a:defRPr sz="2490"/>
+            <a:lvl6pPr marL="2743200" indent="0">
+              <a:buNone/>
+              <a:defRPr sz="2400"/>
             </a:lvl6pPr>
-            <a:lvl7pPr marL="3415558" indent="0">
-              <a:buNone/>
-              <a:defRPr sz="2490"/>
+            <a:lvl7pPr marL="3291840" indent="0">
+              <a:buNone/>
+              <a:defRPr sz="2400"/>
             </a:lvl7pPr>
-            <a:lvl8pPr marL="3984818" indent="0">
-              <a:buNone/>
-              <a:defRPr sz="2490"/>
+            <a:lvl8pPr marL="3840480" indent="0">
+              <a:buNone/>
+              <a:defRPr sz="2400"/>
             </a:lvl8pPr>
-            <a:lvl9pPr marL="4554078" indent="0">
-              <a:buNone/>
-              <a:defRPr sz="2490"/>
+            <a:lvl9pPr marL="4389120" indent="0">
+              <a:buNone/>
+              <a:defRPr sz="2400"/>
             </a:lvl9pPr>
           </a:lstStyle>
           <a:p>
@@ -2285,8 +2285,8 @@
         </p:nvSpPr>
         <p:spPr>
           <a:xfrm>
-            <a:off x="1045580" y="2743200"/>
-            <a:ext cx="4895840" cy="5082117"/>
+            <a:off x="1007746" y="2743200"/>
+            <a:ext cx="4718684" cy="5082117"/>
           </a:xfrm>
         </p:spPr>
         <p:txBody>
@@ -2294,39 +2294,39 @@
           <a:lstStyle>
             <a:lvl1pPr marL="0" indent="0">
               <a:buNone/>
-              <a:defRPr sz="1992"/>
+              <a:defRPr sz="1920"/>
             </a:lvl1pPr>
-            <a:lvl2pPr marL="569260" indent="0">
-              <a:buNone/>
-              <a:defRPr sz="1743"/>
+            <a:lvl2pPr marL="548640" indent="0">
+              <a:buNone/>
+              <a:defRPr sz="1680"/>
             </a:lvl2pPr>
-            <a:lvl3pPr marL="1138519" indent="0">
-              <a:buNone/>
-              <a:defRPr sz="1494"/>
+            <a:lvl3pPr marL="1097280" indent="0">
+              <a:buNone/>
+              <a:defRPr sz="1440"/>
             </a:lvl3pPr>
-            <a:lvl4pPr marL="1707779" indent="0">
-              <a:buNone/>
-              <a:defRPr sz="1245"/>
+            <a:lvl4pPr marL="1645920" indent="0">
+              <a:buNone/>
+              <a:defRPr sz="1200"/>
             </a:lvl4pPr>
-            <a:lvl5pPr marL="2277039" indent="0">
-              <a:buNone/>
-              <a:defRPr sz="1245"/>
+            <a:lvl5pPr marL="2194560" indent="0">
+              <a:buNone/>
+              <a:defRPr sz="1200"/>
             </a:lvl5pPr>
-            <a:lvl6pPr marL="2846299" indent="0">
-              <a:buNone/>
-              <a:defRPr sz="1245"/>
+            <a:lvl6pPr marL="2743200" indent="0">
+              <a:buNone/>
+              <a:defRPr sz="1200"/>
             </a:lvl6pPr>
-            <a:lvl7pPr marL="3415558" indent="0">
-              <a:buNone/>
-              <a:defRPr sz="1245"/>
+            <a:lvl7pPr marL="3291840" indent="0">
+              <a:buNone/>
+              <a:defRPr sz="1200"/>
             </a:lvl7pPr>
-            <a:lvl8pPr marL="3984818" indent="0">
-              <a:buNone/>
-              <a:defRPr sz="1245"/>
+            <a:lvl8pPr marL="3840480" indent="0">
+              <a:buNone/>
+              <a:defRPr sz="1200"/>
             </a:lvl8pPr>
-            <a:lvl9pPr marL="4554078" indent="0">
-              <a:buNone/>
-              <a:defRPr sz="1245"/>
+            <a:lvl9pPr marL="4389120" indent="0">
+              <a:buNone/>
+              <a:defRPr sz="1200"/>
             </a:lvl9pPr>
           </a:lstStyle>
           <a:p>
@@ -2355,7 +2355,7 @@
           <a:p>
             <a:fld id="{36D6B43A-FB72-2B4A-8DB0-B6C23179BADB}" type="datetimeFigureOut">
               <a:rPr lang="en-US" smtClean="0"/>
-              <a:t>5/26/22</a:t>
+              <a:t>5/27/22</a:t>
             </a:fld>
             <a:endParaRPr lang="en-US"/>
           </a:p>
@@ -2406,7 +2406,7 @@
     </p:spTree>
     <p:extLst>
       <p:ext uri="{BB962C8B-B14F-4D97-AF65-F5344CB8AC3E}">
-        <p14:creationId xmlns:p14="http://schemas.microsoft.com/office/powerpoint/2010/main" val="3607443499"/>
+        <p14:creationId xmlns:p14="http://schemas.microsoft.com/office/powerpoint/2010/main" val="218976887"/>
       </p:ext>
     </p:extLst>
   </p:cSld>
@@ -2450,8 +2450,8 @@
         </p:nvSpPr>
         <p:spPr>
           <a:xfrm>
-            <a:off x="1043603" y="486834"/>
-            <a:ext cx="13092470" cy="1767417"/>
+            <a:off x="1005840" y="486834"/>
+            <a:ext cx="12618720" cy="1767417"/>
           </a:xfrm>
           <a:prstGeom prst="rect">
             <a:avLst/>
@@ -2483,8 +2483,8 @@
         </p:nvSpPr>
         <p:spPr>
           <a:xfrm>
-            <a:off x="1043603" y="2434167"/>
-            <a:ext cx="13092470" cy="5801784"/>
+            <a:off x="1005840" y="2434167"/>
+            <a:ext cx="12618720" cy="5801784"/>
           </a:xfrm>
           <a:prstGeom prst="rect">
             <a:avLst/>
@@ -2545,8 +2545,8 @@
         </p:nvSpPr>
         <p:spPr>
           <a:xfrm>
-            <a:off x="1043603" y="8475134"/>
-            <a:ext cx="3415427" cy="486833"/>
+            <a:off x="1005840" y="8475134"/>
+            <a:ext cx="3291840" cy="486833"/>
           </a:xfrm>
           <a:prstGeom prst="rect">
             <a:avLst/>
@@ -2556,7 +2556,7 @@
           <a:bodyPr vert="horz" lIns="91440" tIns="45720" rIns="91440" bIns="45720" rtlCol="0" anchor="ctr"/>
           <a:lstStyle>
             <a:lvl1pPr algn="l">
-              <a:defRPr sz="1494">
+              <a:defRPr sz="1440">
                 <a:solidFill>
                   <a:schemeClr val="tx1">
                     <a:tint val="75000"/>
@@ -2568,7 +2568,7 @@
           <a:p>
             <a:fld id="{36D6B43A-FB72-2B4A-8DB0-B6C23179BADB}" type="datetimeFigureOut">
               <a:rPr lang="en-US" smtClean="0"/>
-              <a:t>5/26/22</a:t>
+              <a:t>5/27/22</a:t>
             </a:fld>
             <a:endParaRPr lang="en-US"/>
           </a:p>
@@ -2586,8 +2586,8 @@
         </p:nvSpPr>
         <p:spPr>
           <a:xfrm>
-            <a:off x="5028268" y="8475134"/>
-            <a:ext cx="5123140" cy="486833"/>
+            <a:off x="4846320" y="8475134"/>
+            <a:ext cx="4937760" cy="486833"/>
           </a:xfrm>
           <a:prstGeom prst="rect">
             <a:avLst/>
@@ -2597,7 +2597,7 @@
           <a:bodyPr vert="horz" lIns="91440" tIns="45720" rIns="91440" bIns="45720" rtlCol="0" anchor="ctr"/>
           <a:lstStyle>
             <a:lvl1pPr algn="ctr">
-              <a:defRPr sz="1494">
+              <a:defRPr sz="1440">
                 <a:solidFill>
                   <a:schemeClr val="tx1">
                     <a:tint val="75000"/>
@@ -2623,8 +2623,8 @@
         </p:nvSpPr>
         <p:spPr>
           <a:xfrm>
-            <a:off x="10720645" y="8475134"/>
-            <a:ext cx="3415427" cy="486833"/>
+            <a:off x="10332720" y="8475134"/>
+            <a:ext cx="3291840" cy="486833"/>
           </a:xfrm>
           <a:prstGeom prst="rect">
             <a:avLst/>
@@ -2634,7 +2634,7 @@
           <a:bodyPr vert="horz" lIns="91440" tIns="45720" rIns="91440" bIns="45720" rtlCol="0" anchor="ctr"/>
           <a:lstStyle>
             <a:lvl1pPr algn="r">
-              <a:defRPr sz="1494">
+              <a:defRPr sz="1440">
                 <a:solidFill>
                   <a:schemeClr val="tx1">
                     <a:tint val="75000"/>
@@ -2655,27 +2655,27 @@
     </p:spTree>
     <p:extLst>
       <p:ext uri="{BB962C8B-B14F-4D97-AF65-F5344CB8AC3E}">
-        <p14:creationId xmlns:p14="http://schemas.microsoft.com/office/powerpoint/2010/main" val="2541894880"/>
+        <p14:creationId xmlns:p14="http://schemas.microsoft.com/office/powerpoint/2010/main" val="3086981758"/>
       </p:ext>
     </p:extLst>
   </p:cSld>
   <p:clrMap bg1="lt1" tx1="dk1" bg2="lt2" tx2="dk2" accent1="accent1" accent2="accent2" accent3="accent3" accent4="accent4" accent5="accent5" accent6="accent6" hlink="hlink" folHlink="folHlink"/>
   <p:sldLayoutIdLst>
-    <p:sldLayoutId id="2147483925" r:id="rId1"/>
-    <p:sldLayoutId id="2147483926" r:id="rId2"/>
-    <p:sldLayoutId id="2147483927" r:id="rId3"/>
-    <p:sldLayoutId id="2147483928" r:id="rId4"/>
-    <p:sldLayoutId id="2147483929" r:id="rId5"/>
-    <p:sldLayoutId id="2147483930" r:id="rId6"/>
-    <p:sldLayoutId id="2147483931" r:id="rId7"/>
-    <p:sldLayoutId id="2147483932" r:id="rId8"/>
-    <p:sldLayoutId id="2147483933" r:id="rId9"/>
-    <p:sldLayoutId id="2147483934" r:id="rId10"/>
-    <p:sldLayoutId id="2147483935" r:id="rId11"/>
+    <p:sldLayoutId id="2147483937" r:id="rId1"/>
+    <p:sldLayoutId id="2147483938" r:id="rId2"/>
+    <p:sldLayoutId id="2147483939" r:id="rId3"/>
+    <p:sldLayoutId id="2147483940" r:id="rId4"/>
+    <p:sldLayoutId id="2147483941" r:id="rId5"/>
+    <p:sldLayoutId id="2147483942" r:id="rId6"/>
+    <p:sldLayoutId id="2147483943" r:id="rId7"/>
+    <p:sldLayoutId id="2147483944" r:id="rId8"/>
+    <p:sldLayoutId id="2147483945" r:id="rId9"/>
+    <p:sldLayoutId id="2147483946" r:id="rId10"/>
+    <p:sldLayoutId id="2147483947" r:id="rId11"/>
   </p:sldLayoutIdLst>
   <p:txStyles>
     <p:titleStyle>
-      <a:lvl1pPr algn="l" defTabSz="1138519" rtl="0" eaLnBrk="1" latinLnBrk="0" hangingPunct="1">
+      <a:lvl1pPr algn="l" defTabSz="1097280" rtl="0" eaLnBrk="1" latinLnBrk="0" hangingPunct="1">
         <a:lnSpc>
           <a:spcPct val="90000"/>
         </a:lnSpc>
@@ -2683,7 +2683,7 @@
           <a:spcPct val="0"/>
         </a:spcBef>
         <a:buNone/>
-        <a:defRPr sz="5478" kern="1200">
+        <a:defRPr sz="5280" kern="1200">
           <a:solidFill>
             <a:schemeClr val="tx1"/>
           </a:solidFill>
@@ -2694,16 +2694,16 @@
       </a:lvl1pPr>
     </p:titleStyle>
     <p:bodyStyle>
-      <a:lvl1pPr marL="284630" indent="-284630" algn="l" defTabSz="1138519" rtl="0" eaLnBrk="1" latinLnBrk="0" hangingPunct="1">
+      <a:lvl1pPr marL="274320" indent="-274320" algn="l" defTabSz="1097280" rtl="0" eaLnBrk="1" latinLnBrk="0" hangingPunct="1">
         <a:lnSpc>
           <a:spcPct val="90000"/>
         </a:lnSpc>
         <a:spcBef>
-          <a:spcPts val="1245"/>
+          <a:spcPts val="1200"/>
         </a:spcBef>
         <a:buFont typeface="Arial" panose="020B0604020202020204" pitchFamily="34" charset="0"/>
         <a:buChar char="•"/>
-        <a:defRPr sz="3486" kern="1200">
+        <a:defRPr sz="3360" kern="1200">
           <a:solidFill>
             <a:schemeClr val="tx1"/>
           </a:solidFill>
@@ -2712,16 +2712,16 @@
           <a:cs typeface="+mn-cs"/>
         </a:defRPr>
       </a:lvl1pPr>
-      <a:lvl2pPr marL="853890" indent="-284630" algn="l" defTabSz="1138519" rtl="0" eaLnBrk="1" latinLnBrk="0" hangingPunct="1">
+      <a:lvl2pPr marL="822960" indent="-274320" algn="l" defTabSz="1097280" rtl="0" eaLnBrk="1" latinLnBrk="0" hangingPunct="1">
         <a:lnSpc>
           <a:spcPct val="90000"/>
         </a:lnSpc>
         <a:spcBef>
-          <a:spcPts val="623"/>
+          <a:spcPts val="600"/>
         </a:spcBef>
         <a:buFont typeface="Arial" panose="020B0604020202020204" pitchFamily="34" charset="0"/>
         <a:buChar char="•"/>
-        <a:defRPr sz="2988" kern="1200">
+        <a:defRPr sz="2880" kern="1200">
           <a:solidFill>
             <a:schemeClr val="tx1"/>
           </a:solidFill>
@@ -2730,16 +2730,16 @@
           <a:cs typeface="+mn-cs"/>
         </a:defRPr>
       </a:lvl2pPr>
-      <a:lvl3pPr marL="1423149" indent="-284630" algn="l" defTabSz="1138519" rtl="0" eaLnBrk="1" latinLnBrk="0" hangingPunct="1">
+      <a:lvl3pPr marL="1371600" indent="-274320" algn="l" defTabSz="1097280" rtl="0" eaLnBrk="1" latinLnBrk="0" hangingPunct="1">
         <a:lnSpc>
           <a:spcPct val="90000"/>
         </a:lnSpc>
         <a:spcBef>
-          <a:spcPts val="623"/>
+          <a:spcPts val="600"/>
         </a:spcBef>
         <a:buFont typeface="Arial" panose="020B0604020202020204" pitchFamily="34" charset="0"/>
         <a:buChar char="•"/>
-        <a:defRPr sz="2490" kern="1200">
+        <a:defRPr sz="2400" kern="1200">
           <a:solidFill>
             <a:schemeClr val="tx1"/>
           </a:solidFill>
@@ -2748,16 +2748,16 @@
           <a:cs typeface="+mn-cs"/>
         </a:defRPr>
       </a:lvl3pPr>
-      <a:lvl4pPr marL="1992409" indent="-284630" algn="l" defTabSz="1138519" rtl="0" eaLnBrk="1" latinLnBrk="0" hangingPunct="1">
+      <a:lvl4pPr marL="1920240" indent="-274320" algn="l" defTabSz="1097280" rtl="0" eaLnBrk="1" latinLnBrk="0" hangingPunct="1">
         <a:lnSpc>
           <a:spcPct val="90000"/>
         </a:lnSpc>
         <a:spcBef>
-          <a:spcPts val="623"/>
+          <a:spcPts val="600"/>
         </a:spcBef>
         <a:buFont typeface="Arial" panose="020B0604020202020204" pitchFamily="34" charset="0"/>
         <a:buChar char="•"/>
-        <a:defRPr sz="2241" kern="1200">
+        <a:defRPr sz="2160" kern="1200">
           <a:solidFill>
             <a:schemeClr val="tx1"/>
           </a:solidFill>
@@ -2766,16 +2766,16 @@
           <a:cs typeface="+mn-cs"/>
         </a:defRPr>
       </a:lvl4pPr>
-      <a:lvl5pPr marL="2561669" indent="-284630" algn="l" defTabSz="1138519" rtl="0" eaLnBrk="1" latinLnBrk="0" hangingPunct="1">
+      <a:lvl5pPr marL="2468880" indent="-274320" algn="l" defTabSz="1097280" rtl="0" eaLnBrk="1" latinLnBrk="0" hangingPunct="1">
         <a:lnSpc>
           <a:spcPct val="90000"/>
         </a:lnSpc>
         <a:spcBef>
-          <a:spcPts val="623"/>
+          <a:spcPts val="600"/>
         </a:spcBef>
         <a:buFont typeface="Arial" panose="020B0604020202020204" pitchFamily="34" charset="0"/>
         <a:buChar char="•"/>
-        <a:defRPr sz="2241" kern="1200">
+        <a:defRPr sz="2160" kern="1200">
           <a:solidFill>
             <a:schemeClr val="tx1"/>
           </a:solidFill>
@@ -2784,16 +2784,16 @@
           <a:cs typeface="+mn-cs"/>
         </a:defRPr>
       </a:lvl5pPr>
-      <a:lvl6pPr marL="3130928" indent="-284630" algn="l" defTabSz="1138519" rtl="0" eaLnBrk="1" latinLnBrk="0" hangingPunct="1">
+      <a:lvl6pPr marL="3017520" indent="-274320" algn="l" defTabSz="1097280" rtl="0" eaLnBrk="1" latinLnBrk="0" hangingPunct="1">
         <a:lnSpc>
           <a:spcPct val="90000"/>
         </a:lnSpc>
         <a:spcBef>
-          <a:spcPts val="623"/>
+          <a:spcPts val="600"/>
         </a:spcBef>
         <a:buFont typeface="Arial" panose="020B0604020202020204" pitchFamily="34" charset="0"/>
         <a:buChar char="•"/>
-        <a:defRPr sz="2241" kern="1200">
+        <a:defRPr sz="2160" kern="1200">
           <a:solidFill>
             <a:schemeClr val="tx1"/>
           </a:solidFill>
@@ -2802,16 +2802,16 @@
           <a:cs typeface="+mn-cs"/>
         </a:defRPr>
       </a:lvl6pPr>
-      <a:lvl7pPr marL="3700188" indent="-284630" algn="l" defTabSz="1138519" rtl="0" eaLnBrk="1" latinLnBrk="0" hangingPunct="1">
+      <a:lvl7pPr marL="3566160" indent="-274320" algn="l" defTabSz="1097280" rtl="0" eaLnBrk="1" latinLnBrk="0" hangingPunct="1">
         <a:lnSpc>
           <a:spcPct val="90000"/>
         </a:lnSpc>
         <a:spcBef>
-          <a:spcPts val="623"/>
+          <a:spcPts val="600"/>
         </a:spcBef>
         <a:buFont typeface="Arial" panose="020B0604020202020204" pitchFamily="34" charset="0"/>
         <a:buChar char="•"/>
-        <a:defRPr sz="2241" kern="1200">
+        <a:defRPr sz="2160" kern="1200">
           <a:solidFill>
             <a:schemeClr val="tx1"/>
           </a:solidFill>
@@ -2820,16 +2820,16 @@
           <a:cs typeface="+mn-cs"/>
         </a:defRPr>
       </a:lvl7pPr>
-      <a:lvl8pPr marL="4269448" indent="-284630" algn="l" defTabSz="1138519" rtl="0" eaLnBrk="1" latinLnBrk="0" hangingPunct="1">
+      <a:lvl8pPr marL="4114800" indent="-274320" algn="l" defTabSz="1097280" rtl="0" eaLnBrk="1" latinLnBrk="0" hangingPunct="1">
         <a:lnSpc>
           <a:spcPct val="90000"/>
         </a:lnSpc>
         <a:spcBef>
-          <a:spcPts val="623"/>
+          <a:spcPts val="600"/>
         </a:spcBef>
         <a:buFont typeface="Arial" panose="020B0604020202020204" pitchFamily="34" charset="0"/>
         <a:buChar char="•"/>
-        <a:defRPr sz="2241" kern="1200">
+        <a:defRPr sz="2160" kern="1200">
           <a:solidFill>
             <a:schemeClr val="tx1"/>
           </a:solidFill>
@@ -2838,16 +2838,16 @@
           <a:cs typeface="+mn-cs"/>
         </a:defRPr>
       </a:lvl8pPr>
-      <a:lvl9pPr marL="4838708" indent="-284630" algn="l" defTabSz="1138519" rtl="0" eaLnBrk="1" latinLnBrk="0" hangingPunct="1">
+      <a:lvl9pPr marL="4663440" indent="-274320" algn="l" defTabSz="1097280" rtl="0" eaLnBrk="1" latinLnBrk="0" hangingPunct="1">
         <a:lnSpc>
           <a:spcPct val="90000"/>
         </a:lnSpc>
         <a:spcBef>
-          <a:spcPts val="623"/>
+          <a:spcPts val="600"/>
         </a:spcBef>
         <a:buFont typeface="Arial" panose="020B0604020202020204" pitchFamily="34" charset="0"/>
         <a:buChar char="•"/>
-        <a:defRPr sz="2241" kern="1200">
+        <a:defRPr sz="2160" kern="1200">
           <a:solidFill>
             <a:schemeClr val="tx1"/>
           </a:solidFill>
@@ -2861,8 +2861,8 @@
       <a:defPPr>
         <a:defRPr lang="en-US"/>
       </a:defPPr>
-      <a:lvl1pPr marL="0" algn="l" defTabSz="1138519" rtl="0" eaLnBrk="1" latinLnBrk="0" hangingPunct="1">
-        <a:defRPr sz="2241" kern="1200">
+      <a:lvl1pPr marL="0" algn="l" defTabSz="1097280" rtl="0" eaLnBrk="1" latinLnBrk="0" hangingPunct="1">
+        <a:defRPr sz="2160" kern="1200">
           <a:solidFill>
             <a:schemeClr val="tx1"/>
           </a:solidFill>
@@ -2871,8 +2871,8 @@
           <a:cs typeface="+mn-cs"/>
         </a:defRPr>
       </a:lvl1pPr>
-      <a:lvl2pPr marL="569260" algn="l" defTabSz="1138519" rtl="0" eaLnBrk="1" latinLnBrk="0" hangingPunct="1">
-        <a:defRPr sz="2241" kern="1200">
+      <a:lvl2pPr marL="548640" algn="l" defTabSz="1097280" rtl="0" eaLnBrk="1" latinLnBrk="0" hangingPunct="1">
+        <a:defRPr sz="2160" kern="1200">
           <a:solidFill>
             <a:schemeClr val="tx1"/>
           </a:solidFill>
@@ -2881,8 +2881,8 @@
           <a:cs typeface="+mn-cs"/>
         </a:defRPr>
       </a:lvl2pPr>
-      <a:lvl3pPr marL="1138519" algn="l" defTabSz="1138519" rtl="0" eaLnBrk="1" latinLnBrk="0" hangingPunct="1">
-        <a:defRPr sz="2241" kern="1200">
+      <a:lvl3pPr marL="1097280" algn="l" defTabSz="1097280" rtl="0" eaLnBrk="1" latinLnBrk="0" hangingPunct="1">
+        <a:defRPr sz="2160" kern="1200">
           <a:solidFill>
             <a:schemeClr val="tx1"/>
           </a:solidFill>
@@ -2891,8 +2891,8 @@
           <a:cs typeface="+mn-cs"/>
         </a:defRPr>
       </a:lvl3pPr>
-      <a:lvl4pPr marL="1707779" algn="l" defTabSz="1138519" rtl="0" eaLnBrk="1" latinLnBrk="0" hangingPunct="1">
-        <a:defRPr sz="2241" kern="1200">
+      <a:lvl4pPr marL="1645920" algn="l" defTabSz="1097280" rtl="0" eaLnBrk="1" latinLnBrk="0" hangingPunct="1">
+        <a:defRPr sz="2160" kern="1200">
           <a:solidFill>
             <a:schemeClr val="tx1"/>
           </a:solidFill>
@@ -2901,8 +2901,8 @@
           <a:cs typeface="+mn-cs"/>
         </a:defRPr>
       </a:lvl4pPr>
-      <a:lvl5pPr marL="2277039" algn="l" defTabSz="1138519" rtl="0" eaLnBrk="1" latinLnBrk="0" hangingPunct="1">
-        <a:defRPr sz="2241" kern="1200">
+      <a:lvl5pPr marL="2194560" algn="l" defTabSz="1097280" rtl="0" eaLnBrk="1" latinLnBrk="0" hangingPunct="1">
+        <a:defRPr sz="2160" kern="1200">
           <a:solidFill>
             <a:schemeClr val="tx1"/>
           </a:solidFill>
@@ -2911,8 +2911,8 @@
           <a:cs typeface="+mn-cs"/>
         </a:defRPr>
       </a:lvl5pPr>
-      <a:lvl6pPr marL="2846299" algn="l" defTabSz="1138519" rtl="0" eaLnBrk="1" latinLnBrk="0" hangingPunct="1">
-        <a:defRPr sz="2241" kern="1200">
+      <a:lvl6pPr marL="2743200" algn="l" defTabSz="1097280" rtl="0" eaLnBrk="1" latinLnBrk="0" hangingPunct="1">
+        <a:defRPr sz="2160" kern="1200">
           <a:solidFill>
             <a:schemeClr val="tx1"/>
           </a:solidFill>
@@ -2921,8 +2921,8 @@
           <a:cs typeface="+mn-cs"/>
         </a:defRPr>
       </a:lvl6pPr>
-      <a:lvl7pPr marL="3415558" algn="l" defTabSz="1138519" rtl="0" eaLnBrk="1" latinLnBrk="0" hangingPunct="1">
-        <a:defRPr sz="2241" kern="1200">
+      <a:lvl7pPr marL="3291840" algn="l" defTabSz="1097280" rtl="0" eaLnBrk="1" latinLnBrk="0" hangingPunct="1">
+        <a:defRPr sz="2160" kern="1200">
           <a:solidFill>
             <a:schemeClr val="tx1"/>
           </a:solidFill>
@@ -2931,8 +2931,8 @@
           <a:cs typeface="+mn-cs"/>
         </a:defRPr>
       </a:lvl7pPr>
-      <a:lvl8pPr marL="3984818" algn="l" defTabSz="1138519" rtl="0" eaLnBrk="1" latinLnBrk="0" hangingPunct="1">
-        <a:defRPr sz="2241" kern="1200">
+      <a:lvl8pPr marL="3840480" algn="l" defTabSz="1097280" rtl="0" eaLnBrk="1" latinLnBrk="0" hangingPunct="1">
+        <a:defRPr sz="2160" kern="1200">
           <a:solidFill>
             <a:schemeClr val="tx1"/>
           </a:solidFill>
@@ -2941,8 +2941,8 @@
           <a:cs typeface="+mn-cs"/>
         </a:defRPr>
       </a:lvl8pPr>
-      <a:lvl9pPr marL="4554078" algn="l" defTabSz="1138519" rtl="0" eaLnBrk="1" latinLnBrk="0" hangingPunct="1">
-        <a:defRPr sz="2241" kern="1200">
+      <a:lvl9pPr marL="4389120" algn="l" defTabSz="1097280" rtl="0" eaLnBrk="1" latinLnBrk="0" hangingPunct="1">
+        <a:defRPr sz="2160" kern="1200">
           <a:solidFill>
             <a:schemeClr val="tx1"/>
           </a:solidFill>
@@ -2987,8 +2987,8 @@
         </p:nvGrpSpPr>
         <p:grpSpPr>
           <a:xfrm>
-            <a:off x="9932404" y="4361749"/>
-            <a:ext cx="1737083" cy="1037251"/>
+            <a:off x="11737991" y="4928378"/>
+            <a:ext cx="1414092" cy="844386"/>
             <a:chOff x="8180912" y="11275546"/>
             <a:chExt cx="2375842" cy="1418668"/>
           </a:xfrm>
@@ -3099,8 +3099,8 @@
         </p:blipFill>
         <p:spPr>
           <a:xfrm>
-            <a:off x="5564394" y="4104472"/>
-            <a:ext cx="3860910" cy="3399647"/>
+            <a:off x="5181657" y="5082772"/>
+            <a:ext cx="4473254" cy="3938834"/>
           </a:xfrm>
           <a:prstGeom prst="rect">
             <a:avLst/>
@@ -3135,528 +3135,14 @@
         </p:blipFill>
         <p:spPr>
           <a:xfrm>
-            <a:off x="406664" y="4203424"/>
-            <a:ext cx="3944253" cy="3585684"/>
+            <a:off x="355158" y="4900331"/>
+            <a:ext cx="4473253" cy="4066593"/>
           </a:xfrm>
           <a:prstGeom prst="rect">
             <a:avLst/>
           </a:prstGeom>
         </p:spPr>
       </p:pic>
-      <p:sp>
-        <p:nvSpPr>
-          <p:cNvPr id="119" name="TextBox 118">
-            <a:extLst>
-              <a:ext uri="{FF2B5EF4-FFF2-40B4-BE49-F238E27FC236}">
-                <a16:creationId xmlns:a16="http://schemas.microsoft.com/office/drawing/2014/main" id="{29413002-8637-6B49-9BC9-E20CAE816881}"/>
-              </a:ext>
-            </a:extLst>
-          </p:cNvPr>
-          <p:cNvSpPr txBox="1"/>
-          <p:nvPr/>
-        </p:nvSpPr>
-        <p:spPr>
-          <a:xfrm>
-            <a:off x="7605" y="726730"/>
-            <a:ext cx="3878935" cy="523220"/>
-          </a:xfrm>
-          <a:prstGeom prst="rect">
-            <a:avLst/>
-          </a:prstGeom>
-          <a:noFill/>
-        </p:spPr>
-        <p:txBody>
-          <a:bodyPr wrap="square" rtlCol="0">
-            <a:spAutoFit/>
-          </a:bodyPr>
-          <a:lstStyle/>
-          <a:p>
-            <a:pPr algn="ctr"/>
-            <a:r>
-              <a:rPr lang="en-US" sz="2800" b="1" i="1" dirty="0"/>
-              <a:t>a, B</a:t>
-            </a:r>
-            <a:r>
-              <a:rPr lang="en-US" sz="2800" b="1" i="1" baseline="-25000" dirty="0"/>
-              <a:t>1 </a:t>
-            </a:r>
-            <a:r>
-              <a:rPr lang="en-US" sz="2800" b="1" i="1" dirty="0"/>
-              <a:t>, C,  D,  </a:t>
-            </a:r>
-            <a:r>
-              <a:rPr lang="en-US" sz="2800" b="1" i="1" dirty="0" err="1"/>
-              <a:t>Ee</a:t>
-            </a:r>
-            <a:r>
-              <a:rPr lang="en-US" sz="2800" b="1" i="1" dirty="0"/>
-              <a:t>,  </a:t>
-            </a:r>
-            <a:r>
-              <a:rPr lang="en-US" sz="2800" b="1" i="1" dirty="0" err="1"/>
-              <a:t>F</a:t>
-            </a:r>
-            <a:r>
-              <a:rPr lang="en-US" sz="2800" b="1" i="1" baseline="-25000" dirty="0" err="1"/>
-              <a:t>x</a:t>
-            </a:r>
-            <a:endParaRPr lang="en-US" sz="2800" b="1" i="1" baseline="-25000" dirty="0"/>
-          </a:p>
-        </p:txBody>
-      </p:sp>
-      <p:sp>
-        <p:nvSpPr>
-          <p:cNvPr id="126" name="TextBox 125">
-            <a:extLst>
-              <a:ext uri="{FF2B5EF4-FFF2-40B4-BE49-F238E27FC236}">
-                <a16:creationId xmlns:a16="http://schemas.microsoft.com/office/drawing/2014/main" id="{CC43384F-D18F-8948-8D26-D0FDB4A6F9F5}"/>
-              </a:ext>
-            </a:extLst>
-          </p:cNvPr>
-          <p:cNvSpPr txBox="1"/>
-          <p:nvPr/>
-        </p:nvSpPr>
-        <p:spPr>
-          <a:xfrm>
-            <a:off x="-6383" y="2386627"/>
-            <a:ext cx="3853372" cy="646331"/>
-          </a:xfrm>
-          <a:prstGeom prst="rect">
-            <a:avLst/>
-          </a:prstGeom>
-          <a:noFill/>
-        </p:spPr>
-        <p:txBody>
-          <a:bodyPr wrap="square" rtlCol="0">
-            <a:spAutoFit/>
-          </a:bodyPr>
-          <a:lstStyle/>
-          <a:p>
-            <a:pPr algn="ctr"/>
-            <a:r>
-              <a:rPr lang="en-US" dirty="0"/>
-              <a:t>1b) Processing taxon names with </a:t>
-            </a:r>
-            <a:r>
-              <a:rPr lang="en-US" b="1" dirty="0"/>
-              <a:t>TNRS</a:t>
-            </a:r>
-            <a:r>
-              <a:rPr lang="en-US" dirty="0"/>
-              <a:t> and </a:t>
-            </a:r>
-            <a:r>
-              <a:rPr lang="en-US" b="1" dirty="0"/>
-              <a:t>standardizing</a:t>
-            </a:r>
-            <a:r>
-              <a:rPr lang="en-US" dirty="0"/>
-              <a:t> them to a taxonomy.</a:t>
-            </a:r>
-          </a:p>
-        </p:txBody>
-      </p:sp>
-      <p:grpSp>
-        <p:nvGrpSpPr>
-          <p:cNvPr id="131" name="Group 130">
-            <a:extLst>
-              <a:ext uri="{FF2B5EF4-FFF2-40B4-BE49-F238E27FC236}">
-                <a16:creationId xmlns:a16="http://schemas.microsoft.com/office/drawing/2014/main" id="{237CE8B6-FF88-A54D-9058-1A544CD55E4E}"/>
-              </a:ext>
-            </a:extLst>
-          </p:cNvPr>
-          <p:cNvGrpSpPr/>
-          <p:nvPr/>
-        </p:nvGrpSpPr>
-        <p:grpSpPr>
-          <a:xfrm>
-            <a:off x="12090877" y="114162"/>
-            <a:ext cx="2128684" cy="1689674"/>
-            <a:chOff x="349831" y="5774256"/>
-            <a:chExt cx="2128684" cy="1689674"/>
-          </a:xfrm>
-        </p:grpSpPr>
-        <p:sp>
-          <p:nvSpPr>
-            <p:cNvPr id="132" name="Rounded Rectangle 131">
-              <a:extLst>
-                <a:ext uri="{FF2B5EF4-FFF2-40B4-BE49-F238E27FC236}">
-                  <a16:creationId xmlns:a16="http://schemas.microsoft.com/office/drawing/2014/main" id="{78450D60-342C-774D-889C-C19A33B394BE}"/>
-                </a:ext>
-              </a:extLst>
-            </p:cNvPr>
-            <p:cNvSpPr/>
-            <p:nvPr/>
-          </p:nvSpPr>
-          <p:spPr>
-            <a:xfrm>
-              <a:off x="349831" y="5774256"/>
-              <a:ext cx="2128684" cy="1689674"/>
-            </a:xfrm>
-            <a:prstGeom prst="roundRect">
-              <a:avLst/>
-            </a:prstGeom>
-            <a:solidFill>
-              <a:srgbClr val="A2FD3B">
-                <a:alpha val="69804"/>
-              </a:srgbClr>
-            </a:solidFill>
-          </p:spPr>
-          <p:style>
-            <a:lnRef idx="2">
-              <a:schemeClr val="accent1">
-                <a:shade val="50000"/>
-              </a:schemeClr>
-            </a:lnRef>
-            <a:fillRef idx="1">
-              <a:schemeClr val="accent1"/>
-            </a:fillRef>
-            <a:effectRef idx="0">
-              <a:schemeClr val="accent1"/>
-            </a:effectRef>
-            <a:fontRef idx="minor">
-              <a:schemeClr val="lt1"/>
-            </a:fontRef>
-          </p:style>
-          <p:txBody>
-            <a:bodyPr rot="0" spcFirstLastPara="0" vertOverflow="overflow" horzOverflow="overflow" vert="horz" wrap="square" lIns="91440" tIns="45720" rIns="91440" bIns="45720" numCol="1" spcCol="0" rtlCol="0" fromWordArt="0" anchor="ctr" anchorCtr="0" forceAA="0" compatLnSpc="1">
-              <a:prstTxWarp prst="textNoShape">
-                <a:avLst/>
-              </a:prstTxWarp>
-              <a:noAutofit/>
-            </a:bodyPr>
-            <a:lstStyle/>
-            <a:p>
-              <a:pPr algn="ctr"/>
-              <a:endParaRPr lang="en-US" dirty="0"/>
-            </a:p>
-          </p:txBody>
-        </p:sp>
-        <p:pic>
-          <p:nvPicPr>
-            <p:cNvPr id="133" name="Picture 132">
-              <a:extLst>
-                <a:ext uri="{FF2B5EF4-FFF2-40B4-BE49-F238E27FC236}">
-                  <a16:creationId xmlns:a16="http://schemas.microsoft.com/office/drawing/2014/main" id="{9094FA13-8AF7-1A40-8183-C2AFE2C7E83B}"/>
-                </a:ext>
-              </a:extLst>
-            </p:cNvPr>
-            <p:cNvPicPr>
-              <a:picLocks noChangeAspect="1"/>
-            </p:cNvPicPr>
-            <p:nvPr/>
-          </p:nvPicPr>
-          <p:blipFill>
-            <a:blip r:embed="rId6"/>
-            <a:stretch>
-              <a:fillRect/>
-            </a:stretch>
-          </p:blipFill>
-          <p:spPr>
-            <a:xfrm>
-              <a:off x="374937" y="5929435"/>
-              <a:ext cx="2057400" cy="1428750"/>
-            </a:xfrm>
-            <a:prstGeom prst="rect">
-              <a:avLst/>
-            </a:prstGeom>
-          </p:spPr>
-        </p:pic>
-      </p:grpSp>
-      <p:grpSp>
-        <p:nvGrpSpPr>
-          <p:cNvPr id="134" name="Group 133">
-            <a:extLst>
-              <a:ext uri="{FF2B5EF4-FFF2-40B4-BE49-F238E27FC236}">
-                <a16:creationId xmlns:a16="http://schemas.microsoft.com/office/drawing/2014/main" id="{AE709E57-87A7-8746-BDED-FE896E621DEC}"/>
-              </a:ext>
-            </a:extLst>
-          </p:cNvPr>
-          <p:cNvGrpSpPr/>
-          <p:nvPr/>
-        </p:nvGrpSpPr>
-        <p:grpSpPr>
-          <a:xfrm>
-            <a:off x="9811175" y="251718"/>
-            <a:ext cx="2145091" cy="1691640"/>
-            <a:chOff x="347050" y="4140009"/>
-            <a:chExt cx="2145091" cy="1691640"/>
-          </a:xfrm>
-        </p:grpSpPr>
-        <p:sp>
-          <p:nvSpPr>
-            <p:cNvPr id="135" name="Rounded Rectangle 134">
-              <a:extLst>
-                <a:ext uri="{FF2B5EF4-FFF2-40B4-BE49-F238E27FC236}">
-                  <a16:creationId xmlns:a16="http://schemas.microsoft.com/office/drawing/2014/main" id="{D8549988-4248-B648-80CE-CD62D9C40C3E}"/>
-                </a:ext>
-              </a:extLst>
-            </p:cNvPr>
-            <p:cNvSpPr/>
-            <p:nvPr/>
-          </p:nvSpPr>
-          <p:spPr>
-            <a:xfrm>
-              <a:off x="347050" y="4140009"/>
-              <a:ext cx="2128684" cy="1691640"/>
-            </a:xfrm>
-            <a:prstGeom prst="roundRect">
-              <a:avLst/>
-            </a:prstGeom>
-            <a:solidFill>
-              <a:srgbClr val="456CE3">
-                <a:alpha val="69804"/>
-              </a:srgbClr>
-            </a:solidFill>
-          </p:spPr>
-          <p:style>
-            <a:lnRef idx="2">
-              <a:schemeClr val="accent1">
-                <a:shade val="50000"/>
-              </a:schemeClr>
-            </a:lnRef>
-            <a:fillRef idx="1">
-              <a:schemeClr val="accent1"/>
-            </a:fillRef>
-            <a:effectRef idx="0">
-              <a:schemeClr val="accent1"/>
-            </a:effectRef>
-            <a:fontRef idx="minor">
-              <a:schemeClr val="lt1"/>
-            </a:fontRef>
-          </p:style>
-          <p:txBody>
-            <a:bodyPr rot="0" spcFirstLastPara="0" vertOverflow="overflow" horzOverflow="overflow" vert="horz" wrap="square" lIns="91440" tIns="45720" rIns="91440" bIns="45720" numCol="1" spcCol="0" rtlCol="0" fromWordArt="0" anchor="ctr" anchorCtr="0" forceAA="0" compatLnSpc="1">
-              <a:prstTxWarp prst="textNoShape">
-                <a:avLst/>
-              </a:prstTxWarp>
-              <a:noAutofit/>
-            </a:bodyPr>
-            <a:lstStyle/>
-            <a:p>
-              <a:pPr algn="ctr"/>
-              <a:endParaRPr lang="en-US" dirty="0"/>
-            </a:p>
-          </p:txBody>
-        </p:sp>
-        <p:pic>
-          <p:nvPicPr>
-            <p:cNvPr id="136" name="Picture 135">
-              <a:extLst>
-                <a:ext uri="{FF2B5EF4-FFF2-40B4-BE49-F238E27FC236}">
-                  <a16:creationId xmlns:a16="http://schemas.microsoft.com/office/drawing/2014/main" id="{83F8F78E-7FBF-4547-94EE-B9D2766E2B43}"/>
-                </a:ext>
-              </a:extLst>
-            </p:cNvPr>
-            <p:cNvPicPr>
-              <a:picLocks noChangeAspect="1"/>
-            </p:cNvPicPr>
-            <p:nvPr/>
-          </p:nvPicPr>
-          <p:blipFill>
-            <a:blip r:embed="rId7"/>
-            <a:stretch>
-              <a:fillRect/>
-            </a:stretch>
-          </p:blipFill>
-          <p:spPr>
-            <a:xfrm>
-              <a:off x="434741" y="4269374"/>
-              <a:ext cx="2057400" cy="1428750"/>
-            </a:xfrm>
-            <a:prstGeom prst="rect">
-              <a:avLst/>
-            </a:prstGeom>
-          </p:spPr>
-        </p:pic>
-      </p:grpSp>
-      <p:grpSp>
-        <p:nvGrpSpPr>
-          <p:cNvPr id="137" name="Group 136">
-            <a:extLst>
-              <a:ext uri="{FF2B5EF4-FFF2-40B4-BE49-F238E27FC236}">
-                <a16:creationId xmlns:a16="http://schemas.microsoft.com/office/drawing/2014/main" id="{C7ECA3AB-4175-7A4B-98A2-3E0A1938CB40}"/>
-              </a:ext>
-            </a:extLst>
-          </p:cNvPr>
-          <p:cNvGrpSpPr/>
-          <p:nvPr/>
-        </p:nvGrpSpPr>
-        <p:grpSpPr>
-          <a:xfrm>
-            <a:off x="12799274" y="1899531"/>
-            <a:ext cx="2128684" cy="1442486"/>
-            <a:chOff x="3095159" y="6869139"/>
-            <a:chExt cx="2128684" cy="1442486"/>
-          </a:xfrm>
-        </p:grpSpPr>
-        <p:sp>
-          <p:nvSpPr>
-            <p:cNvPr id="138" name="Rounded Rectangle 137">
-              <a:extLst>
-                <a:ext uri="{FF2B5EF4-FFF2-40B4-BE49-F238E27FC236}">
-                  <a16:creationId xmlns:a16="http://schemas.microsoft.com/office/drawing/2014/main" id="{6DEEC078-29E2-AB4C-AA8E-79FB6365CAEC}"/>
-                </a:ext>
-              </a:extLst>
-            </p:cNvPr>
-            <p:cNvSpPr/>
-            <p:nvPr/>
-          </p:nvSpPr>
-          <p:spPr>
-            <a:xfrm>
-              <a:off x="3095159" y="6869139"/>
-              <a:ext cx="2128684" cy="1442486"/>
-            </a:xfrm>
-            <a:prstGeom prst="roundRect">
-              <a:avLst/>
-            </a:prstGeom>
-            <a:solidFill>
-              <a:srgbClr val="D23004">
-                <a:alpha val="69804"/>
-              </a:srgbClr>
-            </a:solidFill>
-          </p:spPr>
-          <p:style>
-            <a:lnRef idx="2">
-              <a:schemeClr val="accent1">
-                <a:shade val="50000"/>
-              </a:schemeClr>
-            </a:lnRef>
-            <a:fillRef idx="1">
-              <a:schemeClr val="accent1"/>
-            </a:fillRef>
-            <a:effectRef idx="0">
-              <a:schemeClr val="accent1"/>
-            </a:effectRef>
-            <a:fontRef idx="minor">
-              <a:schemeClr val="lt1"/>
-            </a:fontRef>
-          </p:style>
-          <p:txBody>
-            <a:bodyPr rot="0" spcFirstLastPara="0" vertOverflow="overflow" horzOverflow="overflow" vert="horz" wrap="square" lIns="91440" tIns="45720" rIns="91440" bIns="45720" numCol="1" spcCol="0" rtlCol="0" fromWordArt="0" anchor="ctr" anchorCtr="0" forceAA="0" compatLnSpc="1">
-              <a:prstTxWarp prst="textNoShape">
-                <a:avLst/>
-              </a:prstTxWarp>
-              <a:noAutofit/>
-            </a:bodyPr>
-            <a:lstStyle/>
-            <a:p>
-              <a:pPr algn="ctr"/>
-              <a:endParaRPr lang="en-US" dirty="0"/>
-            </a:p>
-          </p:txBody>
-        </p:sp>
-        <p:pic>
-          <p:nvPicPr>
-            <p:cNvPr id="139" name="Picture 138">
-              <a:extLst>
-                <a:ext uri="{FF2B5EF4-FFF2-40B4-BE49-F238E27FC236}">
-                  <a16:creationId xmlns:a16="http://schemas.microsoft.com/office/drawing/2014/main" id="{CA3DB4E6-6898-2A42-9EFC-2EAACE0FC24F}"/>
-                </a:ext>
-              </a:extLst>
-            </p:cNvPr>
-            <p:cNvPicPr>
-              <a:picLocks noChangeAspect="1"/>
-            </p:cNvPicPr>
-            <p:nvPr/>
-          </p:nvPicPr>
-          <p:blipFill>
-            <a:blip r:embed="rId8"/>
-            <a:stretch>
-              <a:fillRect/>
-            </a:stretch>
-          </p:blipFill>
-          <p:spPr>
-            <a:xfrm>
-              <a:off x="3104106" y="6876007"/>
-              <a:ext cx="2057400" cy="1428750"/>
-            </a:xfrm>
-            <a:prstGeom prst="rect">
-              <a:avLst/>
-            </a:prstGeom>
-          </p:spPr>
-        </p:pic>
-      </p:grpSp>
-      <p:sp>
-        <p:nvSpPr>
-          <p:cNvPr id="142" name="TextBox 141">
-            <a:extLst>
-              <a:ext uri="{FF2B5EF4-FFF2-40B4-BE49-F238E27FC236}">
-                <a16:creationId xmlns:a16="http://schemas.microsoft.com/office/drawing/2014/main" id="{E1F9AEA3-5120-D64B-9A13-430AA9AAD530}"/>
-              </a:ext>
-            </a:extLst>
-          </p:cNvPr>
-          <p:cNvSpPr txBox="1"/>
-          <p:nvPr/>
-        </p:nvSpPr>
-        <p:spPr>
-          <a:xfrm>
-            <a:off x="20962" y="1976532"/>
-            <a:ext cx="3898621" cy="523220"/>
-          </a:xfrm>
-          <a:prstGeom prst="rect">
-            <a:avLst/>
-          </a:prstGeom>
-          <a:noFill/>
-        </p:spPr>
-        <p:txBody>
-          <a:bodyPr wrap="square" rtlCol="0">
-            <a:spAutoFit/>
-          </a:bodyPr>
-          <a:lstStyle/>
-          <a:p>
-            <a:pPr algn="ctr"/>
-            <a:r>
-              <a:rPr lang="en-US" sz="2800" b="1" i="1" dirty="0"/>
-              <a:t>A   B  C   D   E   F</a:t>
-            </a:r>
-          </a:p>
-        </p:txBody>
-      </p:sp>
-      <p:sp>
-        <p:nvSpPr>
-          <p:cNvPr id="157" name="TextBox 156">
-            <a:extLst>
-              <a:ext uri="{FF2B5EF4-FFF2-40B4-BE49-F238E27FC236}">
-                <a16:creationId xmlns:a16="http://schemas.microsoft.com/office/drawing/2014/main" id="{69803FA4-C060-3640-AE0A-B5EB185D5CB9}"/>
-              </a:ext>
-            </a:extLst>
-          </p:cNvPr>
-          <p:cNvSpPr txBox="1"/>
-          <p:nvPr/>
-        </p:nvSpPr>
-        <p:spPr>
-          <a:xfrm>
-            <a:off x="119744" y="91736"/>
-            <a:ext cx="3780902" cy="646331"/>
-          </a:xfrm>
-          <a:prstGeom prst="rect">
-            <a:avLst/>
-          </a:prstGeom>
-          <a:noFill/>
-        </p:spPr>
-        <p:txBody>
-          <a:bodyPr wrap="square" rtlCol="0">
-            <a:spAutoFit/>
-          </a:bodyPr>
-          <a:lstStyle/>
-          <a:p>
-            <a:pPr algn="ctr"/>
-            <a:r>
-              <a:rPr lang="en-US" dirty="0"/>
-              <a:t>1a) A list of </a:t>
-            </a:r>
-            <a:r>
-              <a:rPr lang="en-US" b="1" dirty="0"/>
-              <a:t>taxon names </a:t>
-            </a:r>
-            <a:r>
-              <a:rPr lang="en-US" dirty="0"/>
-              <a:t>provided by the user.</a:t>
-            </a:r>
-          </a:p>
-        </p:txBody>
-      </p:sp>
       <p:sp>
         <p:nvSpPr>
           <p:cNvPr id="159" name="TextBox 158">
@@ -3671,8 +3157,8 @@
         </p:nvSpPr>
         <p:spPr>
           <a:xfrm>
-            <a:off x="5834372" y="7976495"/>
-            <a:ext cx="3556693" cy="646331"/>
+            <a:off x="5770908" y="4082020"/>
+            <a:ext cx="3096675" cy="923330"/>
           </a:xfrm>
           <a:prstGeom prst="rect">
             <a:avLst/>
@@ -3685,6 +3171,7 @@
           </a:bodyPr>
           <a:lstStyle/>
           <a:p>
+            <a:pPr algn="r"/>
             <a:r>
               <a:rPr lang="en-US" dirty="0"/>
               <a:t>3b) </a:t>
@@ -3695,7 +3182,7 @@
             </a:r>
             <a:r>
               <a:rPr lang="en-US" dirty="0"/>
-              <a:t> source chronogram nodes to nodes of tree topology</a:t>
+              <a:t> source chronogram nodes to nodes of tree topology.</a:t>
             </a:r>
           </a:p>
         </p:txBody>
@@ -3714,7 +3201,7 @@
         </p:nvSpPr>
         <p:spPr>
           <a:xfrm>
-            <a:off x="11308448" y="5395275"/>
+            <a:off x="9884895" y="4523948"/>
             <a:ext cx="2981651" cy="369332"/>
           </a:xfrm>
           <a:prstGeom prst="rect">
@@ -3731,21 +3218,21 @@
             <a:pPr algn="ctr"/>
             <a:r>
               <a:rPr lang="en-US" dirty="0"/>
-              <a:t>3a) Choose </a:t>
+              <a:t>3a) Choose a </a:t>
             </a:r>
             <a:r>
               <a:rPr lang="en-US" b="1" dirty="0"/>
-              <a:t>tree topology </a:t>
-            </a:r>
-          </a:p>
-        </p:txBody>
-      </p:sp>
-      <p:sp>
-        <p:nvSpPr>
-          <p:cNvPr id="41" name="Right Arrow 40">
+              <a:t>tree topology.</a:t>
+            </a:r>
+          </a:p>
+        </p:txBody>
+      </p:sp>
+      <p:sp>
+        <p:nvSpPr>
+          <p:cNvPr id="42" name="Right Arrow 41">
             <a:extLst>
               <a:ext uri="{FF2B5EF4-FFF2-40B4-BE49-F238E27FC236}">
-                <a16:creationId xmlns:a16="http://schemas.microsoft.com/office/drawing/2014/main" id="{DFCDBECB-F7D8-C74D-AE89-8D7C4EDD78BC}"/>
+                <a16:creationId xmlns:a16="http://schemas.microsoft.com/office/drawing/2014/main" id="{C34DE3F3-9297-EA41-A318-75D27C90CE93}"/>
               </a:ext>
             </a:extLst>
           </p:cNvPr>
@@ -3753,15 +3240,18 @@
           <p:nvPr/>
         </p:nvSpPr>
         <p:spPr>
-          <a:xfrm>
-            <a:off x="3914288" y="2310315"/>
-            <a:ext cx="684935" cy="722643"/>
+          <a:xfrm rot="10800000" flipV="1">
+            <a:off x="4808294" y="4336818"/>
+            <a:ext cx="958778" cy="389958"/>
           </a:xfrm>
           <a:prstGeom prst="rightArrow">
             <a:avLst/>
           </a:prstGeom>
           <a:solidFill>
-            <a:srgbClr val="92D050"/>
+            <a:schemeClr val="accent6">
+              <a:lumMod val="40000"/>
+              <a:lumOff val="60000"/>
+            </a:schemeClr>
           </a:solidFill>
           <a:ln>
             <a:solidFill>
@@ -3801,10 +3291,50 @@
       </p:sp>
       <p:sp>
         <p:nvSpPr>
-          <p:cNvPr id="42" name="Right Arrow 41">
+          <p:cNvPr id="44" name="TextBox 43">
             <a:extLst>
               <a:ext uri="{FF2B5EF4-FFF2-40B4-BE49-F238E27FC236}">
-                <a16:creationId xmlns:a16="http://schemas.microsoft.com/office/drawing/2014/main" id="{C34DE3F3-9297-EA41-A318-75D27C90CE93}"/>
+                <a16:creationId xmlns:a16="http://schemas.microsoft.com/office/drawing/2014/main" id="{AE041B43-3B0C-AD4C-BC5E-3486F0A0EABA}"/>
+              </a:ext>
+            </a:extLst>
+          </p:cNvPr>
+          <p:cNvSpPr txBox="1"/>
+          <p:nvPr/>
+        </p:nvSpPr>
+        <p:spPr>
+          <a:xfrm>
+            <a:off x="1259478" y="4074336"/>
+            <a:ext cx="3432702" cy="646331"/>
+          </a:xfrm>
+          <a:prstGeom prst="rect">
+            <a:avLst/>
+          </a:prstGeom>
+          <a:noFill/>
+        </p:spPr>
+        <p:txBody>
+          <a:bodyPr wrap="square" rtlCol="0">
+            <a:spAutoFit/>
+          </a:bodyPr>
+          <a:lstStyle/>
+          <a:p>
+            <a:pPr algn="r"/>
+            <a:r>
+              <a:rPr lang="en-US" dirty="0"/>
+              <a:t>3c) Use ages of congruent nodes to </a:t>
+            </a:r>
+            <a:r>
+              <a:rPr lang="en-US" b="1" dirty="0"/>
+              <a:t>date a tree topology.</a:t>
+            </a:r>
+          </a:p>
+        </p:txBody>
+      </p:sp>
+      <p:sp>
+        <p:nvSpPr>
+          <p:cNvPr id="45" name="Rounded Rectangle 44">
+            <a:extLst>
+              <a:ext uri="{FF2B5EF4-FFF2-40B4-BE49-F238E27FC236}">
+                <a16:creationId xmlns:a16="http://schemas.microsoft.com/office/drawing/2014/main" id="{7935E882-84C9-6D44-A54C-7F063C054409}"/>
               </a:ext>
             </a:extLst>
           </p:cNvPr>
@@ -3812,20 +3342,15 @@
           <p:nvPr/>
         </p:nvSpPr>
         <p:spPr>
-          <a:xfrm rot="10800000" flipV="1">
-            <a:off x="4653532" y="8136493"/>
-            <a:ext cx="958778" cy="389958"/>
-          </a:xfrm>
-          <a:prstGeom prst="rightArrow">
+          <a:xfrm>
+            <a:off x="4475" y="3978179"/>
+            <a:ext cx="14629540" cy="5120851"/>
+          </a:xfrm>
+          <a:prstGeom prst="roundRect">
             <a:avLst/>
           </a:prstGeom>
-          <a:solidFill>
-            <a:schemeClr val="accent6">
-              <a:lumMod val="40000"/>
-              <a:lumOff val="60000"/>
-            </a:schemeClr>
-          </a:solidFill>
-          <a:ln>
+          <a:noFill/>
+          <a:ln w="38100">
             <a:solidFill>
               <a:srgbClr val="92D050"/>
             </a:solidFill>
@@ -3861,204 +3386,42 @@
           </a:p>
         </p:txBody>
       </p:sp>
-      <p:sp>
-        <p:nvSpPr>
-          <p:cNvPr id="44" name="TextBox 43">
+      <p:pic>
+        <p:nvPicPr>
+          <p:cNvPr id="95" name="Graphic 94">
             <a:extLst>
               <a:ext uri="{FF2B5EF4-FFF2-40B4-BE49-F238E27FC236}">
-                <a16:creationId xmlns:a16="http://schemas.microsoft.com/office/drawing/2014/main" id="{AE041B43-3B0C-AD4C-BC5E-3486F0A0EABA}"/>
+                <a16:creationId xmlns:a16="http://schemas.microsoft.com/office/drawing/2014/main" id="{8EDAF532-7168-9AE9-062F-1DF26DAF9558}"/>
               </a:ext>
             </a:extLst>
           </p:cNvPr>
-          <p:cNvSpPr txBox="1"/>
+          <p:cNvPicPr>
+            <a:picLocks noChangeAspect="1"/>
+          </p:cNvPicPr>
           <p:nvPr/>
-        </p:nvSpPr>
-        <p:spPr>
-          <a:xfrm>
-            <a:off x="159294" y="8055261"/>
-            <a:ext cx="4345558" cy="646331"/>
+        </p:nvPicPr>
+        <p:blipFill>
+          <a:blip r:embed="rId6">
+            <a:extLst>
+              <a:ext uri="{96DAC541-7B7A-43D3-8B79-37D633B846F1}">
+                <asvg:svgBlip xmlns:asvg="http://schemas.microsoft.com/office/drawing/2016/SVG/main" r:embed="rId7"/>
+              </a:ext>
+            </a:extLst>
+          </a:blip>
+          <a:stretch>
+            <a:fillRect/>
+          </a:stretch>
+        </p:blipFill>
+        <p:spPr>
+          <a:xfrm>
+            <a:off x="10123108" y="5928484"/>
+            <a:ext cx="3925438" cy="3925438"/>
           </a:xfrm>
           <a:prstGeom prst="rect">
             <a:avLst/>
           </a:prstGeom>
-          <a:noFill/>
-        </p:spPr>
-        <p:txBody>
-          <a:bodyPr wrap="square" rtlCol="0">
-            <a:spAutoFit/>
-          </a:bodyPr>
-          <a:lstStyle/>
-          <a:p>
-            <a:pPr algn="ctr"/>
-            <a:r>
-              <a:rPr lang="en-US" dirty="0"/>
-              <a:t>3c) Use ages of congruent nodes to </a:t>
-            </a:r>
-            <a:r>
-              <a:rPr lang="en-US" b="1" dirty="0"/>
-              <a:t>date a tree topology</a:t>
-            </a:r>
-          </a:p>
-        </p:txBody>
-      </p:sp>
-      <p:sp>
-        <p:nvSpPr>
-          <p:cNvPr id="45" name="Rounded Rectangle 44">
-            <a:extLst>
-              <a:ext uri="{FF2B5EF4-FFF2-40B4-BE49-F238E27FC236}">
-                <a16:creationId xmlns:a16="http://schemas.microsoft.com/office/drawing/2014/main" id="{7935E882-84C9-6D44-A54C-7F063C054409}"/>
-              </a:ext>
-            </a:extLst>
-          </p:cNvPr>
-          <p:cNvSpPr/>
-          <p:nvPr/>
-        </p:nvSpPr>
-        <p:spPr>
-          <a:xfrm>
-            <a:off x="20962" y="3978178"/>
-            <a:ext cx="15112540" cy="5120851"/>
-          </a:xfrm>
-          <a:prstGeom prst="roundRect">
-            <a:avLst/>
-          </a:prstGeom>
-          <a:noFill/>
-          <a:ln w="38100">
-            <a:solidFill>
-              <a:srgbClr val="92D050"/>
-            </a:solidFill>
-          </a:ln>
-        </p:spPr>
-        <p:style>
-          <a:lnRef idx="2">
-            <a:schemeClr val="accent1">
-              <a:shade val="50000"/>
-            </a:schemeClr>
-          </a:lnRef>
-          <a:fillRef idx="1">
-            <a:schemeClr val="accent1"/>
-          </a:fillRef>
-          <a:effectRef idx="0">
-            <a:schemeClr val="accent1"/>
-          </a:effectRef>
-          <a:fontRef idx="minor">
-            <a:schemeClr val="lt1"/>
-          </a:fontRef>
-        </p:style>
-        <p:txBody>
-          <a:bodyPr rot="0" spcFirstLastPara="0" vertOverflow="overflow" horzOverflow="overflow" vert="horz" wrap="square" lIns="91440" tIns="45720" rIns="91440" bIns="45720" numCol="1" spcCol="0" rtlCol="0" fromWordArt="0" anchor="ctr" anchorCtr="0" forceAA="0" compatLnSpc="1">
-            <a:prstTxWarp prst="textNoShape">
-              <a:avLst/>
-            </a:prstTxWarp>
-            <a:noAutofit/>
-          </a:bodyPr>
-          <a:lstStyle/>
-          <a:p>
-            <a:pPr algn="ctr"/>
-            <a:endParaRPr lang="en-US"/>
-          </a:p>
-        </p:txBody>
-      </p:sp>
-      <p:sp>
-        <p:nvSpPr>
-          <p:cNvPr id="49" name="Rounded Rectangle 48">
-            <a:extLst>
-              <a:ext uri="{FF2B5EF4-FFF2-40B4-BE49-F238E27FC236}">
-                <a16:creationId xmlns:a16="http://schemas.microsoft.com/office/drawing/2014/main" id="{56623323-5AFA-0840-A232-8400F1FBBC9D}"/>
-              </a:ext>
-            </a:extLst>
-          </p:cNvPr>
-          <p:cNvSpPr/>
-          <p:nvPr/>
-        </p:nvSpPr>
-        <p:spPr>
-          <a:xfrm>
-            <a:off x="8761" y="36064"/>
-            <a:ext cx="3898621" cy="3399647"/>
-          </a:xfrm>
-          <a:prstGeom prst="roundRect">
-            <a:avLst/>
-          </a:prstGeom>
-          <a:noFill/>
-          <a:ln w="38100">
-            <a:solidFill>
-              <a:srgbClr val="92D050"/>
-            </a:solidFill>
-          </a:ln>
-        </p:spPr>
-        <p:style>
-          <a:lnRef idx="2">
-            <a:schemeClr val="accent1">
-              <a:shade val="50000"/>
-            </a:schemeClr>
-          </a:lnRef>
-          <a:fillRef idx="1">
-            <a:schemeClr val="accent1"/>
-          </a:fillRef>
-          <a:effectRef idx="0">
-            <a:schemeClr val="accent1"/>
-          </a:effectRef>
-          <a:fontRef idx="minor">
-            <a:schemeClr val="lt1"/>
-          </a:fontRef>
-        </p:style>
-        <p:txBody>
-          <a:bodyPr rot="0" spcFirstLastPara="0" vertOverflow="overflow" horzOverflow="overflow" vert="horz" wrap="square" lIns="91440" tIns="45720" rIns="91440" bIns="45720" numCol="1" spcCol="0" rtlCol="0" fromWordArt="0" anchor="ctr" anchorCtr="0" forceAA="0" compatLnSpc="1">
-            <a:prstTxWarp prst="textNoShape">
-              <a:avLst/>
-            </a:prstTxWarp>
-            <a:noAutofit/>
-          </a:bodyPr>
-          <a:lstStyle/>
-          <a:p>
-            <a:pPr algn="ctr"/>
-            <a:endParaRPr lang="en-US"/>
-          </a:p>
-        </p:txBody>
-      </p:sp>
-      <p:sp>
-        <p:nvSpPr>
-          <p:cNvPr id="51" name="TextBox 50">
-            <a:extLst>
-              <a:ext uri="{FF2B5EF4-FFF2-40B4-BE49-F238E27FC236}">
-                <a16:creationId xmlns:a16="http://schemas.microsoft.com/office/drawing/2014/main" id="{E51426A1-0692-484A-9BA0-880D455CEDDD}"/>
-              </a:ext>
-            </a:extLst>
-          </p:cNvPr>
-          <p:cNvSpPr txBox="1"/>
-          <p:nvPr/>
-        </p:nvSpPr>
-        <p:spPr>
-          <a:xfrm>
-            <a:off x="9493881" y="2258630"/>
-            <a:ext cx="3202667" cy="923330"/>
-          </a:xfrm>
-          <a:prstGeom prst="rect">
-            <a:avLst/>
-          </a:prstGeom>
-          <a:noFill/>
-        </p:spPr>
-        <p:txBody>
-          <a:bodyPr wrap="square" rtlCol="0">
-            <a:spAutoFit/>
-          </a:bodyPr>
-          <a:lstStyle/>
-          <a:p>
-            <a:pPr algn="ctr"/>
-            <a:r>
-              <a:rPr lang="en-US" dirty="0"/>
-              <a:t>2b) Prune matching chronograms (</a:t>
-            </a:r>
-            <a:r>
-              <a:rPr lang="en-US" b="1" dirty="0"/>
-              <a:t>source chronograms</a:t>
-            </a:r>
-            <a:r>
-              <a:rPr lang="en-US" dirty="0"/>
-              <a:t>).</a:t>
-            </a:r>
-          </a:p>
-        </p:txBody>
-      </p:sp>
+        </p:spPr>
+      </p:pic>
       <p:grpSp>
         <p:nvGrpSpPr>
           <p:cNvPr id="5" name="Group 4">
@@ -4073,7 +3436,7 @@
         </p:nvGrpSpPr>
         <p:grpSpPr>
           <a:xfrm>
-            <a:off x="10018524" y="5545686"/>
+            <a:off x="13279619" y="4446906"/>
             <a:ext cx="1240513" cy="1220852"/>
             <a:chOff x="10386505" y="7974231"/>
             <a:chExt cx="1706127" cy="1679086"/>
@@ -4148,11 +3511,11 @@
             <p:nvPr/>
           </p:nvPicPr>
           <p:blipFill>
-            <a:blip r:embed="rId9">
+            <a:blip r:embed="rId8">
               <a:extLst>
                 <a:ext uri="{BEBA8EAE-BF5A-486C-A8C5-ECC9F3942E4B}">
                   <a14:imgProps xmlns:a14="http://schemas.microsoft.com/office/drawing/2010/main">
-                    <a14:imgLayer r:embed="rId10">
+                    <a14:imgLayer r:embed="rId9">
                       <a14:imgEffect>
                         <a14:brightnessContrast contrast="-40000"/>
                       </a14:imgEffect>
@@ -4190,65 +3553,6 @@
           </p:spPr>
         </p:pic>
       </p:grpSp>
-      <p:sp>
-        <p:nvSpPr>
-          <p:cNvPr id="59" name="Right Arrow 58">
-            <a:extLst>
-              <a:ext uri="{FF2B5EF4-FFF2-40B4-BE49-F238E27FC236}">
-                <a16:creationId xmlns:a16="http://schemas.microsoft.com/office/drawing/2014/main" id="{4FAA0A27-5D81-2A4B-8E4E-EB71A5ED4E14}"/>
-              </a:ext>
-            </a:extLst>
-          </p:cNvPr>
-          <p:cNvSpPr/>
-          <p:nvPr/>
-        </p:nvSpPr>
-        <p:spPr>
-          <a:xfrm rot="5400000" flipV="1">
-            <a:off x="12160910" y="3339815"/>
-            <a:ext cx="560101" cy="716625"/>
-          </a:xfrm>
-          <a:prstGeom prst="rightArrow">
-            <a:avLst/>
-          </a:prstGeom>
-          <a:solidFill>
-            <a:srgbClr val="92D050"/>
-          </a:solidFill>
-          <a:ln>
-            <a:solidFill>
-              <a:srgbClr val="92D050"/>
-            </a:solidFill>
-          </a:ln>
-        </p:spPr>
-        <p:style>
-          <a:lnRef idx="2">
-            <a:schemeClr val="accent1">
-              <a:shade val="50000"/>
-            </a:schemeClr>
-          </a:lnRef>
-          <a:fillRef idx="1">
-            <a:schemeClr val="accent1"/>
-          </a:fillRef>
-          <a:effectRef idx="0">
-            <a:schemeClr val="accent1"/>
-          </a:effectRef>
-          <a:fontRef idx="minor">
-            <a:schemeClr val="lt1"/>
-          </a:fontRef>
-        </p:style>
-        <p:txBody>
-          <a:bodyPr rot="0" spcFirstLastPara="0" vertOverflow="overflow" horzOverflow="overflow" vert="horz" wrap="square" lIns="91440" tIns="45720" rIns="91440" bIns="45720" numCol="1" spcCol="0" rtlCol="0" fromWordArt="0" anchor="ctr" anchorCtr="0" forceAA="0" compatLnSpc="1">
-            <a:prstTxWarp prst="textNoShape">
-              <a:avLst/>
-            </a:prstTxWarp>
-            <a:noAutofit/>
-          </a:bodyPr>
-          <a:lstStyle/>
-          <a:p>
-            <a:pPr algn="ctr"/>
-            <a:endParaRPr lang="en-US"/>
-          </a:p>
-        </p:txBody>
-      </p:sp>
       <p:grpSp>
         <p:nvGrpSpPr>
           <p:cNvPr id="3" name="Group 2">
@@ -4263,8 +3567,8 @@
         </p:nvGrpSpPr>
         <p:grpSpPr>
           <a:xfrm>
-            <a:off x="11792245" y="4101708"/>
-            <a:ext cx="1362974" cy="1227483"/>
+            <a:off x="11022244" y="5740944"/>
+            <a:ext cx="1282093" cy="1154642"/>
             <a:chOff x="11668312" y="9142886"/>
             <a:chExt cx="1481924" cy="1334609"/>
           </a:xfrm>
@@ -4320,7 +3624,7 @@
             <a:lstStyle/>
             <a:p>
               <a:pPr algn="ctr"/>
-              <a:endParaRPr lang="en-US"/>
+              <a:endParaRPr lang="en-US" sz="1600"/>
             </a:p>
           </p:txBody>
         </p:sp>
@@ -4339,7 +3643,7 @@
           <p:spPr>
             <a:xfrm>
               <a:off x="11676482" y="9319770"/>
-              <a:ext cx="1450785" cy="1003912"/>
+              <a:ext cx="1450785" cy="960519"/>
             </a:xfrm>
             <a:prstGeom prst="rect">
               <a:avLst/>
@@ -4354,7 +3658,7 @@
             <a:p>
               <a:pPr algn="ctr"/>
               <a:r>
-                <a:rPr lang="en-US" b="1" dirty="0">
+                <a:rPr lang="en-US" sz="1600" b="1" dirty="0">
                   <a:solidFill>
                     <a:srgbClr val="7030A0"/>
                   </a:solidFill>
@@ -4365,7 +3669,7 @@
             <a:p>
               <a:pPr algn="ctr"/>
               <a:r>
-                <a:rPr lang="en-US" b="1" dirty="0">
+                <a:rPr lang="en-US" sz="1600" b="1" dirty="0">
                   <a:solidFill>
                     <a:srgbClr val="7030A0"/>
                   </a:solidFill>
@@ -4376,99 +3680,6 @@
           </p:txBody>
         </p:sp>
       </p:grpSp>
-      <p:sp>
-        <p:nvSpPr>
-          <p:cNvPr id="63" name="Rounded Rectangle 62">
-            <a:extLst>
-              <a:ext uri="{FF2B5EF4-FFF2-40B4-BE49-F238E27FC236}">
-                <a16:creationId xmlns:a16="http://schemas.microsoft.com/office/drawing/2014/main" id="{FB327606-7CB4-0446-A67D-583D602C64AD}"/>
-              </a:ext>
-            </a:extLst>
-          </p:cNvPr>
-          <p:cNvSpPr/>
-          <p:nvPr/>
-        </p:nvSpPr>
-        <p:spPr>
-          <a:xfrm>
-            <a:off x="4618329" y="36097"/>
-            <a:ext cx="10515171" cy="3399647"/>
-          </a:xfrm>
-          <a:prstGeom prst="roundRect">
-            <a:avLst/>
-          </a:prstGeom>
-          <a:noFill/>
-          <a:ln w="38100">
-            <a:solidFill>
-              <a:srgbClr val="92D050"/>
-            </a:solidFill>
-          </a:ln>
-        </p:spPr>
-        <p:style>
-          <a:lnRef idx="2">
-            <a:schemeClr val="accent1">
-              <a:shade val="50000"/>
-            </a:schemeClr>
-          </a:lnRef>
-          <a:fillRef idx="1">
-            <a:schemeClr val="accent1"/>
-          </a:fillRef>
-          <a:effectRef idx="0">
-            <a:schemeClr val="accent1"/>
-          </a:effectRef>
-          <a:fontRef idx="minor">
-            <a:schemeClr val="lt1"/>
-          </a:fontRef>
-        </p:style>
-        <p:txBody>
-          <a:bodyPr rot="0" spcFirstLastPara="0" vertOverflow="overflow" horzOverflow="overflow" vert="horz" wrap="square" lIns="91440" tIns="45720" rIns="91440" bIns="45720" numCol="1" spcCol="0" rtlCol="0" fromWordArt="0" anchor="ctr" anchorCtr="0" forceAA="0" compatLnSpc="1">
-            <a:prstTxWarp prst="textNoShape">
-              <a:avLst/>
-            </a:prstTxWarp>
-            <a:noAutofit/>
-          </a:bodyPr>
-          <a:lstStyle/>
-          <a:p>
-            <a:pPr algn="ctr"/>
-            <a:endParaRPr lang="en-US"/>
-          </a:p>
-        </p:txBody>
-      </p:sp>
-      <p:pic>
-        <p:nvPicPr>
-          <p:cNvPr id="53" name="Graphic 52">
-            <a:extLst>
-              <a:ext uri="{FF2B5EF4-FFF2-40B4-BE49-F238E27FC236}">
-                <a16:creationId xmlns:a16="http://schemas.microsoft.com/office/drawing/2014/main" id="{CBB174BA-B130-0645-A6ED-903B7CE3CF56}"/>
-              </a:ext>
-            </a:extLst>
-          </p:cNvPr>
-          <p:cNvPicPr>
-            <a:picLocks noChangeAspect="1"/>
-          </p:cNvPicPr>
-          <p:nvPr/>
-        </p:nvPicPr>
-        <p:blipFill>
-          <a:blip r:embed="rId11">
-            <a:extLst>
-              <a:ext uri="{96DAC541-7B7A-43D3-8B79-37D633B846F1}">
-                <asvg:svgBlip xmlns:asvg="http://schemas.microsoft.com/office/drawing/2016/SVG/main" r:embed="rId12"/>
-              </a:ext>
-            </a:extLst>
-          </a:blip>
-          <a:stretch>
-            <a:fillRect/>
-          </a:stretch>
-        </p:blipFill>
-        <p:spPr>
-          <a:xfrm>
-            <a:off x="10383668" y="5858333"/>
-            <a:ext cx="3925438" cy="3925438"/>
-          </a:xfrm>
-          <a:prstGeom prst="rect">
-            <a:avLst/>
-          </a:prstGeom>
-        </p:spPr>
-      </p:pic>
       <p:grpSp>
         <p:nvGrpSpPr>
           <p:cNvPr id="6" name="Group 5">
@@ -4483,7 +3694,7 @@
         </p:nvGrpSpPr>
         <p:grpSpPr>
           <a:xfrm>
-            <a:off x="13890079" y="5612115"/>
+            <a:off x="12837253" y="5789022"/>
             <a:ext cx="1148104" cy="898320"/>
             <a:chOff x="12975475" y="4116437"/>
             <a:chExt cx="1148104" cy="898320"/>
@@ -4596,68 +3807,6 @@
           </p:txBody>
         </p:sp>
       </p:grpSp>
-      <p:sp>
-        <p:nvSpPr>
-          <p:cNvPr id="71" name="Right Arrow 70">
-            <a:extLst>
-              <a:ext uri="{FF2B5EF4-FFF2-40B4-BE49-F238E27FC236}">
-                <a16:creationId xmlns:a16="http://schemas.microsoft.com/office/drawing/2014/main" id="{75F9A897-D5B7-9F46-8110-C668075F1FBE}"/>
-              </a:ext>
-            </a:extLst>
-          </p:cNvPr>
-          <p:cNvSpPr/>
-          <p:nvPr/>
-        </p:nvSpPr>
-        <p:spPr>
-          <a:xfrm rot="5400000" flipV="1">
-            <a:off x="1653810" y="1452227"/>
-            <a:ext cx="646331" cy="393192"/>
-          </a:xfrm>
-          <a:prstGeom prst="rightArrow">
-            <a:avLst/>
-          </a:prstGeom>
-          <a:solidFill>
-            <a:schemeClr val="accent6">
-              <a:lumMod val="40000"/>
-              <a:lumOff val="60000"/>
-            </a:schemeClr>
-          </a:solidFill>
-          <a:ln>
-            <a:solidFill>
-              <a:srgbClr val="92D050"/>
-            </a:solidFill>
-          </a:ln>
-        </p:spPr>
-        <p:style>
-          <a:lnRef idx="2">
-            <a:schemeClr val="accent1">
-              <a:shade val="50000"/>
-            </a:schemeClr>
-          </a:lnRef>
-          <a:fillRef idx="1">
-            <a:schemeClr val="accent1"/>
-          </a:fillRef>
-          <a:effectRef idx="0">
-            <a:schemeClr val="accent1"/>
-          </a:effectRef>
-          <a:fontRef idx="minor">
-            <a:schemeClr val="lt1"/>
-          </a:fontRef>
-        </p:style>
-        <p:txBody>
-          <a:bodyPr rot="0" spcFirstLastPara="0" vertOverflow="overflow" horzOverflow="overflow" vert="horz" wrap="square" lIns="91440" tIns="45720" rIns="91440" bIns="45720" numCol="1" spcCol="0" rtlCol="0" fromWordArt="0" anchor="ctr" anchorCtr="0" forceAA="0" compatLnSpc="1">
-            <a:prstTxWarp prst="textNoShape">
-              <a:avLst/>
-            </a:prstTxWarp>
-            <a:noAutofit/>
-          </a:bodyPr>
-          <a:lstStyle/>
-          <a:p>
-            <a:pPr algn="ctr"/>
-            <a:endParaRPr lang="en-US"/>
-          </a:p>
-        </p:txBody>
-      </p:sp>
       <p:grpSp>
         <p:nvGrpSpPr>
           <p:cNvPr id="72" name="Group 71">
@@ -4672,7 +3821,7 @@
         </p:nvGrpSpPr>
         <p:grpSpPr>
           <a:xfrm>
-            <a:off x="13247596" y="4305610"/>
+            <a:off x="9761282" y="4982710"/>
             <a:ext cx="1362974" cy="1227483"/>
             <a:chOff x="11668312" y="9142886"/>
             <a:chExt cx="1481924" cy="1334609"/>
@@ -4746,7 +3895,7 @@
           </p:nvSpPr>
           <p:spPr>
             <a:xfrm>
-              <a:off x="11676482" y="9319770"/>
+              <a:off x="11676481" y="9319769"/>
               <a:ext cx="1450785" cy="1003912"/>
             </a:xfrm>
             <a:prstGeom prst="rect">
@@ -4775,440 +3924,6 @@
           </p:txBody>
         </p:sp>
       </p:grpSp>
-      <p:pic>
-        <p:nvPicPr>
-          <p:cNvPr id="19" name="Picture 18">
-            <a:extLst>
-              <a:ext uri="{FF2B5EF4-FFF2-40B4-BE49-F238E27FC236}">
-                <a16:creationId xmlns:a16="http://schemas.microsoft.com/office/drawing/2014/main" id="{32E7652B-857E-0542-B1EB-49A6AAAB82A1}"/>
-              </a:ext>
-            </a:extLst>
-          </p:cNvPr>
-          <p:cNvPicPr>
-            <a:picLocks noChangeAspect="1"/>
-          </p:cNvPicPr>
-          <p:nvPr/>
-        </p:nvPicPr>
-        <p:blipFill rotWithShape="1">
-          <a:blip r:embed="rId13"/>
-          <a:srcRect t="8072" r="60585" b="17934"/>
-          <a:stretch/>
-        </p:blipFill>
-        <p:spPr>
-          <a:xfrm>
-            <a:off x="4896218" y="763122"/>
-            <a:ext cx="518012" cy="1154930"/>
-          </a:xfrm>
-          <a:prstGeom prst="rect">
-            <a:avLst/>
-          </a:prstGeom>
-        </p:spPr>
-      </p:pic>
-      <p:pic>
-        <p:nvPicPr>
-          <p:cNvPr id="22" name="Picture 21">
-            <a:extLst>
-              <a:ext uri="{FF2B5EF4-FFF2-40B4-BE49-F238E27FC236}">
-                <a16:creationId xmlns:a16="http://schemas.microsoft.com/office/drawing/2014/main" id="{C12CE78E-0925-D74C-9D4F-90AC72E2CED6}"/>
-              </a:ext>
-            </a:extLst>
-          </p:cNvPr>
-          <p:cNvPicPr>
-            <a:picLocks noChangeAspect="1"/>
-          </p:cNvPicPr>
-          <p:nvPr/>
-        </p:nvPicPr>
-        <p:blipFill rotWithShape="1">
-          <a:blip r:embed="rId14"/>
-          <a:srcRect t="8072" r="60585" b="17934"/>
-          <a:stretch/>
-        </p:blipFill>
-        <p:spPr>
-          <a:xfrm>
-            <a:off x="5486856" y="-737"/>
-            <a:ext cx="606779" cy="1369173"/>
-          </a:xfrm>
-          <a:prstGeom prst="rect">
-            <a:avLst/>
-          </a:prstGeom>
-        </p:spPr>
-      </p:pic>
-      <p:pic>
-        <p:nvPicPr>
-          <p:cNvPr id="24" name="Picture 23">
-            <a:extLst>
-              <a:ext uri="{FF2B5EF4-FFF2-40B4-BE49-F238E27FC236}">
-                <a16:creationId xmlns:a16="http://schemas.microsoft.com/office/drawing/2014/main" id="{E84283E9-F427-A440-BD3E-1AC69D2413D2}"/>
-              </a:ext>
-            </a:extLst>
-          </p:cNvPr>
-          <p:cNvPicPr>
-            <a:picLocks noChangeAspect="1"/>
-          </p:cNvPicPr>
-          <p:nvPr/>
-        </p:nvPicPr>
-        <p:blipFill rotWithShape="1">
-          <a:blip r:embed="rId15"/>
-          <a:srcRect t="8072" r="60585" b="17934"/>
-          <a:stretch/>
-        </p:blipFill>
-        <p:spPr>
-          <a:xfrm>
-            <a:off x="6194561" y="26373"/>
-            <a:ext cx="511153" cy="1423388"/>
-          </a:xfrm>
-          <a:prstGeom prst="rect">
-            <a:avLst/>
-          </a:prstGeom>
-        </p:spPr>
-      </p:pic>
-      <p:pic>
-        <p:nvPicPr>
-          <p:cNvPr id="26" name="Picture 25">
-            <a:extLst>
-              <a:ext uri="{FF2B5EF4-FFF2-40B4-BE49-F238E27FC236}">
-                <a16:creationId xmlns:a16="http://schemas.microsoft.com/office/drawing/2014/main" id="{CF1CCEDF-3CA1-AE4E-80C5-7B79D7B6018C}"/>
-              </a:ext>
-            </a:extLst>
-          </p:cNvPr>
-          <p:cNvPicPr>
-            <a:picLocks noChangeAspect="1"/>
-          </p:cNvPicPr>
-          <p:nvPr/>
-        </p:nvPicPr>
-        <p:blipFill rotWithShape="1">
-          <a:blip r:embed="rId16"/>
-          <a:srcRect t="8072" r="60585" b="17934"/>
-          <a:stretch/>
-        </p:blipFill>
-        <p:spPr>
-          <a:xfrm>
-            <a:off x="7005918" y="167777"/>
-            <a:ext cx="606780" cy="1689675"/>
-          </a:xfrm>
-          <a:prstGeom prst="rect">
-            <a:avLst/>
-          </a:prstGeom>
-        </p:spPr>
-      </p:pic>
-      <p:pic>
-        <p:nvPicPr>
-          <p:cNvPr id="28" name="Picture 27">
-            <a:extLst>
-              <a:ext uri="{FF2B5EF4-FFF2-40B4-BE49-F238E27FC236}">
-                <a16:creationId xmlns:a16="http://schemas.microsoft.com/office/drawing/2014/main" id="{6A3AED99-0AD2-2949-AE68-4A3B88EE4113}"/>
-              </a:ext>
-            </a:extLst>
-          </p:cNvPr>
-          <p:cNvPicPr>
-            <a:picLocks noChangeAspect="1"/>
-          </p:cNvPicPr>
-          <p:nvPr/>
-        </p:nvPicPr>
-        <p:blipFill rotWithShape="1">
-          <a:blip r:embed="rId17"/>
-          <a:srcRect l="220" t="13022" r="46397" b="30463"/>
-          <a:stretch/>
-        </p:blipFill>
-        <p:spPr>
-          <a:xfrm>
-            <a:off x="4754472" y="2962945"/>
-            <a:ext cx="883578" cy="377873"/>
-          </a:xfrm>
-          <a:prstGeom prst="rect">
-            <a:avLst/>
-          </a:prstGeom>
-        </p:spPr>
-      </p:pic>
-      <p:pic>
-        <p:nvPicPr>
-          <p:cNvPr id="30" name="Picture 29">
-            <a:extLst>
-              <a:ext uri="{FF2B5EF4-FFF2-40B4-BE49-F238E27FC236}">
-                <a16:creationId xmlns:a16="http://schemas.microsoft.com/office/drawing/2014/main" id="{83E89ED8-DE92-F64A-BE15-6BC6D1E4E700}"/>
-              </a:ext>
-            </a:extLst>
-          </p:cNvPr>
-          <p:cNvPicPr>
-            <a:picLocks noChangeAspect="1"/>
-          </p:cNvPicPr>
-          <p:nvPr/>
-        </p:nvPicPr>
-        <p:blipFill rotWithShape="1">
-          <a:blip r:embed="rId18"/>
-          <a:srcRect l="31349" t="16187" r="45578" b="27268"/>
-          <a:stretch/>
-        </p:blipFill>
-        <p:spPr>
-          <a:xfrm>
-            <a:off x="4754472" y="428904"/>
-            <a:ext cx="445514" cy="427843"/>
-          </a:xfrm>
-          <a:prstGeom prst="rect">
-            <a:avLst/>
-          </a:prstGeom>
-        </p:spPr>
-      </p:pic>
-      <p:pic>
-        <p:nvPicPr>
-          <p:cNvPr id="98" name="Picture 97">
-            <a:extLst>
-              <a:ext uri="{FF2B5EF4-FFF2-40B4-BE49-F238E27FC236}">
-                <a16:creationId xmlns:a16="http://schemas.microsoft.com/office/drawing/2014/main" id="{D7567AE5-58D7-A04E-90CE-F7ADA3649C35}"/>
-              </a:ext>
-            </a:extLst>
-          </p:cNvPr>
-          <p:cNvPicPr>
-            <a:picLocks noChangeAspect="1"/>
-          </p:cNvPicPr>
-          <p:nvPr/>
-        </p:nvPicPr>
-        <p:blipFill rotWithShape="1">
-          <a:blip r:embed="rId19"/>
-          <a:srcRect l="5959" t="39310" r="60585" b="17934"/>
-          <a:stretch/>
-        </p:blipFill>
-        <p:spPr>
-          <a:xfrm>
-            <a:off x="6003656" y="2822842"/>
-            <a:ext cx="729573" cy="372749"/>
-          </a:xfrm>
-          <a:prstGeom prst="rect">
-            <a:avLst/>
-          </a:prstGeom>
-        </p:spPr>
-      </p:pic>
-      <p:pic>
-        <p:nvPicPr>
-          <p:cNvPr id="34" name="Picture 33">
-            <a:extLst>
-              <a:ext uri="{FF2B5EF4-FFF2-40B4-BE49-F238E27FC236}">
-                <a16:creationId xmlns:a16="http://schemas.microsoft.com/office/drawing/2014/main" id="{C3BDE60B-C306-0E44-B897-AB9BF8E70EF7}"/>
-              </a:ext>
-            </a:extLst>
-          </p:cNvPr>
-          <p:cNvPicPr>
-            <a:picLocks noChangeAspect="1"/>
-          </p:cNvPicPr>
-          <p:nvPr/>
-        </p:nvPicPr>
-        <p:blipFill rotWithShape="1">
-          <a:blip r:embed="rId20"/>
-          <a:srcRect t="9678" r="61676" b="16720"/>
-          <a:stretch/>
-        </p:blipFill>
-        <p:spPr>
-          <a:xfrm>
-            <a:off x="7912902" y="284441"/>
-            <a:ext cx="729572" cy="1346019"/>
-          </a:xfrm>
-          <a:prstGeom prst="rect">
-            <a:avLst/>
-          </a:prstGeom>
-        </p:spPr>
-      </p:pic>
-      <p:sp>
-        <p:nvSpPr>
-          <p:cNvPr id="35" name="TextBox 34">
-            <a:extLst>
-              <a:ext uri="{FF2B5EF4-FFF2-40B4-BE49-F238E27FC236}">
-                <a16:creationId xmlns:a16="http://schemas.microsoft.com/office/drawing/2014/main" id="{367DBC98-8C65-834B-9C35-46F8D1AE37FE}"/>
-              </a:ext>
-            </a:extLst>
-          </p:cNvPr>
-          <p:cNvSpPr txBox="1"/>
-          <p:nvPr/>
-        </p:nvSpPr>
-        <p:spPr>
-          <a:xfrm>
-            <a:off x="6630180" y="357398"/>
-            <a:ext cx="300082" cy="369332"/>
-          </a:xfrm>
-          <a:prstGeom prst="rect">
-            <a:avLst/>
-          </a:prstGeom>
-          <a:noFill/>
-        </p:spPr>
-        <p:txBody>
-          <a:bodyPr wrap="none" rtlCol="0">
-            <a:spAutoFit/>
-          </a:bodyPr>
-          <a:lstStyle/>
-          <a:p>
-            <a:r>
-              <a:rPr lang="en-US" dirty="0">
-                <a:solidFill>
-                  <a:srgbClr val="FF0000"/>
-                </a:solidFill>
-              </a:rPr>
-              <a:t>*</a:t>
-            </a:r>
-          </a:p>
-        </p:txBody>
-      </p:sp>
-      <p:sp>
-        <p:nvSpPr>
-          <p:cNvPr id="103" name="TextBox 102">
-            <a:extLst>
-              <a:ext uri="{FF2B5EF4-FFF2-40B4-BE49-F238E27FC236}">
-                <a16:creationId xmlns:a16="http://schemas.microsoft.com/office/drawing/2014/main" id="{A22B6965-4473-654F-A2C9-E5E627472495}"/>
-              </a:ext>
-            </a:extLst>
-          </p:cNvPr>
-          <p:cNvSpPr txBox="1"/>
-          <p:nvPr/>
-        </p:nvSpPr>
-        <p:spPr>
-          <a:xfrm>
-            <a:off x="4941918" y="230235"/>
-            <a:ext cx="300082" cy="369332"/>
-          </a:xfrm>
-          <a:prstGeom prst="rect">
-            <a:avLst/>
-          </a:prstGeom>
-          <a:noFill/>
-        </p:spPr>
-        <p:txBody>
-          <a:bodyPr wrap="none" rtlCol="0">
-            <a:spAutoFit/>
-          </a:bodyPr>
-          <a:lstStyle/>
-          <a:p>
-            <a:r>
-              <a:rPr lang="en-US" dirty="0">
-                <a:solidFill>
-                  <a:srgbClr val="FF0000"/>
-                </a:solidFill>
-              </a:rPr>
-              <a:t>*</a:t>
-            </a:r>
-          </a:p>
-        </p:txBody>
-      </p:sp>
-      <p:sp>
-        <p:nvSpPr>
-          <p:cNvPr id="104" name="TextBox 103">
-            <a:extLst>
-              <a:ext uri="{FF2B5EF4-FFF2-40B4-BE49-F238E27FC236}">
-                <a16:creationId xmlns:a16="http://schemas.microsoft.com/office/drawing/2014/main" id="{7523E8B4-5380-1347-ABD9-CDAF5BCE6856}"/>
-              </a:ext>
-            </a:extLst>
-          </p:cNvPr>
-          <p:cNvSpPr txBox="1"/>
-          <p:nvPr/>
-        </p:nvSpPr>
-        <p:spPr>
-          <a:xfrm>
-            <a:off x="7871245" y="1464158"/>
-            <a:ext cx="300082" cy="369332"/>
-          </a:xfrm>
-          <a:prstGeom prst="rect">
-            <a:avLst/>
-          </a:prstGeom>
-          <a:noFill/>
-        </p:spPr>
-        <p:txBody>
-          <a:bodyPr wrap="none" rtlCol="0">
-            <a:spAutoFit/>
-          </a:bodyPr>
-          <a:lstStyle/>
-          <a:p>
-            <a:r>
-              <a:rPr lang="en-US" dirty="0">
-                <a:solidFill>
-                  <a:srgbClr val="FF0000"/>
-                </a:solidFill>
-              </a:rPr>
-              <a:t>*</a:t>
-            </a:r>
-          </a:p>
-        </p:txBody>
-      </p:sp>
-      <p:sp>
-        <p:nvSpPr>
-          <p:cNvPr id="61" name="TextBox 60">
-            <a:extLst>
-              <a:ext uri="{FF2B5EF4-FFF2-40B4-BE49-F238E27FC236}">
-                <a16:creationId xmlns:a16="http://schemas.microsoft.com/office/drawing/2014/main" id="{7CABD093-2009-19AA-1BE0-F4CD72DEE50D}"/>
-              </a:ext>
-            </a:extLst>
-          </p:cNvPr>
-          <p:cNvSpPr txBox="1"/>
-          <p:nvPr/>
-        </p:nvSpPr>
-        <p:spPr>
-          <a:xfrm>
-            <a:off x="4497949" y="2390587"/>
-            <a:ext cx="4264462" cy="646331"/>
-          </a:xfrm>
-          <a:prstGeom prst="rect">
-            <a:avLst/>
-          </a:prstGeom>
-          <a:noFill/>
-        </p:spPr>
-        <p:txBody>
-          <a:bodyPr wrap="square" rtlCol="0">
-            <a:spAutoFit/>
-          </a:bodyPr>
-          <a:lstStyle/>
-          <a:p>
-            <a:pPr algn="ctr"/>
-            <a:r>
-              <a:rPr lang="en-US" dirty="0"/>
-              <a:t>2a) Match </a:t>
-            </a:r>
-            <a:r>
-              <a:rPr lang="en-US" b="1" dirty="0"/>
-              <a:t>processed taxon names</a:t>
-            </a:r>
-            <a:r>
-              <a:rPr lang="en-US" dirty="0"/>
-              <a:t> to chronogram database and identify (</a:t>
-            </a:r>
-            <a:r>
-              <a:rPr lang="en-US" dirty="0">
-                <a:solidFill>
-                  <a:srgbClr val="FF0000"/>
-                </a:solidFill>
-              </a:rPr>
-              <a:t>*</a:t>
-            </a:r>
-            <a:r>
-              <a:rPr lang="en-US" dirty="0"/>
-              <a:t>). </a:t>
-            </a:r>
-          </a:p>
-        </p:txBody>
-      </p:sp>
-      <p:pic>
-        <p:nvPicPr>
-          <p:cNvPr id="64" name="Picture 63">
-            <a:extLst>
-              <a:ext uri="{FF2B5EF4-FFF2-40B4-BE49-F238E27FC236}">
-                <a16:creationId xmlns:a16="http://schemas.microsoft.com/office/drawing/2014/main" id="{D6BDA928-65D3-AF38-C686-638A07A37197}"/>
-              </a:ext>
-            </a:extLst>
-          </p:cNvPr>
-          <p:cNvPicPr>
-            <a:picLocks noChangeAspect="1"/>
-          </p:cNvPicPr>
-          <p:nvPr/>
-        </p:nvPicPr>
-        <p:blipFill rotWithShape="1">
-          <a:blip r:embed="rId18"/>
-          <a:srcRect l="31349" t="16187" r="45578" b="27268"/>
-          <a:stretch/>
-        </p:blipFill>
-        <p:spPr>
-          <a:xfrm rot="10800000">
-            <a:off x="7064097" y="2873418"/>
-            <a:ext cx="445514" cy="427843"/>
-          </a:xfrm>
-          <a:prstGeom prst="rect">
-            <a:avLst/>
-          </a:prstGeom>
-        </p:spPr>
-      </p:pic>
       <p:sp>
         <p:nvSpPr>
           <p:cNvPr id="68" name="Right Arrow 67">
@@ -5223,7 +3938,7 @@
         </p:nvSpPr>
         <p:spPr>
           <a:xfrm rot="10800000" flipV="1">
-            <a:off x="9286399" y="8082289"/>
+            <a:off x="9008105" y="4531797"/>
             <a:ext cx="958778" cy="389958"/>
           </a:xfrm>
           <a:prstGeom prst="rightArrow">
@@ -5273,10 +3988,10 @@
       </p:sp>
       <p:sp>
         <p:nvSpPr>
-          <p:cNvPr id="69" name="Right Arrow 68">
+          <p:cNvPr id="92" name="Rounded Rectangle 91">
             <a:extLst>
               <a:ext uri="{FF2B5EF4-FFF2-40B4-BE49-F238E27FC236}">
-                <a16:creationId xmlns:a16="http://schemas.microsoft.com/office/drawing/2014/main" id="{344B9EFB-CE04-FF80-E4CD-4D664103EF7E}"/>
+                <a16:creationId xmlns:a16="http://schemas.microsoft.com/office/drawing/2014/main" id="{DBD58E98-B968-FDD2-8865-AD324E27D279}"/>
               </a:ext>
             </a:extLst>
           </p:cNvPr>
@@ -5284,20 +3999,17 @@
           <p:nvPr/>
         </p:nvSpPr>
         <p:spPr>
-          <a:xfrm flipV="1">
-            <a:off x="8898554" y="2548429"/>
-            <a:ext cx="958778" cy="389958"/>
-          </a:xfrm>
-          <a:prstGeom prst="rightArrow">
+          <a:xfrm>
+            <a:off x="10112391" y="3988626"/>
+            <a:ext cx="4481690" cy="414059"/>
+          </a:xfrm>
+          <a:prstGeom prst="roundRect">
             <a:avLst/>
           </a:prstGeom>
           <a:solidFill>
-            <a:schemeClr val="accent6">
-              <a:lumMod val="40000"/>
-              <a:lumOff val="60000"/>
-            </a:schemeClr>
+            <a:schemeClr val="bg1"/>
           </a:solidFill>
-          <a:ln>
+          <a:ln w="38100">
             <a:solidFill>
               <a:srgbClr val="92D050"/>
             </a:solidFill>
@@ -5333,12 +4045,693 @@
           </a:p>
         </p:txBody>
       </p:sp>
+      <p:sp>
+        <p:nvSpPr>
+          <p:cNvPr id="93" name="TextBox 92">
+            <a:extLst>
+              <a:ext uri="{FF2B5EF4-FFF2-40B4-BE49-F238E27FC236}">
+                <a16:creationId xmlns:a16="http://schemas.microsoft.com/office/drawing/2014/main" id="{D019AA0B-EF8E-0DF3-3F3A-E57804BB23C9}"/>
+              </a:ext>
+            </a:extLst>
+          </p:cNvPr>
+          <p:cNvSpPr txBox="1"/>
+          <p:nvPr/>
+        </p:nvSpPr>
+        <p:spPr>
+          <a:xfrm>
+            <a:off x="10082930" y="3976490"/>
+            <a:ext cx="4433713" cy="400110"/>
+          </a:xfrm>
+          <a:prstGeom prst="rect">
+            <a:avLst/>
+          </a:prstGeom>
+          <a:noFill/>
+        </p:spPr>
+        <p:txBody>
+          <a:bodyPr wrap="none" rtlCol="0">
+            <a:spAutoFit/>
+          </a:bodyPr>
+          <a:lstStyle/>
+          <a:p>
+            <a:pPr algn="ctr"/>
+            <a:r>
+              <a:rPr lang="en-US" sz="2000" b="1" dirty="0"/>
+              <a:t>3. Summarizing </a:t>
+            </a:r>
+            <a:r>
+              <a:rPr lang="en-US" sz="2000" b="1" dirty="0" err="1"/>
+              <a:t>DateLife’s</a:t>
+            </a:r>
+            <a:r>
+              <a:rPr lang="en-US" sz="2000" b="1" dirty="0"/>
+              <a:t> search results</a:t>
+            </a:r>
+          </a:p>
+        </p:txBody>
+      </p:sp>
+      <p:sp>
+        <p:nvSpPr>
+          <p:cNvPr id="119" name="TextBox 118">
+            <a:extLst>
+              <a:ext uri="{FF2B5EF4-FFF2-40B4-BE49-F238E27FC236}">
+                <a16:creationId xmlns:a16="http://schemas.microsoft.com/office/drawing/2014/main" id="{29413002-8637-6B49-9BC9-E20CAE816881}"/>
+              </a:ext>
+            </a:extLst>
+          </p:cNvPr>
+          <p:cNvSpPr txBox="1"/>
+          <p:nvPr/>
+        </p:nvSpPr>
+        <p:spPr>
+          <a:xfrm>
+            <a:off x="138211" y="1292100"/>
+            <a:ext cx="3878935" cy="523220"/>
+          </a:xfrm>
+          <a:prstGeom prst="rect">
+            <a:avLst/>
+          </a:prstGeom>
+          <a:noFill/>
+        </p:spPr>
+        <p:txBody>
+          <a:bodyPr wrap="square" rtlCol="0">
+            <a:spAutoFit/>
+          </a:bodyPr>
+          <a:lstStyle/>
+          <a:p>
+            <a:pPr algn="ctr"/>
+            <a:r>
+              <a:rPr lang="en-US" sz="2800" b="1" i="1" dirty="0"/>
+              <a:t>a, B</a:t>
+            </a:r>
+            <a:r>
+              <a:rPr lang="en-US" sz="2800" b="1" i="1" baseline="-25000" dirty="0"/>
+              <a:t>1 </a:t>
+            </a:r>
+            <a:r>
+              <a:rPr lang="en-US" sz="2800" b="1" i="1" dirty="0"/>
+              <a:t>, C,  D,  </a:t>
+            </a:r>
+            <a:r>
+              <a:rPr lang="en-US" sz="2800" b="1" i="1" dirty="0" err="1"/>
+              <a:t>Ee</a:t>
+            </a:r>
+            <a:r>
+              <a:rPr lang="en-US" sz="2800" b="1" i="1" dirty="0"/>
+              <a:t>,  </a:t>
+            </a:r>
+            <a:r>
+              <a:rPr lang="en-US" sz="2800" b="1" i="1" dirty="0" err="1"/>
+              <a:t>F</a:t>
+            </a:r>
+            <a:r>
+              <a:rPr lang="en-US" sz="2800" b="1" i="1" baseline="-25000" dirty="0" err="1"/>
+              <a:t>x</a:t>
+            </a:r>
+            <a:endParaRPr lang="en-US" sz="2800" b="1" i="1" baseline="-25000" dirty="0"/>
+          </a:p>
+        </p:txBody>
+      </p:sp>
+      <p:sp>
+        <p:nvSpPr>
+          <p:cNvPr id="126" name="TextBox 125">
+            <a:extLst>
+              <a:ext uri="{FF2B5EF4-FFF2-40B4-BE49-F238E27FC236}">
+                <a16:creationId xmlns:a16="http://schemas.microsoft.com/office/drawing/2014/main" id="{CC43384F-D18F-8948-8D26-D0FDB4A6F9F5}"/>
+              </a:ext>
+            </a:extLst>
+          </p:cNvPr>
+          <p:cNvSpPr txBox="1"/>
+          <p:nvPr/>
+        </p:nvSpPr>
+        <p:spPr>
+          <a:xfrm>
+            <a:off x="181547" y="2760690"/>
+            <a:ext cx="3853372" cy="646331"/>
+          </a:xfrm>
+          <a:prstGeom prst="rect">
+            <a:avLst/>
+          </a:prstGeom>
+          <a:noFill/>
+        </p:spPr>
+        <p:txBody>
+          <a:bodyPr wrap="square" rtlCol="0">
+            <a:spAutoFit/>
+          </a:bodyPr>
+          <a:lstStyle/>
+          <a:p>
+            <a:pPr algn="ctr"/>
+            <a:r>
+              <a:rPr lang="en-US" dirty="0"/>
+              <a:t>1b) Process taxon names with </a:t>
+            </a:r>
+            <a:r>
+              <a:rPr lang="en-US" b="1" dirty="0"/>
+              <a:t>TNRS</a:t>
+            </a:r>
+            <a:r>
+              <a:rPr lang="en-US" dirty="0"/>
+              <a:t> and </a:t>
+            </a:r>
+            <a:r>
+              <a:rPr lang="en-US" b="1" dirty="0" err="1"/>
+              <a:t>standardizE</a:t>
+            </a:r>
+            <a:r>
+              <a:rPr lang="en-US" dirty="0"/>
+              <a:t> to a taxonomy.</a:t>
+            </a:r>
+          </a:p>
+        </p:txBody>
+      </p:sp>
+      <p:grpSp>
+        <p:nvGrpSpPr>
+          <p:cNvPr id="134" name="Group 133">
+            <a:extLst>
+              <a:ext uri="{FF2B5EF4-FFF2-40B4-BE49-F238E27FC236}">
+                <a16:creationId xmlns:a16="http://schemas.microsoft.com/office/drawing/2014/main" id="{AE709E57-87A7-8746-BDED-FE896E621DEC}"/>
+              </a:ext>
+            </a:extLst>
+          </p:cNvPr>
+          <p:cNvGrpSpPr/>
+          <p:nvPr/>
+        </p:nvGrpSpPr>
+        <p:grpSpPr>
+          <a:xfrm>
+            <a:off x="9995202" y="1557697"/>
+            <a:ext cx="2145091" cy="1691640"/>
+            <a:chOff x="347050" y="4140009"/>
+            <a:chExt cx="2145091" cy="1691640"/>
+          </a:xfrm>
+        </p:grpSpPr>
+        <p:sp>
+          <p:nvSpPr>
+            <p:cNvPr id="135" name="Rounded Rectangle 134">
+              <a:extLst>
+                <a:ext uri="{FF2B5EF4-FFF2-40B4-BE49-F238E27FC236}">
+                  <a16:creationId xmlns:a16="http://schemas.microsoft.com/office/drawing/2014/main" id="{D8549988-4248-B648-80CE-CD62D9C40C3E}"/>
+                </a:ext>
+              </a:extLst>
+            </p:cNvPr>
+            <p:cNvSpPr/>
+            <p:nvPr/>
+          </p:nvSpPr>
+          <p:spPr>
+            <a:xfrm>
+              <a:off x="347050" y="4140009"/>
+              <a:ext cx="2128684" cy="1691640"/>
+            </a:xfrm>
+            <a:prstGeom prst="roundRect">
+              <a:avLst/>
+            </a:prstGeom>
+            <a:solidFill>
+              <a:srgbClr val="456CE3">
+                <a:alpha val="69804"/>
+              </a:srgbClr>
+            </a:solidFill>
+          </p:spPr>
+          <p:style>
+            <a:lnRef idx="2">
+              <a:schemeClr val="accent1">
+                <a:shade val="50000"/>
+              </a:schemeClr>
+            </a:lnRef>
+            <a:fillRef idx="1">
+              <a:schemeClr val="accent1"/>
+            </a:fillRef>
+            <a:effectRef idx="0">
+              <a:schemeClr val="accent1"/>
+            </a:effectRef>
+            <a:fontRef idx="minor">
+              <a:schemeClr val="lt1"/>
+            </a:fontRef>
+          </p:style>
+          <p:txBody>
+            <a:bodyPr rot="0" spcFirstLastPara="0" vertOverflow="overflow" horzOverflow="overflow" vert="horz" wrap="square" lIns="91440" tIns="45720" rIns="91440" bIns="45720" numCol="1" spcCol="0" rtlCol="0" fromWordArt="0" anchor="ctr" anchorCtr="0" forceAA="0" compatLnSpc="1">
+              <a:prstTxWarp prst="textNoShape">
+                <a:avLst/>
+              </a:prstTxWarp>
+              <a:noAutofit/>
+            </a:bodyPr>
+            <a:lstStyle/>
+            <a:p>
+              <a:pPr algn="ctr"/>
+              <a:endParaRPr lang="en-US" dirty="0"/>
+            </a:p>
+          </p:txBody>
+        </p:sp>
+        <p:pic>
+          <p:nvPicPr>
+            <p:cNvPr id="136" name="Picture 135">
+              <a:extLst>
+                <a:ext uri="{FF2B5EF4-FFF2-40B4-BE49-F238E27FC236}">
+                  <a16:creationId xmlns:a16="http://schemas.microsoft.com/office/drawing/2014/main" id="{83F8F78E-7FBF-4547-94EE-B9D2766E2B43}"/>
+                </a:ext>
+              </a:extLst>
+            </p:cNvPr>
+            <p:cNvPicPr>
+              <a:picLocks noChangeAspect="1"/>
+            </p:cNvPicPr>
+            <p:nvPr/>
+          </p:nvPicPr>
+          <p:blipFill>
+            <a:blip r:embed="rId10"/>
+            <a:stretch>
+              <a:fillRect/>
+            </a:stretch>
+          </p:blipFill>
+          <p:spPr>
+            <a:xfrm>
+              <a:off x="434741" y="4269374"/>
+              <a:ext cx="2057400" cy="1428750"/>
+            </a:xfrm>
+            <a:prstGeom prst="rect">
+              <a:avLst/>
+            </a:prstGeom>
+          </p:spPr>
+        </p:pic>
+      </p:grpSp>
+      <p:sp>
+        <p:nvSpPr>
+          <p:cNvPr id="142" name="TextBox 141">
+            <a:extLst>
+              <a:ext uri="{FF2B5EF4-FFF2-40B4-BE49-F238E27FC236}">
+                <a16:creationId xmlns:a16="http://schemas.microsoft.com/office/drawing/2014/main" id="{E1F9AEA3-5120-D64B-9A13-430AA9AAD530}"/>
+              </a:ext>
+            </a:extLst>
+          </p:cNvPr>
+          <p:cNvSpPr txBox="1"/>
+          <p:nvPr/>
+        </p:nvSpPr>
+        <p:spPr>
+          <a:xfrm>
+            <a:off x="151568" y="2411276"/>
+            <a:ext cx="3898621" cy="523220"/>
+          </a:xfrm>
+          <a:prstGeom prst="rect">
+            <a:avLst/>
+          </a:prstGeom>
+          <a:noFill/>
+        </p:spPr>
+        <p:txBody>
+          <a:bodyPr wrap="square" rtlCol="0">
+            <a:spAutoFit/>
+          </a:bodyPr>
+          <a:lstStyle/>
+          <a:p>
+            <a:pPr algn="ctr"/>
+            <a:r>
+              <a:rPr lang="en-US" sz="2800" b="1" i="1" dirty="0"/>
+              <a:t>A   B  C   D   E   F</a:t>
+            </a:r>
+          </a:p>
+        </p:txBody>
+      </p:sp>
+      <p:sp>
+        <p:nvSpPr>
+          <p:cNvPr id="157" name="TextBox 156">
+            <a:extLst>
+              <a:ext uri="{FF2B5EF4-FFF2-40B4-BE49-F238E27FC236}">
+                <a16:creationId xmlns:a16="http://schemas.microsoft.com/office/drawing/2014/main" id="{69803FA4-C060-3640-AE0A-B5EB185D5CB9}"/>
+              </a:ext>
+            </a:extLst>
+          </p:cNvPr>
+          <p:cNvSpPr txBox="1"/>
+          <p:nvPr/>
+        </p:nvSpPr>
+        <p:spPr>
+          <a:xfrm>
+            <a:off x="4475" y="619041"/>
+            <a:ext cx="4024328" cy="646331"/>
+          </a:xfrm>
+          <a:prstGeom prst="rect">
+            <a:avLst/>
+          </a:prstGeom>
+          <a:noFill/>
+        </p:spPr>
+        <p:txBody>
+          <a:bodyPr wrap="square" rtlCol="0">
+            <a:spAutoFit/>
+          </a:bodyPr>
+          <a:lstStyle/>
+          <a:p>
+            <a:pPr algn="ctr"/>
+            <a:r>
+              <a:rPr lang="en-US" dirty="0"/>
+              <a:t>1a) User provides a list of </a:t>
+            </a:r>
+            <a:r>
+              <a:rPr lang="en-US" b="1" dirty="0"/>
+              <a:t>taxon names</a:t>
+            </a:r>
+            <a:r>
+              <a:rPr lang="en-US" dirty="0"/>
+              <a:t>, as a character string or as a tree.</a:t>
+            </a:r>
+          </a:p>
+        </p:txBody>
+      </p:sp>
+      <p:sp>
+        <p:nvSpPr>
+          <p:cNvPr id="41" name="Right Arrow 40">
+            <a:extLst>
+              <a:ext uri="{FF2B5EF4-FFF2-40B4-BE49-F238E27FC236}">
+                <a16:creationId xmlns:a16="http://schemas.microsoft.com/office/drawing/2014/main" id="{DFCDBECB-F7D8-C74D-AE89-8D7C4EDD78BC}"/>
+              </a:ext>
+            </a:extLst>
+          </p:cNvPr>
+          <p:cNvSpPr/>
+          <p:nvPr/>
+        </p:nvSpPr>
+        <p:spPr>
+          <a:xfrm>
+            <a:off x="4167070" y="1325658"/>
+            <a:ext cx="613919" cy="722643"/>
+          </a:xfrm>
+          <a:prstGeom prst="rightArrow">
+            <a:avLst/>
+          </a:prstGeom>
+          <a:solidFill>
+            <a:srgbClr val="92D050"/>
+          </a:solidFill>
+          <a:ln>
+            <a:solidFill>
+              <a:srgbClr val="92D050"/>
+            </a:solidFill>
+          </a:ln>
+        </p:spPr>
+        <p:style>
+          <a:lnRef idx="2">
+            <a:schemeClr val="accent1">
+              <a:shade val="50000"/>
+            </a:schemeClr>
+          </a:lnRef>
+          <a:fillRef idx="1">
+            <a:schemeClr val="accent1"/>
+          </a:fillRef>
+          <a:effectRef idx="0">
+            <a:schemeClr val="accent1"/>
+          </a:effectRef>
+          <a:fontRef idx="minor">
+            <a:schemeClr val="lt1"/>
+          </a:fontRef>
+        </p:style>
+        <p:txBody>
+          <a:bodyPr rot="0" spcFirstLastPara="0" vertOverflow="overflow" horzOverflow="overflow" vert="horz" wrap="square" lIns="91440" tIns="45720" rIns="91440" bIns="45720" numCol="1" spcCol="0" rtlCol="0" fromWordArt="0" anchor="ctr" anchorCtr="0" forceAA="0" compatLnSpc="1">
+            <a:prstTxWarp prst="textNoShape">
+              <a:avLst/>
+            </a:prstTxWarp>
+            <a:noAutofit/>
+          </a:bodyPr>
+          <a:lstStyle/>
+          <a:p>
+            <a:pPr algn="ctr"/>
+            <a:endParaRPr lang="en-US"/>
+          </a:p>
+        </p:txBody>
+      </p:sp>
+      <p:sp>
+        <p:nvSpPr>
+          <p:cNvPr id="49" name="Rounded Rectangle 48">
+            <a:extLst>
+              <a:ext uri="{FF2B5EF4-FFF2-40B4-BE49-F238E27FC236}">
+                <a16:creationId xmlns:a16="http://schemas.microsoft.com/office/drawing/2014/main" id="{56623323-5AFA-0840-A232-8400F1FBBC9D}"/>
+              </a:ext>
+            </a:extLst>
+          </p:cNvPr>
+          <p:cNvSpPr/>
+          <p:nvPr/>
+        </p:nvSpPr>
+        <p:spPr>
+          <a:xfrm>
+            <a:off x="28889" y="36098"/>
+            <a:ext cx="4039079" cy="3399647"/>
+          </a:xfrm>
+          <a:prstGeom prst="roundRect">
+            <a:avLst/>
+          </a:prstGeom>
+          <a:noFill/>
+          <a:ln w="38100">
+            <a:solidFill>
+              <a:srgbClr val="92D050"/>
+            </a:solidFill>
+          </a:ln>
+        </p:spPr>
+        <p:style>
+          <a:lnRef idx="2">
+            <a:schemeClr val="accent1">
+              <a:shade val="50000"/>
+            </a:schemeClr>
+          </a:lnRef>
+          <a:fillRef idx="1">
+            <a:schemeClr val="accent1"/>
+          </a:fillRef>
+          <a:effectRef idx="0">
+            <a:schemeClr val="accent1"/>
+          </a:effectRef>
+          <a:fontRef idx="minor">
+            <a:schemeClr val="lt1"/>
+          </a:fontRef>
+        </p:style>
+        <p:txBody>
+          <a:bodyPr rot="0" spcFirstLastPara="0" vertOverflow="overflow" horzOverflow="overflow" vert="horz" wrap="square" lIns="91440" tIns="45720" rIns="91440" bIns="45720" numCol="1" spcCol="0" rtlCol="0" fromWordArt="0" anchor="ctr" anchorCtr="0" forceAA="0" compatLnSpc="1">
+            <a:prstTxWarp prst="textNoShape">
+              <a:avLst/>
+            </a:prstTxWarp>
+            <a:noAutofit/>
+          </a:bodyPr>
+          <a:lstStyle/>
+          <a:p>
+            <a:pPr algn="ctr"/>
+            <a:endParaRPr lang="en-US"/>
+          </a:p>
+        </p:txBody>
+      </p:sp>
+      <p:sp>
+        <p:nvSpPr>
+          <p:cNvPr id="51" name="TextBox 50">
+            <a:extLst>
+              <a:ext uri="{FF2B5EF4-FFF2-40B4-BE49-F238E27FC236}">
+                <a16:creationId xmlns:a16="http://schemas.microsoft.com/office/drawing/2014/main" id="{E51426A1-0692-484A-9BA0-880D455CEDDD}"/>
+              </a:ext>
+            </a:extLst>
+          </p:cNvPr>
+          <p:cNvSpPr txBox="1"/>
+          <p:nvPr/>
+        </p:nvSpPr>
+        <p:spPr>
+          <a:xfrm>
+            <a:off x="9895341" y="336593"/>
+            <a:ext cx="2513070" cy="923330"/>
+          </a:xfrm>
+          <a:prstGeom prst="rect">
+            <a:avLst/>
+          </a:prstGeom>
+          <a:noFill/>
+        </p:spPr>
+        <p:txBody>
+          <a:bodyPr wrap="square" rtlCol="0">
+            <a:spAutoFit/>
+          </a:bodyPr>
+          <a:lstStyle/>
+          <a:p>
+            <a:r>
+              <a:rPr lang="en-US" dirty="0"/>
+              <a:t>2b) Prune matching chronograms and save as </a:t>
+            </a:r>
+            <a:r>
+              <a:rPr lang="en-US" b="1" dirty="0"/>
+              <a:t>source chronograms</a:t>
+            </a:r>
+            <a:r>
+              <a:rPr lang="en-US" dirty="0"/>
+              <a:t>.</a:t>
+            </a:r>
+          </a:p>
+        </p:txBody>
+      </p:sp>
+      <p:sp>
+        <p:nvSpPr>
+          <p:cNvPr id="59" name="Right Arrow 58">
+            <a:extLst>
+              <a:ext uri="{FF2B5EF4-FFF2-40B4-BE49-F238E27FC236}">
+                <a16:creationId xmlns:a16="http://schemas.microsoft.com/office/drawing/2014/main" id="{4FAA0A27-5D81-2A4B-8E4E-EB71A5ED4E14}"/>
+              </a:ext>
+            </a:extLst>
+          </p:cNvPr>
+          <p:cNvSpPr/>
+          <p:nvPr/>
+        </p:nvSpPr>
+        <p:spPr>
+          <a:xfrm rot="5400000" flipV="1">
+            <a:off x="11728720" y="3347152"/>
+            <a:ext cx="425509" cy="716625"/>
+          </a:xfrm>
+          <a:prstGeom prst="rightArrow">
+            <a:avLst/>
+          </a:prstGeom>
+          <a:solidFill>
+            <a:srgbClr val="92D050"/>
+          </a:solidFill>
+          <a:ln>
+            <a:solidFill>
+              <a:srgbClr val="92D050"/>
+            </a:solidFill>
+          </a:ln>
+        </p:spPr>
+        <p:style>
+          <a:lnRef idx="2">
+            <a:schemeClr val="accent1">
+              <a:shade val="50000"/>
+            </a:schemeClr>
+          </a:lnRef>
+          <a:fillRef idx="1">
+            <a:schemeClr val="accent1"/>
+          </a:fillRef>
+          <a:effectRef idx="0">
+            <a:schemeClr val="accent1"/>
+          </a:effectRef>
+          <a:fontRef idx="minor">
+            <a:schemeClr val="lt1"/>
+          </a:fontRef>
+        </p:style>
+        <p:txBody>
+          <a:bodyPr rot="0" spcFirstLastPara="0" vertOverflow="overflow" horzOverflow="overflow" vert="horz" wrap="square" lIns="91440" tIns="45720" rIns="91440" bIns="45720" numCol="1" spcCol="0" rtlCol="0" fromWordArt="0" anchor="ctr" anchorCtr="0" forceAA="0" compatLnSpc="1">
+            <a:prstTxWarp prst="textNoShape">
+              <a:avLst/>
+            </a:prstTxWarp>
+            <a:noAutofit/>
+          </a:bodyPr>
+          <a:lstStyle/>
+          <a:p>
+            <a:pPr algn="ctr"/>
+            <a:endParaRPr lang="en-US"/>
+          </a:p>
+        </p:txBody>
+      </p:sp>
+      <p:sp>
+        <p:nvSpPr>
+          <p:cNvPr id="63" name="Rounded Rectangle 62">
+            <a:extLst>
+              <a:ext uri="{FF2B5EF4-FFF2-40B4-BE49-F238E27FC236}">
+                <a16:creationId xmlns:a16="http://schemas.microsoft.com/office/drawing/2014/main" id="{FB327606-7CB4-0446-A67D-583D602C64AD}"/>
+              </a:ext>
+            </a:extLst>
+          </p:cNvPr>
+          <p:cNvSpPr/>
+          <p:nvPr/>
+        </p:nvSpPr>
+        <p:spPr>
+          <a:xfrm>
+            <a:off x="4888551" y="36098"/>
+            <a:ext cx="9745462" cy="3399647"/>
+          </a:xfrm>
+          <a:prstGeom prst="roundRect">
+            <a:avLst/>
+          </a:prstGeom>
+          <a:noFill/>
+          <a:ln w="38100">
+            <a:solidFill>
+              <a:srgbClr val="92D050"/>
+            </a:solidFill>
+          </a:ln>
+        </p:spPr>
+        <p:style>
+          <a:lnRef idx="2">
+            <a:schemeClr val="accent1">
+              <a:shade val="50000"/>
+            </a:schemeClr>
+          </a:lnRef>
+          <a:fillRef idx="1">
+            <a:schemeClr val="accent1"/>
+          </a:fillRef>
+          <a:effectRef idx="0">
+            <a:schemeClr val="accent1"/>
+          </a:effectRef>
+          <a:fontRef idx="minor">
+            <a:schemeClr val="lt1"/>
+          </a:fontRef>
+        </p:style>
+        <p:txBody>
+          <a:bodyPr rot="0" spcFirstLastPara="0" vertOverflow="overflow" horzOverflow="overflow" vert="horz" wrap="square" lIns="91440" tIns="45720" rIns="91440" bIns="45720" numCol="1" spcCol="0" rtlCol="0" fromWordArt="0" anchor="ctr" anchorCtr="0" forceAA="0" compatLnSpc="1">
+            <a:prstTxWarp prst="textNoShape">
+              <a:avLst/>
+            </a:prstTxWarp>
+            <a:noAutofit/>
+          </a:bodyPr>
+          <a:lstStyle/>
+          <a:p>
+            <a:pPr algn="ctr"/>
+            <a:endParaRPr lang="en-US"/>
+          </a:p>
+        </p:txBody>
+      </p:sp>
+      <p:sp>
+        <p:nvSpPr>
+          <p:cNvPr id="71" name="Right Arrow 70">
+            <a:extLst>
+              <a:ext uri="{FF2B5EF4-FFF2-40B4-BE49-F238E27FC236}">
+                <a16:creationId xmlns:a16="http://schemas.microsoft.com/office/drawing/2014/main" id="{75F9A897-D5B7-9F46-8110-C668075F1FBE}"/>
+              </a:ext>
+            </a:extLst>
+          </p:cNvPr>
+          <p:cNvSpPr/>
+          <p:nvPr/>
+        </p:nvSpPr>
+        <p:spPr>
+          <a:xfrm rot="5400000" flipV="1">
+            <a:off x="1784416" y="1886971"/>
+            <a:ext cx="646331" cy="393192"/>
+          </a:xfrm>
+          <a:prstGeom prst="rightArrow">
+            <a:avLst/>
+          </a:prstGeom>
+          <a:solidFill>
+            <a:schemeClr val="accent6">
+              <a:lumMod val="40000"/>
+              <a:lumOff val="60000"/>
+            </a:schemeClr>
+          </a:solidFill>
+          <a:ln>
+            <a:solidFill>
+              <a:srgbClr val="92D050"/>
+            </a:solidFill>
+          </a:ln>
+        </p:spPr>
+        <p:style>
+          <a:lnRef idx="2">
+            <a:schemeClr val="accent1">
+              <a:shade val="50000"/>
+            </a:schemeClr>
+          </a:lnRef>
+          <a:fillRef idx="1">
+            <a:schemeClr val="accent1"/>
+          </a:fillRef>
+          <a:effectRef idx="0">
+            <a:schemeClr val="accent1"/>
+          </a:effectRef>
+          <a:fontRef idx="minor">
+            <a:schemeClr val="lt1"/>
+          </a:fontRef>
+        </p:style>
+        <p:txBody>
+          <a:bodyPr rot="0" spcFirstLastPara="0" vertOverflow="overflow" horzOverflow="overflow" vert="horz" wrap="square" lIns="91440" tIns="45720" rIns="91440" bIns="45720" numCol="1" spcCol="0" rtlCol="0" fromWordArt="0" anchor="ctr" anchorCtr="0" forceAA="0" compatLnSpc="1">
+            <a:prstTxWarp prst="textNoShape">
+              <a:avLst/>
+            </a:prstTxWarp>
+            <a:noAutofit/>
+          </a:bodyPr>
+          <a:lstStyle/>
+          <a:p>
+            <a:pPr algn="ctr"/>
+            <a:endParaRPr lang="en-US"/>
+          </a:p>
+        </p:txBody>
+      </p:sp>
       <p:pic>
         <p:nvPicPr>
-          <p:cNvPr id="65" name="Picture 64">
+          <p:cNvPr id="28" name="Picture 27">
             <a:extLst>
               <a:ext uri="{FF2B5EF4-FFF2-40B4-BE49-F238E27FC236}">
-                <a16:creationId xmlns:a16="http://schemas.microsoft.com/office/drawing/2014/main" id="{BEDF891B-16DC-00D3-00B7-6D88FDC9D679}"/>
+                <a16:creationId xmlns:a16="http://schemas.microsoft.com/office/drawing/2014/main" id="{6A3AED99-0AD2-2949-AE68-4A3B88EE4113}"/>
               </a:ext>
             </a:extLst>
           </p:cNvPr>
@@ -5348,13 +4741,407 @@
           <p:nvPr/>
         </p:nvPicPr>
         <p:blipFill rotWithShape="1">
-          <a:blip r:embed="rId19"/>
+          <a:blip r:embed="rId11"/>
+          <a:srcRect l="220" t="13022" r="46397" b="30463"/>
+          <a:stretch/>
+        </p:blipFill>
+        <p:spPr>
+          <a:xfrm>
+            <a:off x="8902371" y="1432208"/>
+            <a:ext cx="883578" cy="377873"/>
+          </a:xfrm>
+          <a:prstGeom prst="rect">
+            <a:avLst/>
+          </a:prstGeom>
+        </p:spPr>
+      </p:pic>
+      <p:sp>
+        <p:nvSpPr>
+          <p:cNvPr id="61" name="TextBox 60">
+            <a:extLst>
+              <a:ext uri="{FF2B5EF4-FFF2-40B4-BE49-F238E27FC236}">
+                <a16:creationId xmlns:a16="http://schemas.microsoft.com/office/drawing/2014/main" id="{7CABD093-2009-19AA-1BE0-F4CD72DEE50D}"/>
+              </a:ext>
+            </a:extLst>
+          </p:cNvPr>
+          <p:cNvSpPr txBox="1"/>
+          <p:nvPr/>
+        </p:nvSpPr>
+        <p:spPr>
+          <a:xfrm>
+            <a:off x="4931525" y="589376"/>
+            <a:ext cx="4749312" cy="646331"/>
+          </a:xfrm>
+          <a:prstGeom prst="rect">
+            <a:avLst/>
+          </a:prstGeom>
+          <a:noFill/>
+        </p:spPr>
+        <p:txBody>
+          <a:bodyPr wrap="square" rtlCol="0">
+            <a:spAutoFit/>
+          </a:bodyPr>
+          <a:lstStyle/>
+          <a:p>
+            <a:r>
+              <a:rPr lang="en-US" dirty="0"/>
+              <a:t>2a) Match </a:t>
+            </a:r>
+            <a:r>
+              <a:rPr lang="en-US" b="1" dirty="0"/>
+              <a:t>processed taxon names</a:t>
+            </a:r>
+            <a:r>
+              <a:rPr lang="en-US" dirty="0"/>
+              <a:t> to chronogram database and identify (</a:t>
+            </a:r>
+            <a:r>
+              <a:rPr lang="en-US" dirty="0">
+                <a:solidFill>
+                  <a:srgbClr val="FF0000"/>
+                </a:solidFill>
+              </a:rPr>
+              <a:t>*</a:t>
+            </a:r>
+            <a:r>
+              <a:rPr lang="en-US" dirty="0"/>
+              <a:t>). </a:t>
+            </a:r>
+          </a:p>
+        </p:txBody>
+      </p:sp>
+      <p:sp>
+        <p:nvSpPr>
+          <p:cNvPr id="69" name="Right Arrow 68">
+            <a:extLst>
+              <a:ext uri="{FF2B5EF4-FFF2-40B4-BE49-F238E27FC236}">
+                <a16:creationId xmlns:a16="http://schemas.microsoft.com/office/drawing/2014/main" id="{344B9EFB-CE04-FF80-E4CD-4D664103EF7E}"/>
+              </a:ext>
+            </a:extLst>
+          </p:cNvPr>
+          <p:cNvSpPr/>
+          <p:nvPr/>
+        </p:nvSpPr>
+        <p:spPr>
+          <a:xfrm flipV="1">
+            <a:off x="8902371" y="735178"/>
+            <a:ext cx="958778" cy="389958"/>
+          </a:xfrm>
+          <a:prstGeom prst="rightArrow">
+            <a:avLst/>
+          </a:prstGeom>
+          <a:solidFill>
+            <a:schemeClr val="accent6">
+              <a:lumMod val="40000"/>
+              <a:lumOff val="60000"/>
+            </a:schemeClr>
+          </a:solidFill>
+          <a:ln>
+            <a:solidFill>
+              <a:srgbClr val="92D050"/>
+            </a:solidFill>
+          </a:ln>
+        </p:spPr>
+        <p:style>
+          <a:lnRef idx="2">
+            <a:schemeClr val="accent1">
+              <a:shade val="50000"/>
+            </a:schemeClr>
+          </a:lnRef>
+          <a:fillRef idx="1">
+            <a:schemeClr val="accent1"/>
+          </a:fillRef>
+          <a:effectRef idx="0">
+            <a:schemeClr val="accent1"/>
+          </a:effectRef>
+          <a:fontRef idx="minor">
+            <a:schemeClr val="lt1"/>
+          </a:fontRef>
+        </p:style>
+        <p:txBody>
+          <a:bodyPr rot="0" spcFirstLastPara="0" vertOverflow="overflow" horzOverflow="overflow" vert="horz" wrap="square" lIns="91440" tIns="45720" rIns="91440" bIns="45720" numCol="1" spcCol="0" rtlCol="0" fromWordArt="0" anchor="ctr" anchorCtr="0" forceAA="0" compatLnSpc="1">
+            <a:prstTxWarp prst="textNoShape">
+              <a:avLst/>
+            </a:prstTxWarp>
+            <a:noAutofit/>
+          </a:bodyPr>
+          <a:lstStyle/>
+          <a:p>
+            <a:pPr algn="ctr"/>
+            <a:endParaRPr lang="en-US"/>
+          </a:p>
+        </p:txBody>
+      </p:sp>
+      <p:sp>
+        <p:nvSpPr>
+          <p:cNvPr id="70" name="Rounded Rectangle 69">
+            <a:extLst>
+              <a:ext uri="{FF2B5EF4-FFF2-40B4-BE49-F238E27FC236}">
+                <a16:creationId xmlns:a16="http://schemas.microsoft.com/office/drawing/2014/main" id="{DC70069E-48A3-C8DF-77DD-79E10624208B}"/>
+              </a:ext>
+            </a:extLst>
+          </p:cNvPr>
+          <p:cNvSpPr/>
+          <p:nvPr/>
+        </p:nvSpPr>
+        <p:spPr>
+          <a:xfrm>
+            <a:off x="4888551" y="36677"/>
+            <a:ext cx="4816746" cy="533955"/>
+          </a:xfrm>
+          <a:prstGeom prst="roundRect">
+            <a:avLst/>
+          </a:prstGeom>
+          <a:solidFill>
+            <a:schemeClr val="bg1"/>
+          </a:solidFill>
+          <a:ln w="38100">
+            <a:solidFill>
+              <a:srgbClr val="92D050"/>
+            </a:solidFill>
+          </a:ln>
+        </p:spPr>
+        <p:style>
+          <a:lnRef idx="2">
+            <a:schemeClr val="accent1">
+              <a:shade val="50000"/>
+            </a:schemeClr>
+          </a:lnRef>
+          <a:fillRef idx="1">
+            <a:schemeClr val="accent1"/>
+          </a:fillRef>
+          <a:effectRef idx="0">
+            <a:schemeClr val="accent1"/>
+          </a:effectRef>
+          <a:fontRef idx="minor">
+            <a:schemeClr val="lt1"/>
+          </a:fontRef>
+        </p:style>
+        <p:txBody>
+          <a:bodyPr rot="0" spcFirstLastPara="0" vertOverflow="overflow" horzOverflow="overflow" vert="horz" wrap="square" lIns="91440" tIns="45720" rIns="91440" bIns="45720" numCol="1" spcCol="0" rtlCol="0" fromWordArt="0" anchor="ctr" anchorCtr="0" forceAA="0" compatLnSpc="1">
+            <a:prstTxWarp prst="textNoShape">
+              <a:avLst/>
+            </a:prstTxWarp>
+            <a:noAutofit/>
+          </a:bodyPr>
+          <a:lstStyle/>
+          <a:p>
+            <a:pPr algn="ctr"/>
+            <a:endParaRPr lang="en-US"/>
+          </a:p>
+        </p:txBody>
+      </p:sp>
+      <p:sp>
+        <p:nvSpPr>
+          <p:cNvPr id="76" name="TextBox 75">
+            <a:extLst>
+              <a:ext uri="{FF2B5EF4-FFF2-40B4-BE49-F238E27FC236}">
+                <a16:creationId xmlns:a16="http://schemas.microsoft.com/office/drawing/2014/main" id="{3E37E132-1F26-97D7-8C31-0439C9B09E76}"/>
+              </a:ext>
+            </a:extLst>
+          </p:cNvPr>
+          <p:cNvSpPr txBox="1"/>
+          <p:nvPr/>
+        </p:nvSpPr>
+        <p:spPr>
+          <a:xfrm>
+            <a:off x="4778008" y="85301"/>
+            <a:ext cx="5106887" cy="400110"/>
+          </a:xfrm>
+          <a:prstGeom prst="rect">
+            <a:avLst/>
+          </a:prstGeom>
+          <a:noFill/>
+        </p:spPr>
+        <p:txBody>
+          <a:bodyPr wrap="square" rtlCol="0">
+            <a:spAutoFit/>
+          </a:bodyPr>
+          <a:lstStyle/>
+          <a:p>
+            <a:pPr algn="ctr"/>
+            <a:r>
+              <a:rPr lang="en-US" sz="2000" b="1" dirty="0"/>
+              <a:t>2. Searching </a:t>
+            </a:r>
+            <a:r>
+              <a:rPr lang="en-US" sz="2000" b="1" dirty="0" err="1"/>
+              <a:t>DateLife’s</a:t>
+            </a:r>
+            <a:r>
+              <a:rPr lang="en-US" sz="2000" b="1" dirty="0"/>
+              <a:t> chronogram database</a:t>
+            </a:r>
+          </a:p>
+        </p:txBody>
+      </p:sp>
+      <p:pic>
+        <p:nvPicPr>
+          <p:cNvPr id="77" name="Picture 76">
+            <a:extLst>
+              <a:ext uri="{FF2B5EF4-FFF2-40B4-BE49-F238E27FC236}">
+                <a16:creationId xmlns:a16="http://schemas.microsoft.com/office/drawing/2014/main" id="{BE65764B-3A92-04D9-88D6-6CDB28261A1E}"/>
+              </a:ext>
+            </a:extLst>
+          </p:cNvPr>
+          <p:cNvPicPr>
+            <a:picLocks noChangeAspect="1"/>
+          </p:cNvPicPr>
+          <p:nvPr/>
+        </p:nvPicPr>
+        <p:blipFill rotWithShape="1">
+          <a:blip r:embed="rId12"/>
+          <a:srcRect t="8072" r="60585" b="17934"/>
+          <a:stretch/>
+        </p:blipFill>
+        <p:spPr>
+          <a:xfrm>
+            <a:off x="5277318" y="2081398"/>
+            <a:ext cx="518012" cy="1154930"/>
+          </a:xfrm>
+          <a:prstGeom prst="rect">
+            <a:avLst/>
+          </a:prstGeom>
+        </p:spPr>
+      </p:pic>
+      <p:pic>
+        <p:nvPicPr>
+          <p:cNvPr id="78" name="Picture 77">
+            <a:extLst>
+              <a:ext uri="{FF2B5EF4-FFF2-40B4-BE49-F238E27FC236}">
+                <a16:creationId xmlns:a16="http://schemas.microsoft.com/office/drawing/2014/main" id="{75047B8F-C24A-8127-D5D8-605F0036E7B6}"/>
+              </a:ext>
+            </a:extLst>
+          </p:cNvPr>
+          <p:cNvPicPr>
+            <a:picLocks noChangeAspect="1"/>
+          </p:cNvPicPr>
+          <p:nvPr/>
+        </p:nvPicPr>
+        <p:blipFill rotWithShape="1">
+          <a:blip r:embed="rId13"/>
+          <a:srcRect t="8072" r="60585" b="17934"/>
+          <a:stretch/>
+        </p:blipFill>
+        <p:spPr>
+          <a:xfrm>
+            <a:off x="5629023" y="1197252"/>
+            <a:ext cx="606779" cy="1369173"/>
+          </a:xfrm>
+          <a:prstGeom prst="rect">
+            <a:avLst/>
+          </a:prstGeom>
+        </p:spPr>
+      </p:pic>
+      <p:pic>
+        <p:nvPicPr>
+          <p:cNvPr id="79" name="Picture 78">
+            <a:extLst>
+              <a:ext uri="{FF2B5EF4-FFF2-40B4-BE49-F238E27FC236}">
+                <a16:creationId xmlns:a16="http://schemas.microsoft.com/office/drawing/2014/main" id="{280BCD32-B1AD-D45E-3BF6-EBEE34110E4B}"/>
+              </a:ext>
+            </a:extLst>
+          </p:cNvPr>
+          <p:cNvPicPr>
+            <a:picLocks noChangeAspect="1"/>
+          </p:cNvPicPr>
+          <p:nvPr/>
+        </p:nvPicPr>
+        <p:blipFill rotWithShape="1">
+          <a:blip r:embed="rId14"/>
+          <a:srcRect t="8072" r="60585" b="17934"/>
+          <a:stretch/>
+        </p:blipFill>
+        <p:spPr>
+          <a:xfrm>
+            <a:off x="6575662" y="1344649"/>
+            <a:ext cx="511153" cy="1423388"/>
+          </a:xfrm>
+          <a:prstGeom prst="rect">
+            <a:avLst/>
+          </a:prstGeom>
+        </p:spPr>
+      </p:pic>
+      <p:pic>
+        <p:nvPicPr>
+          <p:cNvPr id="80" name="Picture 79">
+            <a:extLst>
+              <a:ext uri="{FF2B5EF4-FFF2-40B4-BE49-F238E27FC236}">
+                <a16:creationId xmlns:a16="http://schemas.microsoft.com/office/drawing/2014/main" id="{B2D62842-B3A3-3D3F-D5EC-299F2B83CB91}"/>
+              </a:ext>
+            </a:extLst>
+          </p:cNvPr>
+          <p:cNvPicPr>
+            <a:picLocks noChangeAspect="1"/>
+          </p:cNvPicPr>
+          <p:nvPr/>
+        </p:nvPicPr>
+        <p:blipFill rotWithShape="1">
+          <a:blip r:embed="rId15"/>
+          <a:srcRect t="8072" r="60585" b="17934"/>
+          <a:stretch/>
+        </p:blipFill>
+        <p:spPr>
+          <a:xfrm>
+            <a:off x="7415529" y="1411486"/>
+            <a:ext cx="606780" cy="1689675"/>
+          </a:xfrm>
+          <a:prstGeom prst="rect">
+            <a:avLst/>
+          </a:prstGeom>
+        </p:spPr>
+      </p:pic>
+      <p:pic>
+        <p:nvPicPr>
+          <p:cNvPr id="81" name="Picture 80">
+            <a:extLst>
+              <a:ext uri="{FF2B5EF4-FFF2-40B4-BE49-F238E27FC236}">
+                <a16:creationId xmlns:a16="http://schemas.microsoft.com/office/drawing/2014/main" id="{37858447-BADC-D4BE-07DF-C7A7BC1E0097}"/>
+              </a:ext>
+            </a:extLst>
+          </p:cNvPr>
+          <p:cNvPicPr>
+            <a:picLocks noChangeAspect="1"/>
+          </p:cNvPicPr>
+          <p:nvPr/>
+        </p:nvPicPr>
+        <p:blipFill rotWithShape="1">
+          <a:blip r:embed="rId16"/>
+          <a:srcRect l="31349" t="16187" r="45578" b="27268"/>
+          <a:stretch/>
+        </p:blipFill>
+        <p:spPr>
+          <a:xfrm>
+            <a:off x="5135572" y="1747181"/>
+            <a:ext cx="445514" cy="427843"/>
+          </a:xfrm>
+          <a:prstGeom prst="rect">
+            <a:avLst/>
+          </a:prstGeom>
+        </p:spPr>
+      </p:pic>
+      <p:pic>
+        <p:nvPicPr>
+          <p:cNvPr id="82" name="Picture 81">
+            <a:extLst>
+              <a:ext uri="{FF2B5EF4-FFF2-40B4-BE49-F238E27FC236}">
+                <a16:creationId xmlns:a16="http://schemas.microsoft.com/office/drawing/2014/main" id="{5FF2BD69-0ADF-4073-BBA0-7EA7BD95007A}"/>
+              </a:ext>
+            </a:extLst>
+          </p:cNvPr>
+          <p:cNvPicPr>
+            <a:picLocks noChangeAspect="1"/>
+          </p:cNvPicPr>
+          <p:nvPr/>
+        </p:nvPicPr>
+        <p:blipFill rotWithShape="1">
+          <a:blip r:embed="rId17"/>
           <a:srcRect l="5959" t="39310" r="60585" b="17934"/>
           <a:stretch/>
         </p:blipFill>
         <p:spPr>
           <a:xfrm>
-            <a:off x="6305956" y="1925932"/>
+            <a:off x="9105024" y="2130641"/>
             <a:ext cx="729573" cy="372749"/>
           </a:xfrm>
           <a:prstGeom prst="rect">
@@ -5364,10 +5151,214 @@
       </p:pic>
       <p:pic>
         <p:nvPicPr>
-          <p:cNvPr id="4" name="Picture 3">
+          <p:cNvPr id="83" name="Picture 82">
             <a:extLst>
               <a:ext uri="{FF2B5EF4-FFF2-40B4-BE49-F238E27FC236}">
-                <a16:creationId xmlns:a16="http://schemas.microsoft.com/office/drawing/2014/main" id="{B25D988F-5F98-3B29-A0E9-ECA7FE967F8D}"/>
+                <a16:creationId xmlns:a16="http://schemas.microsoft.com/office/drawing/2014/main" id="{4CA95960-8078-20E6-3530-BB7F4B8DB4BB}"/>
+              </a:ext>
+            </a:extLst>
+          </p:cNvPr>
+          <p:cNvPicPr>
+            <a:picLocks noChangeAspect="1"/>
+          </p:cNvPicPr>
+          <p:nvPr/>
+        </p:nvPicPr>
+        <p:blipFill rotWithShape="1">
+          <a:blip r:embed="rId18"/>
+          <a:srcRect t="9678" r="61676" b="16720"/>
+          <a:stretch/>
+        </p:blipFill>
+        <p:spPr>
+          <a:xfrm>
+            <a:off x="8100022" y="1194872"/>
+            <a:ext cx="729572" cy="1346019"/>
+          </a:xfrm>
+          <a:prstGeom prst="rect">
+            <a:avLst/>
+          </a:prstGeom>
+        </p:spPr>
+      </p:pic>
+      <p:sp>
+        <p:nvSpPr>
+          <p:cNvPr id="84" name="TextBox 83">
+            <a:extLst>
+              <a:ext uri="{FF2B5EF4-FFF2-40B4-BE49-F238E27FC236}">
+                <a16:creationId xmlns:a16="http://schemas.microsoft.com/office/drawing/2014/main" id="{33D2387C-D52A-88A7-EC41-ECE7E7D37037}"/>
+              </a:ext>
+            </a:extLst>
+          </p:cNvPr>
+          <p:cNvSpPr txBox="1"/>
+          <p:nvPr/>
+        </p:nvSpPr>
+        <p:spPr>
+          <a:xfrm>
+            <a:off x="7011280" y="1675674"/>
+            <a:ext cx="300082" cy="369332"/>
+          </a:xfrm>
+          <a:prstGeom prst="rect">
+            <a:avLst/>
+          </a:prstGeom>
+          <a:noFill/>
+        </p:spPr>
+        <p:txBody>
+          <a:bodyPr wrap="none" rtlCol="0">
+            <a:spAutoFit/>
+          </a:bodyPr>
+          <a:lstStyle/>
+          <a:p>
+            <a:r>
+              <a:rPr lang="en-US" dirty="0">
+                <a:solidFill>
+                  <a:srgbClr val="FF0000"/>
+                </a:solidFill>
+              </a:rPr>
+              <a:t>*</a:t>
+            </a:r>
+          </a:p>
+        </p:txBody>
+      </p:sp>
+      <p:sp>
+        <p:nvSpPr>
+          <p:cNvPr id="85" name="TextBox 84">
+            <a:extLst>
+              <a:ext uri="{FF2B5EF4-FFF2-40B4-BE49-F238E27FC236}">
+                <a16:creationId xmlns:a16="http://schemas.microsoft.com/office/drawing/2014/main" id="{6CE40B3B-E293-77BF-A437-A39800DA8A19}"/>
+              </a:ext>
+            </a:extLst>
+          </p:cNvPr>
+          <p:cNvSpPr txBox="1"/>
+          <p:nvPr/>
+        </p:nvSpPr>
+        <p:spPr>
+          <a:xfrm>
+            <a:off x="5323018" y="1548511"/>
+            <a:ext cx="300082" cy="369332"/>
+          </a:xfrm>
+          <a:prstGeom prst="rect">
+            <a:avLst/>
+          </a:prstGeom>
+          <a:noFill/>
+        </p:spPr>
+        <p:txBody>
+          <a:bodyPr wrap="none" rtlCol="0">
+            <a:spAutoFit/>
+          </a:bodyPr>
+          <a:lstStyle/>
+          <a:p>
+            <a:r>
+              <a:rPr lang="en-US" dirty="0">
+                <a:solidFill>
+                  <a:srgbClr val="FF0000"/>
+                </a:solidFill>
+              </a:rPr>
+              <a:t>*</a:t>
+            </a:r>
+          </a:p>
+        </p:txBody>
+      </p:sp>
+      <p:sp>
+        <p:nvSpPr>
+          <p:cNvPr id="86" name="TextBox 85">
+            <a:extLst>
+              <a:ext uri="{FF2B5EF4-FFF2-40B4-BE49-F238E27FC236}">
+                <a16:creationId xmlns:a16="http://schemas.microsoft.com/office/drawing/2014/main" id="{52961957-C6D4-8AD3-D54A-A8409340AE36}"/>
+              </a:ext>
+            </a:extLst>
+          </p:cNvPr>
+          <p:cNvSpPr txBox="1"/>
+          <p:nvPr/>
+        </p:nvSpPr>
+        <p:spPr>
+          <a:xfrm>
+            <a:off x="8984480" y="2810460"/>
+            <a:ext cx="300082" cy="369332"/>
+          </a:xfrm>
+          <a:prstGeom prst="rect">
+            <a:avLst/>
+          </a:prstGeom>
+          <a:noFill/>
+        </p:spPr>
+        <p:txBody>
+          <a:bodyPr wrap="none" rtlCol="0">
+            <a:spAutoFit/>
+          </a:bodyPr>
+          <a:lstStyle/>
+          <a:p>
+            <a:r>
+              <a:rPr lang="en-US" dirty="0">
+                <a:solidFill>
+                  <a:srgbClr val="FF0000"/>
+                </a:solidFill>
+              </a:rPr>
+              <a:t>*</a:t>
+            </a:r>
+          </a:p>
+        </p:txBody>
+      </p:sp>
+      <p:pic>
+        <p:nvPicPr>
+          <p:cNvPr id="87" name="Picture 86">
+            <a:extLst>
+              <a:ext uri="{FF2B5EF4-FFF2-40B4-BE49-F238E27FC236}">
+                <a16:creationId xmlns:a16="http://schemas.microsoft.com/office/drawing/2014/main" id="{19F81ABF-40A7-4C60-C4F9-8270F1160764}"/>
+              </a:ext>
+            </a:extLst>
+          </p:cNvPr>
+          <p:cNvPicPr>
+            <a:picLocks noChangeAspect="1"/>
+          </p:cNvPicPr>
+          <p:nvPr/>
+        </p:nvPicPr>
+        <p:blipFill rotWithShape="1">
+          <a:blip r:embed="rId16"/>
+          <a:srcRect l="31349" t="16187" r="45578" b="27268"/>
+          <a:stretch/>
+        </p:blipFill>
+        <p:spPr>
+          <a:xfrm rot="10800000">
+            <a:off x="9187917" y="2798863"/>
+            <a:ext cx="445514" cy="427843"/>
+          </a:xfrm>
+          <a:prstGeom prst="rect">
+            <a:avLst/>
+          </a:prstGeom>
+        </p:spPr>
+      </p:pic>
+      <p:pic>
+        <p:nvPicPr>
+          <p:cNvPr id="88" name="Picture 87">
+            <a:extLst>
+              <a:ext uri="{FF2B5EF4-FFF2-40B4-BE49-F238E27FC236}">
+                <a16:creationId xmlns:a16="http://schemas.microsoft.com/office/drawing/2014/main" id="{7B8D9995-E2A1-1EAB-B5A6-1F43BCA3F84A}"/>
+              </a:ext>
+            </a:extLst>
+          </p:cNvPr>
+          <p:cNvPicPr>
+            <a:picLocks noChangeAspect="1"/>
+          </p:cNvPicPr>
+          <p:nvPr/>
+        </p:nvPicPr>
+        <p:blipFill rotWithShape="1">
+          <a:blip r:embed="rId17"/>
+          <a:srcRect l="5959" t="39310" r="60585" b="17934"/>
+          <a:stretch/>
+        </p:blipFill>
+        <p:spPr>
+          <a:xfrm>
+            <a:off x="8112438" y="2949521"/>
+            <a:ext cx="729573" cy="372749"/>
+          </a:xfrm>
+          <a:prstGeom prst="rect">
+            <a:avLst/>
+          </a:prstGeom>
+        </p:spPr>
+      </p:pic>
+      <p:pic>
+        <p:nvPicPr>
+          <p:cNvPr id="89" name="Picture 88">
+            <a:extLst>
+              <a:ext uri="{FF2B5EF4-FFF2-40B4-BE49-F238E27FC236}">
+                <a16:creationId xmlns:a16="http://schemas.microsoft.com/office/drawing/2014/main" id="{6118B387-ABA7-8BF7-AE2F-E23BFB4E481C}"/>
               </a:ext>
             </a:extLst>
           </p:cNvPr>
@@ -5377,14 +5368,14 @@
           <p:nvPr/>
         </p:nvPicPr>
         <p:blipFill>
-          <a:blip r:embed="rId21"/>
+          <a:blip r:embed="rId19"/>
           <a:stretch>
             <a:fillRect/>
           </a:stretch>
         </p:blipFill>
         <p:spPr>
           <a:xfrm flipH="1">
-            <a:off x="5320907" y="1660033"/>
+            <a:off x="5895943" y="2573618"/>
             <a:ext cx="896729" cy="768625"/>
           </a:xfrm>
           <a:prstGeom prst="rect">
@@ -5392,6 +5383,323 @@
           </a:prstGeom>
         </p:spPr>
       </p:pic>
+      <p:grpSp>
+        <p:nvGrpSpPr>
+          <p:cNvPr id="131" name="Group 130">
+            <a:extLst>
+              <a:ext uri="{FF2B5EF4-FFF2-40B4-BE49-F238E27FC236}">
+                <a16:creationId xmlns:a16="http://schemas.microsoft.com/office/drawing/2014/main" id="{237CE8B6-FF88-A54D-9058-1A544CD55E4E}"/>
+              </a:ext>
+            </a:extLst>
+          </p:cNvPr>
+          <p:cNvGrpSpPr/>
+          <p:nvPr/>
+        </p:nvGrpSpPr>
+        <p:grpSpPr>
+          <a:xfrm>
+            <a:off x="12346963" y="1687674"/>
+            <a:ext cx="2128684" cy="1689674"/>
+            <a:chOff x="349831" y="5774256"/>
+            <a:chExt cx="2128684" cy="1689674"/>
+          </a:xfrm>
+        </p:grpSpPr>
+        <p:sp>
+          <p:nvSpPr>
+            <p:cNvPr id="132" name="Rounded Rectangle 131">
+              <a:extLst>
+                <a:ext uri="{FF2B5EF4-FFF2-40B4-BE49-F238E27FC236}">
+                  <a16:creationId xmlns:a16="http://schemas.microsoft.com/office/drawing/2014/main" id="{78450D60-342C-774D-889C-C19A33B394BE}"/>
+                </a:ext>
+              </a:extLst>
+            </p:cNvPr>
+            <p:cNvSpPr/>
+            <p:nvPr/>
+          </p:nvSpPr>
+          <p:spPr>
+            <a:xfrm>
+              <a:off x="349831" y="5774256"/>
+              <a:ext cx="2128684" cy="1689674"/>
+            </a:xfrm>
+            <a:prstGeom prst="roundRect">
+              <a:avLst/>
+            </a:prstGeom>
+            <a:solidFill>
+              <a:srgbClr val="A2FD3B">
+                <a:alpha val="69804"/>
+              </a:srgbClr>
+            </a:solidFill>
+          </p:spPr>
+          <p:style>
+            <a:lnRef idx="2">
+              <a:schemeClr val="accent1">
+                <a:shade val="50000"/>
+              </a:schemeClr>
+            </a:lnRef>
+            <a:fillRef idx="1">
+              <a:schemeClr val="accent1"/>
+            </a:fillRef>
+            <a:effectRef idx="0">
+              <a:schemeClr val="accent1"/>
+            </a:effectRef>
+            <a:fontRef idx="minor">
+              <a:schemeClr val="lt1"/>
+            </a:fontRef>
+          </p:style>
+          <p:txBody>
+            <a:bodyPr rot="0" spcFirstLastPara="0" vertOverflow="overflow" horzOverflow="overflow" vert="horz" wrap="square" lIns="91440" tIns="45720" rIns="91440" bIns="45720" numCol="1" spcCol="0" rtlCol="0" fromWordArt="0" anchor="ctr" anchorCtr="0" forceAA="0" compatLnSpc="1">
+              <a:prstTxWarp prst="textNoShape">
+                <a:avLst/>
+              </a:prstTxWarp>
+              <a:noAutofit/>
+            </a:bodyPr>
+            <a:lstStyle/>
+            <a:p>
+              <a:pPr algn="ctr"/>
+              <a:endParaRPr lang="en-US" dirty="0"/>
+            </a:p>
+          </p:txBody>
+        </p:sp>
+        <p:pic>
+          <p:nvPicPr>
+            <p:cNvPr id="133" name="Picture 132">
+              <a:extLst>
+                <a:ext uri="{FF2B5EF4-FFF2-40B4-BE49-F238E27FC236}">
+                  <a16:creationId xmlns:a16="http://schemas.microsoft.com/office/drawing/2014/main" id="{9094FA13-8AF7-1A40-8183-C2AFE2C7E83B}"/>
+                </a:ext>
+              </a:extLst>
+            </p:cNvPr>
+            <p:cNvPicPr>
+              <a:picLocks noChangeAspect="1"/>
+            </p:cNvPicPr>
+            <p:nvPr/>
+          </p:nvPicPr>
+          <p:blipFill>
+            <a:blip r:embed="rId20"/>
+            <a:stretch>
+              <a:fillRect/>
+            </a:stretch>
+          </p:blipFill>
+          <p:spPr>
+            <a:xfrm>
+              <a:off x="374937" y="5929435"/>
+              <a:ext cx="2057400" cy="1428750"/>
+            </a:xfrm>
+            <a:prstGeom prst="rect">
+              <a:avLst/>
+            </a:prstGeom>
+          </p:spPr>
+        </p:pic>
+      </p:grpSp>
+      <p:grpSp>
+        <p:nvGrpSpPr>
+          <p:cNvPr id="137" name="Group 136">
+            <a:extLst>
+              <a:ext uri="{FF2B5EF4-FFF2-40B4-BE49-F238E27FC236}">
+                <a16:creationId xmlns:a16="http://schemas.microsoft.com/office/drawing/2014/main" id="{C7ECA3AB-4175-7A4B-98A2-3E0A1938CB40}"/>
+              </a:ext>
+            </a:extLst>
+          </p:cNvPr>
+          <p:cNvGrpSpPr/>
+          <p:nvPr/>
+        </p:nvGrpSpPr>
+        <p:grpSpPr>
+          <a:xfrm>
+            <a:off x="12316913" y="122079"/>
+            <a:ext cx="2128684" cy="1442486"/>
+            <a:chOff x="3095159" y="6869139"/>
+            <a:chExt cx="2128684" cy="1442486"/>
+          </a:xfrm>
+        </p:grpSpPr>
+        <p:sp>
+          <p:nvSpPr>
+            <p:cNvPr id="138" name="Rounded Rectangle 137">
+              <a:extLst>
+                <a:ext uri="{FF2B5EF4-FFF2-40B4-BE49-F238E27FC236}">
+                  <a16:creationId xmlns:a16="http://schemas.microsoft.com/office/drawing/2014/main" id="{6DEEC078-29E2-AB4C-AA8E-79FB6365CAEC}"/>
+                </a:ext>
+              </a:extLst>
+            </p:cNvPr>
+            <p:cNvSpPr/>
+            <p:nvPr/>
+          </p:nvSpPr>
+          <p:spPr>
+            <a:xfrm>
+              <a:off x="3095159" y="6869139"/>
+              <a:ext cx="2128684" cy="1442486"/>
+            </a:xfrm>
+            <a:prstGeom prst="roundRect">
+              <a:avLst/>
+            </a:prstGeom>
+            <a:solidFill>
+              <a:srgbClr val="D23004">
+                <a:alpha val="69804"/>
+              </a:srgbClr>
+            </a:solidFill>
+          </p:spPr>
+          <p:style>
+            <a:lnRef idx="2">
+              <a:schemeClr val="accent1">
+                <a:shade val="50000"/>
+              </a:schemeClr>
+            </a:lnRef>
+            <a:fillRef idx="1">
+              <a:schemeClr val="accent1"/>
+            </a:fillRef>
+            <a:effectRef idx="0">
+              <a:schemeClr val="accent1"/>
+            </a:effectRef>
+            <a:fontRef idx="minor">
+              <a:schemeClr val="lt1"/>
+            </a:fontRef>
+          </p:style>
+          <p:txBody>
+            <a:bodyPr rot="0" spcFirstLastPara="0" vertOverflow="overflow" horzOverflow="overflow" vert="horz" wrap="square" lIns="91440" tIns="45720" rIns="91440" bIns="45720" numCol="1" spcCol="0" rtlCol="0" fromWordArt="0" anchor="ctr" anchorCtr="0" forceAA="0" compatLnSpc="1">
+              <a:prstTxWarp prst="textNoShape">
+                <a:avLst/>
+              </a:prstTxWarp>
+              <a:noAutofit/>
+            </a:bodyPr>
+            <a:lstStyle/>
+            <a:p>
+              <a:pPr algn="ctr"/>
+              <a:endParaRPr lang="en-US" dirty="0"/>
+            </a:p>
+          </p:txBody>
+        </p:sp>
+        <p:pic>
+          <p:nvPicPr>
+            <p:cNvPr id="139" name="Picture 138">
+              <a:extLst>
+                <a:ext uri="{FF2B5EF4-FFF2-40B4-BE49-F238E27FC236}">
+                  <a16:creationId xmlns:a16="http://schemas.microsoft.com/office/drawing/2014/main" id="{CA3DB4E6-6898-2A42-9EFC-2EAACE0FC24F}"/>
+                </a:ext>
+              </a:extLst>
+            </p:cNvPr>
+            <p:cNvPicPr>
+              <a:picLocks noChangeAspect="1"/>
+            </p:cNvPicPr>
+            <p:nvPr/>
+          </p:nvPicPr>
+          <p:blipFill>
+            <a:blip r:embed="rId21"/>
+            <a:stretch>
+              <a:fillRect/>
+            </a:stretch>
+          </p:blipFill>
+          <p:spPr>
+            <a:xfrm>
+              <a:off x="3104106" y="6876007"/>
+              <a:ext cx="2057400" cy="1428750"/>
+            </a:xfrm>
+            <a:prstGeom prst="rect">
+              <a:avLst/>
+            </a:prstGeom>
+          </p:spPr>
+        </p:pic>
+      </p:grpSp>
+      <p:sp>
+        <p:nvSpPr>
+          <p:cNvPr id="90" name="Rounded Rectangle 89">
+            <a:extLst>
+              <a:ext uri="{FF2B5EF4-FFF2-40B4-BE49-F238E27FC236}">
+                <a16:creationId xmlns:a16="http://schemas.microsoft.com/office/drawing/2014/main" id="{2093F83C-308B-9555-8F24-9253AF0A9955}"/>
+              </a:ext>
+            </a:extLst>
+          </p:cNvPr>
+          <p:cNvSpPr/>
+          <p:nvPr/>
+        </p:nvSpPr>
+        <p:spPr>
+          <a:xfrm>
+            <a:off x="42250" y="26869"/>
+            <a:ext cx="4024328" cy="495068"/>
+          </a:xfrm>
+          <a:prstGeom prst="roundRect">
+            <a:avLst/>
+          </a:prstGeom>
+          <a:solidFill>
+            <a:schemeClr val="bg1"/>
+          </a:solidFill>
+          <a:ln w="38100">
+            <a:solidFill>
+              <a:srgbClr val="92D050"/>
+            </a:solidFill>
+          </a:ln>
+        </p:spPr>
+        <p:style>
+          <a:lnRef idx="2">
+            <a:schemeClr val="accent1">
+              <a:shade val="50000"/>
+            </a:schemeClr>
+          </a:lnRef>
+          <a:fillRef idx="1">
+            <a:schemeClr val="accent1"/>
+          </a:fillRef>
+          <a:effectRef idx="0">
+            <a:schemeClr val="accent1"/>
+          </a:effectRef>
+          <a:fontRef idx="minor">
+            <a:schemeClr val="lt1"/>
+          </a:fontRef>
+        </p:style>
+        <p:txBody>
+          <a:bodyPr rot="0" spcFirstLastPara="0" vertOverflow="overflow" horzOverflow="overflow" vert="horz" wrap="square" lIns="91440" tIns="45720" rIns="91440" bIns="45720" numCol="1" spcCol="0" rtlCol="0" fromWordArt="0" anchor="ctr" anchorCtr="0" forceAA="0" compatLnSpc="1">
+            <a:prstTxWarp prst="textNoShape">
+              <a:avLst/>
+            </a:prstTxWarp>
+            <a:noAutofit/>
+          </a:bodyPr>
+          <a:lstStyle/>
+          <a:p>
+            <a:pPr algn="ctr"/>
+            <a:endParaRPr lang="en-US"/>
+          </a:p>
+        </p:txBody>
+      </p:sp>
+      <p:sp>
+        <p:nvSpPr>
+          <p:cNvPr id="91" name="TextBox 90">
+            <a:extLst>
+              <a:ext uri="{FF2B5EF4-FFF2-40B4-BE49-F238E27FC236}">
+                <a16:creationId xmlns:a16="http://schemas.microsoft.com/office/drawing/2014/main" id="{5437CD53-AA39-8223-E27C-5E271E4BC69E}"/>
+              </a:ext>
+            </a:extLst>
+          </p:cNvPr>
+          <p:cNvSpPr txBox="1"/>
+          <p:nvPr/>
+        </p:nvSpPr>
+        <p:spPr>
+          <a:xfrm>
+            <a:off x="63345" y="27486"/>
+            <a:ext cx="3938811" cy="400110"/>
+          </a:xfrm>
+          <a:prstGeom prst="rect">
+            <a:avLst/>
+          </a:prstGeom>
+          <a:noFill/>
+        </p:spPr>
+        <p:txBody>
+          <a:bodyPr wrap="square" rtlCol="0">
+            <a:spAutoFit/>
+          </a:bodyPr>
+          <a:lstStyle/>
+          <a:p>
+            <a:pPr algn="ctr"/>
+            <a:r>
+              <a:rPr lang="en-US" sz="2000" b="1" dirty="0"/>
+              <a:t>1. Creating a </a:t>
+            </a:r>
+            <a:r>
+              <a:rPr lang="en-US" sz="2000" b="1" dirty="0" err="1"/>
+              <a:t>DateLife</a:t>
+            </a:r>
+            <a:r>
+              <a:rPr lang="en-US" sz="2000" b="1" dirty="0"/>
+              <a:t> search query</a:t>
+            </a:r>
+          </a:p>
+        </p:txBody>
+      </p:sp>
     </p:spTree>
     <p:extLst>
       <p:ext uri="{BB962C8B-B14F-4D97-AF65-F5344CB8AC3E}">

--- a/figures/figure1/figure1-new.pptx
+++ b/figures/figure1/figure1-new.pptx
@@ -3157,7 +3157,7 @@
         </p:nvSpPr>
         <p:spPr>
           <a:xfrm>
-            <a:off x="5770908" y="4082020"/>
+            <a:off x="5799936" y="4009450"/>
             <a:ext cx="3096675" cy="923330"/>
           </a:xfrm>
           <a:prstGeom prst="rect">
@@ -3174,7 +3174,7 @@
             <a:pPr algn="r"/>
             <a:r>
               <a:rPr lang="en-US" dirty="0"/>
-              <a:t>3b) </a:t>
+              <a:t>C2) </a:t>
             </a:r>
             <a:r>
               <a:rPr lang="en-US" b="1" dirty="0" err="1"/>
@@ -3218,7 +3218,7 @@
             <a:pPr algn="ctr"/>
             <a:r>
               <a:rPr lang="en-US" dirty="0"/>
-              <a:t>3a) Choose a </a:t>
+              <a:t>C1) Choose a </a:t>
             </a:r>
             <a:r>
               <a:rPr lang="en-US" b="1" dirty="0"/>
@@ -3241,7 +3241,7 @@
         </p:nvSpPr>
         <p:spPr>
           <a:xfrm rot="10800000" flipV="1">
-            <a:off x="4808294" y="4336818"/>
+            <a:off x="4792750" y="4162918"/>
             <a:ext cx="958778" cy="389958"/>
           </a:xfrm>
           <a:prstGeom prst="rightArrow">
@@ -3303,7 +3303,7 @@
         </p:nvSpPr>
         <p:spPr>
           <a:xfrm>
-            <a:off x="1259478" y="4074336"/>
+            <a:off x="1259478" y="4001766"/>
             <a:ext cx="3432702" cy="646331"/>
           </a:xfrm>
           <a:prstGeom prst="rect">
@@ -3320,7 +3320,7 @@
             <a:pPr algn="r"/>
             <a:r>
               <a:rPr lang="en-US" dirty="0"/>
-              <a:t>3c) Use ages of congruent nodes to </a:t>
+              <a:t>C3) Use ages of congruent nodes to </a:t>
             </a:r>
             <a:r>
               <a:rPr lang="en-US" b="1" dirty="0"/>
@@ -3343,8 +3343,8 @@
         </p:nvSpPr>
         <p:spPr>
           <a:xfrm>
-            <a:off x="4475" y="3978179"/>
-            <a:ext cx="14629540" cy="5120851"/>
+            <a:off x="42249" y="3978179"/>
+            <a:ext cx="14551831" cy="5120851"/>
           </a:xfrm>
           <a:prstGeom prst="roundRect">
             <a:avLst/>
@@ -4000,7 +4000,7 @@
         </p:nvSpPr>
         <p:spPr>
           <a:xfrm>
-            <a:off x="10112391" y="3988626"/>
+            <a:off x="10083363" y="3974112"/>
             <a:ext cx="4481690" cy="414059"/>
           </a:xfrm>
           <a:prstGeom prst="roundRect">
@@ -4047,50 +4047,6 @@
       </p:sp>
       <p:sp>
         <p:nvSpPr>
-          <p:cNvPr id="93" name="TextBox 92">
-            <a:extLst>
-              <a:ext uri="{FF2B5EF4-FFF2-40B4-BE49-F238E27FC236}">
-                <a16:creationId xmlns:a16="http://schemas.microsoft.com/office/drawing/2014/main" id="{D019AA0B-EF8E-0DF3-3F3A-E57804BB23C9}"/>
-              </a:ext>
-            </a:extLst>
-          </p:cNvPr>
-          <p:cNvSpPr txBox="1"/>
-          <p:nvPr/>
-        </p:nvSpPr>
-        <p:spPr>
-          <a:xfrm>
-            <a:off x="10082930" y="3976490"/>
-            <a:ext cx="4433713" cy="400110"/>
-          </a:xfrm>
-          <a:prstGeom prst="rect">
-            <a:avLst/>
-          </a:prstGeom>
-          <a:noFill/>
-        </p:spPr>
-        <p:txBody>
-          <a:bodyPr wrap="none" rtlCol="0">
-            <a:spAutoFit/>
-          </a:bodyPr>
-          <a:lstStyle/>
-          <a:p>
-            <a:pPr algn="ctr"/>
-            <a:r>
-              <a:rPr lang="en-US" sz="2000" b="1" dirty="0"/>
-              <a:t>3. Summarizing </a:t>
-            </a:r>
-            <a:r>
-              <a:rPr lang="en-US" sz="2000" b="1" dirty="0" err="1"/>
-              <a:t>DateLife’s</a:t>
-            </a:r>
-            <a:r>
-              <a:rPr lang="en-US" sz="2000" b="1" dirty="0"/>
-              <a:t> search results</a:t>
-            </a:r>
-          </a:p>
-        </p:txBody>
-      </p:sp>
-      <p:sp>
-        <p:nvSpPr>
           <p:cNvPr id="119" name="TextBox 118">
             <a:extLst>
               <a:ext uri="{FF2B5EF4-FFF2-40B4-BE49-F238E27FC236}">
@@ -4164,7 +4120,7 @@
         </p:nvSpPr>
         <p:spPr>
           <a:xfrm>
-            <a:off x="181547" y="2760690"/>
+            <a:off x="239603" y="2760690"/>
             <a:ext cx="3853372" cy="646331"/>
           </a:xfrm>
           <a:prstGeom prst="rect">
@@ -4178,10 +4134,9 @@
           </a:bodyPr>
           <a:lstStyle/>
           <a:p>
-            <a:pPr algn="ctr"/>
             <a:r>
               <a:rPr lang="en-US" dirty="0"/>
-              <a:t>1b) Process taxon names with </a:t>
+              <a:t>A2) Process taxon names with </a:t>
             </a:r>
             <a:r>
               <a:rPr lang="en-US" b="1" dirty="0"/>
@@ -4192,8 +4147,8 @@
               <a:t> and </a:t>
             </a:r>
             <a:r>
-              <a:rPr lang="en-US" b="1" dirty="0" err="1"/>
-              <a:t>standardizE</a:t>
+              <a:rPr lang="en-US" b="1" dirty="0"/>
+              <a:t>standardize</a:t>
             </a:r>
             <a:r>
               <a:rPr lang="en-US" dirty="0"/>
@@ -4359,7 +4314,7 @@
         </p:nvSpPr>
         <p:spPr>
           <a:xfrm>
-            <a:off x="4475" y="619041"/>
+            <a:off x="91577" y="632937"/>
             <a:ext cx="4024328" cy="646331"/>
           </a:xfrm>
           <a:prstGeom prst="rect">
@@ -4373,10 +4328,9 @@
           </a:bodyPr>
           <a:lstStyle/>
           <a:p>
-            <a:pPr algn="ctr"/>
             <a:r>
               <a:rPr lang="en-US" dirty="0"/>
-              <a:t>1a) User provides a list of </a:t>
+              <a:t>A1) User provides a list of </a:t>
             </a:r>
             <a:r>
               <a:rPr lang="en-US" b="1" dirty="0"/>
@@ -4535,7 +4489,7 @@
           <a:p>
             <a:r>
               <a:rPr lang="en-US" dirty="0"/>
-              <a:t>2b) Prune matching chronograms and save as </a:t>
+              <a:t>B2) Prune matching chronograms and save as </a:t>
             </a:r>
             <a:r>
               <a:rPr lang="en-US" b="1" dirty="0"/>
@@ -4621,7 +4575,7 @@
         </p:nvSpPr>
         <p:spPr>
           <a:xfrm>
-            <a:off x="4888551" y="36098"/>
+            <a:off x="4845009" y="36098"/>
             <a:ext cx="9745462" cy="3399647"/>
           </a:xfrm>
           <a:prstGeom prst="roundRect">
@@ -4785,7 +4739,7 @@
           <a:p>
             <a:r>
               <a:rPr lang="en-US" dirty="0"/>
-              <a:t>2a) Match </a:t>
+              <a:t>B1) Match </a:t>
             </a:r>
             <a:r>
               <a:rPr lang="en-US" b="1" dirty="0"/>
@@ -4886,8 +4840,8 @@
         </p:nvSpPr>
         <p:spPr>
           <a:xfrm>
-            <a:off x="4888551" y="36677"/>
-            <a:ext cx="4816746" cy="533955"/>
+            <a:off x="4845009" y="36677"/>
+            <a:ext cx="4905458" cy="533955"/>
           </a:xfrm>
           <a:prstGeom prst="roundRect">
             <a:avLst/>
@@ -4945,7 +4899,7 @@
         </p:nvSpPr>
         <p:spPr>
           <a:xfrm>
-            <a:off x="4778008" y="85301"/>
+            <a:off x="4734466" y="85301"/>
             <a:ext cx="5106887" cy="400110"/>
           </a:xfrm>
           <a:prstGeom prst="rect">
@@ -4962,7 +4916,7 @@
             <a:pPr algn="ctr"/>
             <a:r>
               <a:rPr lang="en-US" sz="2000" b="1" dirty="0"/>
-              <a:t>2. Searching </a:t>
+              <a:t>B) Searching </a:t>
             </a:r>
             <a:r>
               <a:rPr lang="en-US" sz="2000" b="1" dirty="0" err="1"/>
@@ -5687,7 +5641,7 @@
             <a:pPr algn="ctr"/>
             <a:r>
               <a:rPr lang="en-US" sz="2000" b="1" dirty="0"/>
-              <a:t>1. Creating a </a:t>
+              <a:t>A) Creating a </a:t>
             </a:r>
             <a:r>
               <a:rPr lang="en-US" sz="2000" b="1" dirty="0" err="1"/>
@@ -5696,6 +5650,50 @@
             <a:r>
               <a:rPr lang="en-US" sz="2000" b="1" dirty="0"/>
               <a:t> search query</a:t>
+            </a:r>
+          </a:p>
+        </p:txBody>
+      </p:sp>
+      <p:sp>
+        <p:nvSpPr>
+          <p:cNvPr id="96" name="TextBox 95">
+            <a:extLst>
+              <a:ext uri="{FF2B5EF4-FFF2-40B4-BE49-F238E27FC236}">
+                <a16:creationId xmlns:a16="http://schemas.microsoft.com/office/drawing/2014/main" id="{01920247-C39D-D3E4-E5DE-6CD0B6A5750E}"/>
+              </a:ext>
+            </a:extLst>
+          </p:cNvPr>
+          <p:cNvSpPr txBox="1"/>
+          <p:nvPr/>
+        </p:nvSpPr>
+        <p:spPr>
+          <a:xfrm>
+            <a:off x="10088628" y="3976490"/>
+            <a:ext cx="4451347" cy="400110"/>
+          </a:xfrm>
+          <a:prstGeom prst="rect">
+            <a:avLst/>
+          </a:prstGeom>
+          <a:noFill/>
+        </p:spPr>
+        <p:txBody>
+          <a:bodyPr wrap="none" rtlCol="0">
+            <a:spAutoFit/>
+          </a:bodyPr>
+          <a:lstStyle/>
+          <a:p>
+            <a:pPr algn="ctr"/>
+            <a:r>
+              <a:rPr lang="en-US" sz="2000" b="1" dirty="0"/>
+              <a:t>C) Summarizing </a:t>
+            </a:r>
+            <a:r>
+              <a:rPr lang="en-US" sz="2000" b="1" dirty="0" err="1"/>
+              <a:t>DateLife’s</a:t>
+            </a:r>
+            <a:r>
+              <a:rPr lang="en-US" sz="2000" b="1" dirty="0"/>
+              <a:t> search results</a:t>
             </a:r>
           </a:p>
         </p:txBody>

--- a/figures/figure1/figure1-new.pptx
+++ b/figures/figure1/figure1-new.pptx
@@ -243,7 +243,7 @@
           <a:p>
             <a:fld id="{36D6B43A-FB72-2B4A-8DB0-B6C23179BADB}" type="datetimeFigureOut">
               <a:rPr lang="en-US" smtClean="0"/>
-              <a:t>5/27/22</a:t>
+              <a:t>5/30/22</a:t>
             </a:fld>
             <a:endParaRPr lang="en-US"/>
           </a:p>
@@ -413,7 +413,7 @@
           <a:p>
             <a:fld id="{36D6B43A-FB72-2B4A-8DB0-B6C23179BADB}" type="datetimeFigureOut">
               <a:rPr lang="en-US" smtClean="0"/>
-              <a:t>5/27/22</a:t>
+              <a:t>5/30/22</a:t>
             </a:fld>
             <a:endParaRPr lang="en-US"/>
           </a:p>
@@ -593,7 +593,7 @@
           <a:p>
             <a:fld id="{36D6B43A-FB72-2B4A-8DB0-B6C23179BADB}" type="datetimeFigureOut">
               <a:rPr lang="en-US" smtClean="0"/>
-              <a:t>5/27/22</a:t>
+              <a:t>5/30/22</a:t>
             </a:fld>
             <a:endParaRPr lang="en-US"/>
           </a:p>
@@ -763,7 +763,7 @@
           <a:p>
             <a:fld id="{36D6B43A-FB72-2B4A-8DB0-B6C23179BADB}" type="datetimeFigureOut">
               <a:rPr lang="en-US" smtClean="0"/>
-              <a:t>5/27/22</a:t>
+              <a:t>5/30/22</a:t>
             </a:fld>
             <a:endParaRPr lang="en-US"/>
           </a:p>
@@ -1009,7 +1009,7 @@
           <a:p>
             <a:fld id="{36D6B43A-FB72-2B4A-8DB0-B6C23179BADB}" type="datetimeFigureOut">
               <a:rPr lang="en-US" smtClean="0"/>
-              <a:t>5/27/22</a:t>
+              <a:t>5/30/22</a:t>
             </a:fld>
             <a:endParaRPr lang="en-US"/>
           </a:p>
@@ -1241,7 +1241,7 @@
           <a:p>
             <a:fld id="{36D6B43A-FB72-2B4A-8DB0-B6C23179BADB}" type="datetimeFigureOut">
               <a:rPr lang="en-US" smtClean="0"/>
-              <a:t>5/27/22</a:t>
+              <a:t>5/30/22</a:t>
             </a:fld>
             <a:endParaRPr lang="en-US"/>
           </a:p>
@@ -1608,7 +1608,7 @@
           <a:p>
             <a:fld id="{36D6B43A-FB72-2B4A-8DB0-B6C23179BADB}" type="datetimeFigureOut">
               <a:rPr lang="en-US" smtClean="0"/>
-              <a:t>5/27/22</a:t>
+              <a:t>5/30/22</a:t>
             </a:fld>
             <a:endParaRPr lang="en-US"/>
           </a:p>
@@ -1726,7 +1726,7 @@
           <a:p>
             <a:fld id="{36D6B43A-FB72-2B4A-8DB0-B6C23179BADB}" type="datetimeFigureOut">
               <a:rPr lang="en-US" smtClean="0"/>
-              <a:t>5/27/22</a:t>
+              <a:t>5/30/22</a:t>
             </a:fld>
             <a:endParaRPr lang="en-US"/>
           </a:p>
@@ -1821,7 +1821,7 @@
           <a:p>
             <a:fld id="{36D6B43A-FB72-2B4A-8DB0-B6C23179BADB}" type="datetimeFigureOut">
               <a:rPr lang="en-US" smtClean="0"/>
-              <a:t>5/27/22</a:t>
+              <a:t>5/30/22</a:t>
             </a:fld>
             <a:endParaRPr lang="en-US"/>
           </a:p>
@@ -2098,7 +2098,7 @@
           <a:p>
             <a:fld id="{36D6B43A-FB72-2B4A-8DB0-B6C23179BADB}" type="datetimeFigureOut">
               <a:rPr lang="en-US" smtClean="0"/>
-              <a:t>5/27/22</a:t>
+              <a:t>5/30/22</a:t>
             </a:fld>
             <a:endParaRPr lang="en-US"/>
           </a:p>
@@ -2355,7 +2355,7 @@
           <a:p>
             <a:fld id="{36D6B43A-FB72-2B4A-8DB0-B6C23179BADB}" type="datetimeFigureOut">
               <a:rPr lang="en-US" smtClean="0"/>
-              <a:t>5/27/22</a:t>
+              <a:t>5/30/22</a:t>
             </a:fld>
             <a:endParaRPr lang="en-US"/>
           </a:p>
@@ -2568,7 +2568,7 @@
           <a:p>
             <a:fld id="{36D6B43A-FB72-2B4A-8DB0-B6C23179BADB}" type="datetimeFigureOut">
               <a:rPr lang="en-US" smtClean="0"/>
-              <a:t>5/27/22</a:t>
+              <a:t>5/30/22</a:t>
             </a:fld>
             <a:endParaRPr lang="en-US"/>
           </a:p>
@@ -4000,7 +4000,7 @@
         </p:nvSpPr>
         <p:spPr>
           <a:xfrm>
-            <a:off x="10083363" y="3974112"/>
+            <a:off x="9386680" y="3974112"/>
             <a:ext cx="4481690" cy="414059"/>
           </a:xfrm>
           <a:prstGeom prst="roundRect">
@@ -4701,7 +4701,7 @@
         </p:blipFill>
         <p:spPr>
           <a:xfrm>
-            <a:off x="8902371" y="1432208"/>
+            <a:off x="5579064" y="2056133"/>
             <a:ext cx="883578" cy="377873"/>
           </a:xfrm>
           <a:prstGeom prst="rect">
@@ -4739,7 +4739,7 @@
           <a:p>
             <a:r>
               <a:rPr lang="en-US" dirty="0"/>
-              <a:t>B1) Match </a:t>
+              <a:t>B1) Search </a:t>
             </a:r>
             <a:r>
               <a:rPr lang="en-US" b="1" dirty="0"/>
@@ -4747,7 +4747,7 @@
             </a:r>
             <a:r>
               <a:rPr lang="en-US" dirty="0"/>
-              <a:t> to chronogram database and identify (</a:t>
+              <a:t> in chronogram database and identify (</a:t>
             </a:r>
             <a:r>
               <a:rPr lang="en-US" dirty="0">
@@ -4950,7 +4950,7 @@
         </p:blipFill>
         <p:spPr>
           <a:xfrm>
-            <a:off x="5277318" y="2081398"/>
+            <a:off x="5030139" y="2096349"/>
             <a:ext cx="518012" cy="1154930"/>
           </a:xfrm>
           <a:prstGeom prst="rect">
@@ -4979,7 +4979,7 @@
         </p:blipFill>
         <p:spPr>
           <a:xfrm>
-            <a:off x="5629023" y="1197252"/>
+            <a:off x="5237693" y="1215057"/>
             <a:ext cx="606779" cy="1369173"/>
           </a:xfrm>
           <a:prstGeom prst="rect">
@@ -5008,7 +5008,7 @@
         </p:blipFill>
         <p:spPr>
           <a:xfrm>
-            <a:off x="6575662" y="1344649"/>
+            <a:off x="6459256" y="1898882"/>
             <a:ext cx="511153" cy="1423388"/>
           </a:xfrm>
           <a:prstGeom prst="rect">
@@ -5037,7 +5037,7 @@
         </p:blipFill>
         <p:spPr>
           <a:xfrm>
-            <a:off x="7415529" y="1411486"/>
+            <a:off x="7067586" y="1250995"/>
             <a:ext cx="606780" cy="1689675"/>
           </a:xfrm>
           <a:prstGeom prst="rect">
@@ -5066,7 +5066,7 @@
         </p:blipFill>
         <p:spPr>
           <a:xfrm>
-            <a:off x="5135572" y="1747181"/>
+            <a:off x="4932372" y="1747181"/>
             <a:ext cx="445514" cy="427843"/>
           </a:xfrm>
           <a:prstGeom prst="rect">
@@ -5095,7 +5095,7 @@
         </p:blipFill>
         <p:spPr>
           <a:xfrm>
-            <a:off x="9105024" y="2130641"/>
+            <a:off x="7962756" y="2839008"/>
             <a:ext cx="729573" cy="372749"/>
           </a:xfrm>
           <a:prstGeom prst="rect">
@@ -5124,7 +5124,7 @@
         </p:blipFill>
         <p:spPr>
           <a:xfrm>
-            <a:off x="8100022" y="1194872"/>
+            <a:off x="7693378" y="1282704"/>
             <a:ext cx="729572" cy="1346019"/>
           </a:xfrm>
           <a:prstGeom prst="rect">
@@ -5146,7 +5146,7 @@
         </p:nvSpPr>
         <p:spPr>
           <a:xfrm>
-            <a:off x="7011280" y="1675674"/>
+            <a:off x="6456110" y="2340300"/>
             <a:ext cx="300082" cy="369332"/>
           </a:xfrm>
           <a:prstGeom prst="rect">
@@ -5185,7 +5185,7 @@
         </p:nvSpPr>
         <p:spPr>
           <a:xfrm>
-            <a:off x="5323018" y="1548511"/>
+            <a:off x="5119818" y="1548511"/>
             <a:ext cx="300082" cy="369332"/>
           </a:xfrm>
           <a:prstGeom prst="rect">
@@ -5224,7 +5224,7 @@
         </p:nvSpPr>
         <p:spPr>
           <a:xfrm>
-            <a:off x="8984480" y="2810460"/>
+            <a:off x="7186020" y="2971931"/>
             <a:ext cx="300082" cy="369332"/>
           </a:xfrm>
           <a:prstGeom prst="rect">
@@ -5270,7 +5270,7 @@
         </p:blipFill>
         <p:spPr>
           <a:xfrm rot="10800000">
-            <a:off x="9187917" y="2798863"/>
+            <a:off x="7389457" y="2960334"/>
             <a:ext cx="445514" cy="427843"/>
           </a:xfrm>
           <a:prstGeom prst="rect">
@@ -5299,7 +5299,7 @@
         </p:blipFill>
         <p:spPr>
           <a:xfrm>
-            <a:off x="8112438" y="2949521"/>
+            <a:off x="6020853" y="1396743"/>
             <a:ext cx="729573" cy="372749"/>
           </a:xfrm>
           <a:prstGeom prst="rect">
@@ -5329,7 +5329,7 @@
         </p:blipFill>
         <p:spPr>
           <a:xfrm flipH="1">
-            <a:off x="5895943" y="2573618"/>
+            <a:off x="5662526" y="2599080"/>
             <a:ext cx="896729" cy="768625"/>
           </a:xfrm>
           <a:prstGeom prst="rect">
@@ -5351,7 +5351,7 @@
         </p:nvGrpSpPr>
         <p:grpSpPr>
           <a:xfrm>
-            <a:off x="12346963" y="1687674"/>
+            <a:off x="12244091" y="1644476"/>
             <a:ext cx="2128684" cy="1689674"/>
             <a:chOff x="349831" y="5774256"/>
             <a:chExt cx="2128684" cy="1689674"/>
@@ -5458,7 +5458,7 @@
         </p:nvGrpSpPr>
         <p:grpSpPr>
           <a:xfrm>
-            <a:off x="12316913" y="122079"/>
+            <a:off x="12234429" y="119938"/>
             <a:ext cx="2128684" cy="1442486"/>
             <a:chOff x="3095159" y="6869139"/>
             <a:chExt cx="2128684" cy="1442486"/>
@@ -5668,7 +5668,7 @@
         </p:nvSpPr>
         <p:spPr>
           <a:xfrm>
-            <a:off x="10088628" y="3976490"/>
+            <a:off x="9391945" y="3976490"/>
             <a:ext cx="4451347" cy="400110"/>
           </a:xfrm>
           <a:prstGeom prst="rect">
